--- a/(ICP Presentation)Procedures for Amending the Constitution.pptx
+++ b/(ICP Presentation)Procedures for Amending the Constitution.pptx
@@ -896,8 +896,8 @@
         </p:nvSpPr>
         <p:spPr>
           <a:xfrm>
-            <a:off x="1143225" y="685800"/>
-            <a:ext cx="4572225" cy="3429000"/>
+            <a:off x="381000" y="685800"/>
+            <a:ext cx="6096000" cy="3429000"/>
           </a:xfrm>
           <a:custGeom>
             <a:avLst/>
@@ -1000,8 +1000,8 @@
         </p:nvSpPr>
         <p:spPr>
           <a:xfrm>
-            <a:off x="1143225" y="685800"/>
-            <a:ext cx="4572225" cy="3429000"/>
+            <a:off x="381000" y="685800"/>
+            <a:ext cx="6096000" cy="3429000"/>
           </a:xfrm>
           <a:custGeom>
             <a:avLst/>
@@ -11551,7 +11551,7 @@
         </p:blipFill>
         <p:spPr>
           <a:xfrm>
-            <a:off x="-212651" y="-186070"/>
+            <a:off x="-206864" y="-186070"/>
             <a:ext cx="12769702" cy="7187610"/>
           </a:xfrm>
           <a:prstGeom prst="rect">
@@ -11601,7 +11601,7 @@
               <a:buNone/>
             </a:pPr>
             <a:r>
-              <a:rPr lang="en-US" sz="5400" b="1" i="0" u="none" strike="noStrike" cap="none">
+              <a:rPr lang="en-US" sz="5400" b="1" i="0" u="none" strike="noStrike" cap="none" dirty="0">
                 <a:solidFill>
                   <a:srgbClr val="FFFFFF"/>
                 </a:solidFill>
@@ -11613,7 +11613,7 @@
               <a:t>Procedures for Amending</a:t>
             </a:r>
             <a:br>
-              <a:rPr lang="en-US" sz="1800" b="0" i="0" u="none" strike="noStrike" cap="none">
+              <a:rPr lang="en-US" sz="1800" b="0" i="0" u="none" strike="noStrike" cap="none" dirty="0">
                 <a:solidFill>
                   <a:schemeClr val="dk1"/>
                 </a:solidFill>
@@ -11624,7 +11624,7 @@
               </a:rPr>
             </a:br>
             <a:r>
-              <a:rPr lang="en-US" sz="5400" b="1" i="0" u="none" strike="noStrike" cap="none">
+              <a:rPr lang="en-US" sz="5400" b="1" i="0" u="none" strike="noStrike" cap="none" dirty="0">
                 <a:solidFill>
                   <a:srgbClr val="FFFFFF"/>
                 </a:solidFill>
@@ -11635,7 +11635,7 @@
               </a:rPr>
               <a:t> the Constitution</a:t>
             </a:r>
-            <a:endParaRPr/>
+            <a:endParaRPr dirty="0"/>
           </a:p>
         </p:txBody>
       </p:sp>
@@ -11697,8 +11697,8 @@
         </p:nvSpPr>
         <p:spPr>
           <a:xfrm>
-            <a:off x="4833937" y="4897635"/>
-            <a:ext cx="2524125" cy="285750"/>
+            <a:off x="4260851" y="4730750"/>
+            <a:ext cx="3479800" cy="461665"/>
           </a:xfrm>
           <a:prstGeom prst="rect">
             <a:avLst/>
@@ -11727,7 +11727,7 @@
               <a:buNone/>
             </a:pPr>
             <a:r>
-              <a:rPr lang="en-US" sz="1500" b="0" i="0" u="none" strike="noStrike" cap="none">
+              <a:rPr lang="en-US" sz="2000" b="0" i="1" u="none" strike="noStrike" cap="none" dirty="0">
                 <a:solidFill>
                   <a:srgbClr val="DDDDDD"/>
                 </a:solidFill>
@@ -11738,7 +11738,88 @@
               </a:rPr>
               <a:t>Pakistan Constitution 1973</a:t>
             </a:r>
-            <a:endParaRPr/>
+            <a:endParaRPr sz="2000" i="1" dirty="0"/>
+          </a:p>
+        </p:txBody>
+      </p:sp>
+      <p:sp>
+        <p:nvSpPr>
+          <p:cNvPr id="4" name="TextBox 3">
+            <a:extLst>
+              <a:ext uri="{FF2B5EF4-FFF2-40B4-BE49-F238E27FC236}">
+                <a16:creationId xmlns:a16="http://schemas.microsoft.com/office/drawing/2014/main" id="{BE584CD4-12A0-B2D7-7FB8-E6DED2FDC47B}"/>
+              </a:ext>
+            </a:extLst>
+          </p:cNvPr>
+          <p:cNvSpPr txBox="1"/>
+          <p:nvPr/>
+        </p:nvSpPr>
+        <p:spPr>
+          <a:xfrm>
+            <a:off x="397668" y="5378485"/>
+            <a:ext cx="4117181" cy="1015663"/>
+          </a:xfrm>
+          <a:prstGeom prst="rect">
+            <a:avLst/>
+          </a:prstGeom>
+          <a:noFill/>
+        </p:spPr>
+        <p:txBody>
+          <a:bodyPr wrap="square" rtlCol="0">
+            <a:spAutoFit/>
+          </a:bodyPr>
+          <a:lstStyle/>
+          <a:p>
+            <a:r>
+              <a:rPr lang="en-US" sz="2000" i="1" dirty="0">
+                <a:solidFill>
+                  <a:srgbClr val="DDDDDD"/>
+                </a:solidFill>
+                <a:latin typeface="Lato"/>
+                <a:ea typeface="Lato"/>
+                <a:cs typeface="Lato"/>
+                <a:sym typeface="Lato"/>
+              </a:rPr>
+              <a:t>Presented BY:</a:t>
+            </a:r>
+          </a:p>
+          <a:p>
+            <a:r>
+              <a:rPr lang="en-US" sz="2000" i="1" dirty="0">
+                <a:solidFill>
+                  <a:srgbClr val="DDDDDD"/>
+                </a:solidFill>
+                <a:latin typeface="Lato"/>
+                <a:ea typeface="Lato"/>
+                <a:cs typeface="Lato"/>
+                <a:sym typeface="Lato"/>
+              </a:rPr>
+              <a:t>Muhammad Siddique (25K-0610) </a:t>
+            </a:r>
+            <a:br>
+              <a:rPr lang="en-US" sz="2000" i="1" dirty="0">
+                <a:solidFill>
+                  <a:srgbClr val="DDDDDD"/>
+                </a:solidFill>
+                <a:latin typeface="Lato"/>
+                <a:ea typeface="Lato"/>
+                <a:cs typeface="Lato"/>
+                <a:sym typeface="Lato"/>
+              </a:rPr>
+            </a:br>
+            <a:r>
+              <a:rPr lang="en-US" sz="2000" i="1" dirty="0">
+                <a:solidFill>
+                  <a:srgbClr val="DDDDDD"/>
+                </a:solidFill>
+                <a:latin typeface="Lato"/>
+                <a:ea typeface="Lato"/>
+                <a:cs typeface="Lato"/>
+                <a:sym typeface="Lato"/>
+              </a:rPr>
+              <a:t>BCS-1C</a:t>
+            </a:r>
+            <a:endParaRPr lang="en-PK" sz="2000" dirty="0"/>
           </a:p>
         </p:txBody>
       </p:sp>
@@ -11747,6 +11828,164 @@
   <p:clrMapOvr>
     <a:masterClrMapping/>
   </p:clrMapOvr>
+  <p:timing>
+    <p:tnLst>
+      <p:par>
+        <p:cTn id="1" dur="indefinite" restart="never" nodeType="tmRoot">
+          <p:childTnLst>
+            <p:seq concurrent="1" nextAc="seek">
+              <p:cTn id="2" dur="indefinite" nodeType="mainSeq">
+                <p:childTnLst>
+                  <p:par>
+                    <p:cTn id="3" fill="hold">
+                      <p:stCondLst>
+                        <p:cond delay="indefinite"/>
+                      </p:stCondLst>
+                      <p:childTnLst>
+                        <p:par>
+                          <p:cTn id="4" fill="hold">
+                            <p:stCondLst>
+                              <p:cond delay="0"/>
+                            </p:stCondLst>
+                            <p:childTnLst>
+                              <p:par>
+                                <p:cTn id="5" presetID="10" presetClass="entr" presetSubtype="0" fill="hold" grpId="0" nodeType="clickEffect">
+                                  <p:stCondLst>
+                                    <p:cond delay="0"/>
+                                  </p:stCondLst>
+                                  <p:childTnLst>
+                                    <p:set>
+                                      <p:cBhvr>
+                                        <p:cTn id="6" dur="1" fill="hold">
+                                          <p:stCondLst>
+                                            <p:cond delay="0"/>
+                                          </p:stCondLst>
+                                        </p:cTn>
+                                        <p:tgtEl>
+                                          <p:spTgt spid="87"/>
+                                        </p:tgtEl>
+                                        <p:attrNameLst>
+                                          <p:attrName>style.visibility</p:attrName>
+                                        </p:attrNameLst>
+                                      </p:cBhvr>
+                                      <p:to>
+                                        <p:strVal val="visible"/>
+                                      </p:to>
+                                    </p:set>
+                                    <p:animEffect transition="in" filter="fade">
+                                      <p:cBhvr>
+                                        <p:cTn id="7" dur="500"/>
+                                        <p:tgtEl>
+                                          <p:spTgt spid="87"/>
+                                        </p:tgtEl>
+                                      </p:cBhvr>
+                                    </p:animEffect>
+                                  </p:childTnLst>
+                                </p:cTn>
+                              </p:par>
+                              <p:par>
+                                <p:cTn id="8" presetID="10" presetClass="entr" presetSubtype="0" fill="hold" grpId="0" nodeType="withEffect">
+                                  <p:stCondLst>
+                                    <p:cond delay="0"/>
+                                  </p:stCondLst>
+                                  <p:childTnLst>
+                                    <p:set>
+                                      <p:cBhvr>
+                                        <p:cTn id="9" dur="1" fill="hold">
+                                          <p:stCondLst>
+                                            <p:cond delay="0"/>
+                                          </p:stCondLst>
+                                        </p:cTn>
+                                        <p:tgtEl>
+                                          <p:spTgt spid="89"/>
+                                        </p:tgtEl>
+                                        <p:attrNameLst>
+                                          <p:attrName>style.visibility</p:attrName>
+                                        </p:attrNameLst>
+                                      </p:cBhvr>
+                                      <p:to>
+                                        <p:strVal val="visible"/>
+                                      </p:to>
+                                    </p:set>
+                                    <p:animEffect transition="in" filter="fade">
+                                      <p:cBhvr>
+                                        <p:cTn id="10" dur="500"/>
+                                        <p:tgtEl>
+                                          <p:spTgt spid="89"/>
+                                        </p:tgtEl>
+                                      </p:cBhvr>
+                                    </p:animEffect>
+                                  </p:childTnLst>
+                                </p:cTn>
+                              </p:par>
+                              <p:par>
+                                <p:cTn id="11" presetID="10" presetClass="entr" presetSubtype="0" fill="hold" grpId="0" nodeType="withEffect">
+                                  <p:stCondLst>
+                                    <p:cond delay="0"/>
+                                  </p:stCondLst>
+                                  <p:childTnLst>
+                                    <p:set>
+                                      <p:cBhvr>
+                                        <p:cTn id="12" dur="1" fill="hold">
+                                          <p:stCondLst>
+                                            <p:cond delay="0"/>
+                                          </p:stCondLst>
+                                        </p:cTn>
+                                        <p:tgtEl>
+                                          <p:spTgt spid="88"/>
+                                        </p:tgtEl>
+                                        <p:attrNameLst>
+                                          <p:attrName>style.visibility</p:attrName>
+                                        </p:attrNameLst>
+                                      </p:cBhvr>
+                                      <p:to>
+                                        <p:strVal val="visible"/>
+                                      </p:to>
+                                    </p:set>
+                                    <p:animEffect transition="in" filter="fade">
+                                      <p:cBhvr>
+                                        <p:cTn id="13" dur="500"/>
+                                        <p:tgtEl>
+                                          <p:spTgt spid="88"/>
+                                        </p:tgtEl>
+                                      </p:cBhvr>
+                                    </p:animEffect>
+                                  </p:childTnLst>
+                                </p:cTn>
+                              </p:par>
+                            </p:childTnLst>
+                          </p:cTn>
+                        </p:par>
+                      </p:childTnLst>
+                    </p:cTn>
+                  </p:par>
+                </p:childTnLst>
+              </p:cTn>
+              <p:prevCondLst>
+                <p:cond evt="onPrev" delay="0">
+                  <p:tgtEl>
+                    <p:sldTgt/>
+                  </p:tgtEl>
+                </p:cond>
+              </p:prevCondLst>
+              <p:nextCondLst>
+                <p:cond evt="onNext" delay="0">
+                  <p:tgtEl>
+                    <p:sldTgt/>
+                  </p:tgtEl>
+                </p:cond>
+              </p:nextCondLst>
+            </p:seq>
+          </p:childTnLst>
+        </p:cTn>
+      </p:par>
+    </p:tnLst>
+    <p:bldLst>
+      <p:bldP spid="87" grpId="0"/>
+      <p:bldP spid="88" grpId="0" animBg="1"/>
+      <p:bldP spid="89" grpId="0"/>
+    </p:bldLst>
+  </p:timing>
 </p:sld>
 </file>
 
@@ -11844,7 +12083,7 @@
         </p:blipFill>
         <p:spPr>
           <a:xfrm>
-            <a:off x="4349799" y="2933700"/>
+            <a:off x="4355586" y="2945274"/>
             <a:ext cx="3492549" cy="2486025"/>
           </a:xfrm>
           <a:prstGeom prst="rect">
@@ -12118,7 +12357,7 @@
               <a:buNone/>
             </a:pPr>
             <a:r>
-              <a:rPr lang="en-US" sz="2100" b="1" i="0" u="none" strike="noStrike" cap="none">
+              <a:rPr lang="en-US" sz="2100" b="1" i="0" u="none" strike="noStrike" cap="none" dirty="0">
                 <a:solidFill>
                   <a:srgbClr val="004225"/>
                 </a:solidFill>
@@ -12129,7 +12368,7 @@
               </a:rPr>
               <a:t>A Living Document</a:t>
             </a:r>
-            <a:endParaRPr/>
+            <a:endParaRPr dirty="0"/>
           </a:p>
         </p:txBody>
       </p:sp>
@@ -12221,7 +12460,7 @@
               <a:buNone/>
             </a:pPr>
             <a:r>
-              <a:rPr lang="en-US" sz="2100" b="1" i="0" u="none" strike="noStrike" cap="none">
+              <a:rPr lang="en-US" sz="2100" b="1" i="0" u="none" strike="noStrike" cap="none" dirty="0">
                 <a:solidFill>
                   <a:srgbClr val="004225"/>
                 </a:solidFill>
@@ -12232,7 +12471,7 @@
               </a:rPr>
               <a:t>Orderly Change</a:t>
             </a:r>
-            <a:endParaRPr/>
+            <a:endParaRPr dirty="0"/>
           </a:p>
         </p:txBody>
       </p:sp>
@@ -12274,7 +12513,7 @@
               <a:buNone/>
             </a:pPr>
             <a:r>
-              <a:rPr lang="en-US" sz="1350" b="0" i="0" u="none" strike="noStrike" cap="none">
+              <a:rPr lang="en-US" sz="1350" b="0" i="0" u="none" strike="noStrike" cap="none" dirty="0">
                 <a:solidFill>
                   <a:srgbClr val="4A5568"/>
                 </a:solidFill>
@@ -12285,7 +12524,7 @@
               </a:rPr>
               <a:t>Amendments ensure change is orderly, legal, and democratic.</a:t>
             </a:r>
-            <a:endParaRPr/>
+            <a:endParaRPr dirty="0"/>
           </a:p>
         </p:txBody>
       </p:sp>
@@ -12324,7 +12563,7 @@
               <a:buNone/>
             </a:pPr>
             <a:r>
-              <a:rPr lang="en-US" sz="2100" b="1" i="0" u="none" strike="noStrike" cap="none">
+              <a:rPr lang="en-US" sz="2100" b="1" i="0" u="none" strike="noStrike" cap="none" dirty="0">
                 <a:solidFill>
                   <a:srgbClr val="004225"/>
                 </a:solidFill>
@@ -12335,7 +12574,7 @@
               </a:rPr>
               <a:t>Balanced Reform</a:t>
             </a:r>
-            <a:endParaRPr/>
+            <a:endParaRPr dirty="0"/>
           </a:p>
         </p:txBody>
       </p:sp>
@@ -12377,7 +12616,7 @@
               <a:buNone/>
             </a:pPr>
             <a:r>
-              <a:rPr lang="en-US" sz="1350" b="0" i="0" u="none" strike="noStrike" cap="none">
+              <a:rPr lang="en-US" sz="1350" b="0" i="0" u="none" strike="noStrike" cap="none" dirty="0">
                 <a:solidFill>
                   <a:srgbClr val="4A5568"/>
                 </a:solidFill>
@@ -12388,7 +12627,7 @@
               </a:rPr>
               <a:t>The process preserves the fundamental structure while allowing for reform.</a:t>
             </a:r>
-            <a:endParaRPr/>
+            <a:endParaRPr dirty="0"/>
           </a:p>
         </p:txBody>
       </p:sp>
@@ -12478,6 +12717,554 @@
   <p:clrMapOvr>
     <a:masterClrMapping/>
   </p:clrMapOvr>
+  <p:timing>
+    <p:tnLst>
+      <p:par>
+        <p:cTn id="1" dur="indefinite" restart="never" nodeType="tmRoot">
+          <p:childTnLst>
+            <p:seq concurrent="1" nextAc="seek">
+              <p:cTn id="2" dur="indefinite" nodeType="mainSeq">
+                <p:childTnLst>
+                  <p:par>
+                    <p:cTn id="3" fill="hold">
+                      <p:stCondLst>
+                        <p:cond delay="indefinite"/>
+                      </p:stCondLst>
+                      <p:childTnLst>
+                        <p:par>
+                          <p:cTn id="4" fill="hold">
+                            <p:stCondLst>
+                              <p:cond delay="0"/>
+                            </p:stCondLst>
+                            <p:childTnLst>
+                              <p:par>
+                                <p:cTn id="5" presetID="10" presetClass="entr" presetSubtype="0" fill="hold" nodeType="clickEffect">
+                                  <p:stCondLst>
+                                    <p:cond delay="0"/>
+                                  </p:stCondLst>
+                                  <p:childTnLst>
+                                    <p:set>
+                                      <p:cBhvr>
+                                        <p:cTn id="6" dur="1" fill="hold">
+                                          <p:stCondLst>
+                                            <p:cond delay="0"/>
+                                          </p:stCondLst>
+                                        </p:cTn>
+                                        <p:tgtEl>
+                                          <p:spTgt spid="95"/>
+                                        </p:tgtEl>
+                                        <p:attrNameLst>
+                                          <p:attrName>style.visibility</p:attrName>
+                                        </p:attrNameLst>
+                                      </p:cBhvr>
+                                      <p:to>
+                                        <p:strVal val="visible"/>
+                                      </p:to>
+                                    </p:set>
+                                    <p:animEffect transition="in" filter="fade">
+                                      <p:cBhvr>
+                                        <p:cTn id="7" dur="500"/>
+                                        <p:tgtEl>
+                                          <p:spTgt spid="95"/>
+                                        </p:tgtEl>
+                                      </p:cBhvr>
+                                    </p:animEffect>
+                                  </p:childTnLst>
+                                </p:cTn>
+                              </p:par>
+                              <p:par>
+                                <p:cTn id="8" presetID="10" presetClass="entr" presetSubtype="0" fill="hold" nodeType="withEffect">
+                                  <p:stCondLst>
+                                    <p:cond delay="0"/>
+                                  </p:stCondLst>
+                                  <p:childTnLst>
+                                    <p:set>
+                                      <p:cBhvr>
+                                        <p:cTn id="9" dur="1" fill="hold">
+                                          <p:stCondLst>
+                                            <p:cond delay="0"/>
+                                          </p:stCondLst>
+                                        </p:cTn>
+                                        <p:tgtEl>
+                                          <p:spTgt spid="96"/>
+                                        </p:tgtEl>
+                                        <p:attrNameLst>
+                                          <p:attrName>style.visibility</p:attrName>
+                                        </p:attrNameLst>
+                                      </p:cBhvr>
+                                      <p:to>
+                                        <p:strVal val="visible"/>
+                                      </p:to>
+                                    </p:set>
+                                    <p:animEffect transition="in" filter="fade">
+                                      <p:cBhvr>
+                                        <p:cTn id="10" dur="500"/>
+                                        <p:tgtEl>
+                                          <p:spTgt spid="96"/>
+                                        </p:tgtEl>
+                                      </p:cBhvr>
+                                    </p:animEffect>
+                                  </p:childTnLst>
+                                </p:cTn>
+                              </p:par>
+                              <p:par>
+                                <p:cTn id="11" presetID="10" presetClass="entr" presetSubtype="0" fill="hold" nodeType="withEffect">
+                                  <p:stCondLst>
+                                    <p:cond delay="0"/>
+                                  </p:stCondLst>
+                                  <p:childTnLst>
+                                    <p:set>
+                                      <p:cBhvr>
+                                        <p:cTn id="12" dur="1" fill="hold">
+                                          <p:stCondLst>
+                                            <p:cond delay="0"/>
+                                          </p:stCondLst>
+                                        </p:cTn>
+                                        <p:tgtEl>
+                                          <p:spTgt spid="97"/>
+                                        </p:tgtEl>
+                                        <p:attrNameLst>
+                                          <p:attrName>style.visibility</p:attrName>
+                                        </p:attrNameLst>
+                                      </p:cBhvr>
+                                      <p:to>
+                                        <p:strVal val="visible"/>
+                                      </p:to>
+                                    </p:set>
+                                    <p:animEffect transition="in" filter="fade">
+                                      <p:cBhvr>
+                                        <p:cTn id="13" dur="500"/>
+                                        <p:tgtEl>
+                                          <p:spTgt spid="97"/>
+                                        </p:tgtEl>
+                                      </p:cBhvr>
+                                    </p:animEffect>
+                                  </p:childTnLst>
+                                </p:cTn>
+                              </p:par>
+                              <p:par>
+                                <p:cTn id="14" presetID="10" presetClass="entr" presetSubtype="0" fill="hold" grpId="0" nodeType="withEffect">
+                                  <p:stCondLst>
+                                    <p:cond delay="0"/>
+                                  </p:stCondLst>
+                                  <p:childTnLst>
+                                    <p:set>
+                                      <p:cBhvr>
+                                        <p:cTn id="15" dur="1" fill="hold">
+                                          <p:stCondLst>
+                                            <p:cond delay="0"/>
+                                          </p:stCondLst>
+                                        </p:cTn>
+                                        <p:tgtEl>
+                                          <p:spTgt spid="98"/>
+                                        </p:tgtEl>
+                                        <p:attrNameLst>
+                                          <p:attrName>style.visibility</p:attrName>
+                                        </p:attrNameLst>
+                                      </p:cBhvr>
+                                      <p:to>
+                                        <p:strVal val="visible"/>
+                                      </p:to>
+                                    </p:set>
+                                    <p:animEffect transition="in" filter="fade">
+                                      <p:cBhvr>
+                                        <p:cTn id="16" dur="500"/>
+                                        <p:tgtEl>
+                                          <p:spTgt spid="98"/>
+                                        </p:tgtEl>
+                                      </p:cBhvr>
+                                    </p:animEffect>
+                                  </p:childTnLst>
+                                </p:cTn>
+                              </p:par>
+                              <p:par>
+                                <p:cTn id="17" presetID="10" presetClass="entr" presetSubtype="0" fill="hold" grpId="0" nodeType="withEffect">
+                                  <p:stCondLst>
+                                    <p:cond delay="0"/>
+                                  </p:stCondLst>
+                                  <p:childTnLst>
+                                    <p:set>
+                                      <p:cBhvr>
+                                        <p:cTn id="18" dur="1" fill="hold">
+                                          <p:stCondLst>
+                                            <p:cond delay="0"/>
+                                          </p:stCondLst>
+                                        </p:cTn>
+                                        <p:tgtEl>
+                                          <p:spTgt spid="101"/>
+                                        </p:tgtEl>
+                                        <p:attrNameLst>
+                                          <p:attrName>style.visibility</p:attrName>
+                                        </p:attrNameLst>
+                                      </p:cBhvr>
+                                      <p:to>
+                                        <p:strVal val="visible"/>
+                                      </p:to>
+                                    </p:set>
+                                    <p:animEffect transition="in" filter="fade">
+                                      <p:cBhvr>
+                                        <p:cTn id="19" dur="500"/>
+                                        <p:tgtEl>
+                                          <p:spTgt spid="101"/>
+                                        </p:tgtEl>
+                                      </p:cBhvr>
+                                    </p:animEffect>
+                                  </p:childTnLst>
+                                </p:cTn>
+                              </p:par>
+                              <p:par>
+                                <p:cTn id="20" presetID="10" presetClass="entr" presetSubtype="0" fill="hold" grpId="0" nodeType="withEffect">
+                                  <p:stCondLst>
+                                    <p:cond delay="0"/>
+                                  </p:stCondLst>
+                                  <p:childTnLst>
+                                    <p:set>
+                                      <p:cBhvr>
+                                        <p:cTn id="21" dur="1" fill="hold">
+                                          <p:stCondLst>
+                                            <p:cond delay="0"/>
+                                          </p:stCondLst>
+                                        </p:cTn>
+                                        <p:tgtEl>
+                                          <p:spTgt spid="102"/>
+                                        </p:tgtEl>
+                                        <p:attrNameLst>
+                                          <p:attrName>style.visibility</p:attrName>
+                                        </p:attrNameLst>
+                                      </p:cBhvr>
+                                      <p:to>
+                                        <p:strVal val="visible"/>
+                                      </p:to>
+                                    </p:set>
+                                    <p:animEffect transition="in" filter="fade">
+                                      <p:cBhvr>
+                                        <p:cTn id="22" dur="500"/>
+                                        <p:tgtEl>
+                                          <p:spTgt spid="102"/>
+                                        </p:tgtEl>
+                                      </p:cBhvr>
+                                    </p:animEffect>
+                                  </p:childTnLst>
+                                </p:cTn>
+                              </p:par>
+                              <p:par>
+                                <p:cTn id="23" presetID="10" presetClass="entr" presetSubtype="0" fill="hold" grpId="0" nodeType="withEffect">
+                                  <p:stCondLst>
+                                    <p:cond delay="0"/>
+                                  </p:stCondLst>
+                                  <p:childTnLst>
+                                    <p:set>
+                                      <p:cBhvr>
+                                        <p:cTn id="24" dur="1" fill="hold">
+                                          <p:stCondLst>
+                                            <p:cond delay="0"/>
+                                          </p:stCondLst>
+                                        </p:cTn>
+                                        <p:tgtEl>
+                                          <p:spTgt spid="103"/>
+                                        </p:tgtEl>
+                                        <p:attrNameLst>
+                                          <p:attrName>style.visibility</p:attrName>
+                                        </p:attrNameLst>
+                                      </p:cBhvr>
+                                      <p:to>
+                                        <p:strVal val="visible"/>
+                                      </p:to>
+                                    </p:set>
+                                    <p:animEffect transition="in" filter="fade">
+                                      <p:cBhvr>
+                                        <p:cTn id="25" dur="500"/>
+                                        <p:tgtEl>
+                                          <p:spTgt spid="103"/>
+                                        </p:tgtEl>
+                                      </p:cBhvr>
+                                    </p:animEffect>
+                                  </p:childTnLst>
+                                </p:cTn>
+                              </p:par>
+                              <p:par>
+                                <p:cTn id="26" presetID="10" presetClass="entr" presetSubtype="0" fill="hold" grpId="0" nodeType="withEffect">
+                                  <p:stCondLst>
+                                    <p:cond delay="0"/>
+                                  </p:stCondLst>
+                                  <p:childTnLst>
+                                    <p:set>
+                                      <p:cBhvr>
+                                        <p:cTn id="27" dur="1" fill="hold">
+                                          <p:stCondLst>
+                                            <p:cond delay="0"/>
+                                          </p:stCondLst>
+                                        </p:cTn>
+                                        <p:tgtEl>
+                                          <p:spTgt spid="104"/>
+                                        </p:tgtEl>
+                                        <p:attrNameLst>
+                                          <p:attrName>style.visibility</p:attrName>
+                                        </p:attrNameLst>
+                                      </p:cBhvr>
+                                      <p:to>
+                                        <p:strVal val="visible"/>
+                                      </p:to>
+                                    </p:set>
+                                    <p:animEffect transition="in" filter="fade">
+                                      <p:cBhvr>
+                                        <p:cTn id="28" dur="500"/>
+                                        <p:tgtEl>
+                                          <p:spTgt spid="104"/>
+                                        </p:tgtEl>
+                                      </p:cBhvr>
+                                    </p:animEffect>
+                                  </p:childTnLst>
+                                </p:cTn>
+                              </p:par>
+                              <p:par>
+                                <p:cTn id="29" presetID="10" presetClass="entr" presetSubtype="0" fill="hold" grpId="0" nodeType="withEffect">
+                                  <p:stCondLst>
+                                    <p:cond delay="0"/>
+                                  </p:stCondLst>
+                                  <p:childTnLst>
+                                    <p:set>
+                                      <p:cBhvr>
+                                        <p:cTn id="30" dur="1" fill="hold">
+                                          <p:stCondLst>
+                                            <p:cond delay="0"/>
+                                          </p:stCondLst>
+                                        </p:cTn>
+                                        <p:tgtEl>
+                                          <p:spTgt spid="105"/>
+                                        </p:tgtEl>
+                                        <p:attrNameLst>
+                                          <p:attrName>style.visibility</p:attrName>
+                                        </p:attrNameLst>
+                                      </p:cBhvr>
+                                      <p:to>
+                                        <p:strVal val="visible"/>
+                                      </p:to>
+                                    </p:set>
+                                    <p:animEffect transition="in" filter="fade">
+                                      <p:cBhvr>
+                                        <p:cTn id="31" dur="500"/>
+                                        <p:tgtEl>
+                                          <p:spTgt spid="105"/>
+                                        </p:tgtEl>
+                                      </p:cBhvr>
+                                    </p:animEffect>
+                                  </p:childTnLst>
+                                </p:cTn>
+                              </p:par>
+                              <p:par>
+                                <p:cTn id="32" presetID="10" presetClass="entr" presetSubtype="0" fill="hold" grpId="0" nodeType="withEffect">
+                                  <p:stCondLst>
+                                    <p:cond delay="0"/>
+                                  </p:stCondLst>
+                                  <p:childTnLst>
+                                    <p:set>
+                                      <p:cBhvr>
+                                        <p:cTn id="33" dur="1" fill="hold">
+                                          <p:stCondLst>
+                                            <p:cond delay="0"/>
+                                          </p:stCondLst>
+                                        </p:cTn>
+                                        <p:tgtEl>
+                                          <p:spTgt spid="106"/>
+                                        </p:tgtEl>
+                                        <p:attrNameLst>
+                                          <p:attrName>style.visibility</p:attrName>
+                                        </p:attrNameLst>
+                                      </p:cBhvr>
+                                      <p:to>
+                                        <p:strVal val="visible"/>
+                                      </p:to>
+                                    </p:set>
+                                    <p:animEffect transition="in" filter="fade">
+                                      <p:cBhvr>
+                                        <p:cTn id="34" dur="500"/>
+                                        <p:tgtEl>
+                                          <p:spTgt spid="106"/>
+                                        </p:tgtEl>
+                                      </p:cBhvr>
+                                    </p:animEffect>
+                                  </p:childTnLst>
+                                </p:cTn>
+                              </p:par>
+                              <p:par>
+                                <p:cTn id="35" presetID="10" presetClass="entr" presetSubtype="0" fill="hold" grpId="0" nodeType="withEffect">
+                                  <p:stCondLst>
+                                    <p:cond delay="0"/>
+                                  </p:stCondLst>
+                                  <p:childTnLst>
+                                    <p:set>
+                                      <p:cBhvr>
+                                        <p:cTn id="36" dur="1" fill="hold">
+                                          <p:stCondLst>
+                                            <p:cond delay="0"/>
+                                          </p:stCondLst>
+                                        </p:cTn>
+                                        <p:tgtEl>
+                                          <p:spTgt spid="107"/>
+                                        </p:tgtEl>
+                                        <p:attrNameLst>
+                                          <p:attrName>style.visibility</p:attrName>
+                                        </p:attrNameLst>
+                                      </p:cBhvr>
+                                      <p:to>
+                                        <p:strVal val="visible"/>
+                                      </p:to>
+                                    </p:set>
+                                    <p:animEffect transition="in" filter="fade">
+                                      <p:cBhvr>
+                                        <p:cTn id="37" dur="500"/>
+                                        <p:tgtEl>
+                                          <p:spTgt spid="107"/>
+                                        </p:tgtEl>
+                                      </p:cBhvr>
+                                    </p:animEffect>
+                                  </p:childTnLst>
+                                </p:cTn>
+                              </p:par>
+                              <p:par>
+                                <p:cTn id="38" presetID="10" presetClass="entr" presetSubtype="0" fill="hold" nodeType="withEffect">
+                                  <p:stCondLst>
+                                    <p:cond delay="0"/>
+                                  </p:stCondLst>
+                                  <p:childTnLst>
+                                    <p:set>
+                                      <p:cBhvr>
+                                        <p:cTn id="39" dur="1" fill="hold">
+                                          <p:stCondLst>
+                                            <p:cond delay="0"/>
+                                          </p:stCondLst>
+                                        </p:cTn>
+                                        <p:tgtEl>
+                                          <p:spTgt spid="108"/>
+                                        </p:tgtEl>
+                                        <p:attrNameLst>
+                                          <p:attrName>style.visibility</p:attrName>
+                                        </p:attrNameLst>
+                                      </p:cBhvr>
+                                      <p:to>
+                                        <p:strVal val="visible"/>
+                                      </p:to>
+                                    </p:set>
+                                    <p:animEffect transition="in" filter="fade">
+                                      <p:cBhvr>
+                                        <p:cTn id="40" dur="500"/>
+                                        <p:tgtEl>
+                                          <p:spTgt spid="108"/>
+                                        </p:tgtEl>
+                                      </p:cBhvr>
+                                    </p:animEffect>
+                                  </p:childTnLst>
+                                </p:cTn>
+                              </p:par>
+                              <p:par>
+                                <p:cTn id="41" presetID="10" presetClass="entr" presetSubtype="0" fill="hold" nodeType="withEffect">
+                                  <p:stCondLst>
+                                    <p:cond delay="0"/>
+                                  </p:stCondLst>
+                                  <p:childTnLst>
+                                    <p:set>
+                                      <p:cBhvr>
+                                        <p:cTn id="42" dur="1" fill="hold">
+                                          <p:stCondLst>
+                                            <p:cond delay="0"/>
+                                          </p:stCondLst>
+                                        </p:cTn>
+                                        <p:tgtEl>
+                                          <p:spTgt spid="109"/>
+                                        </p:tgtEl>
+                                        <p:attrNameLst>
+                                          <p:attrName>style.visibility</p:attrName>
+                                        </p:attrNameLst>
+                                      </p:cBhvr>
+                                      <p:to>
+                                        <p:strVal val="visible"/>
+                                      </p:to>
+                                    </p:set>
+                                    <p:animEffect transition="in" filter="fade">
+                                      <p:cBhvr>
+                                        <p:cTn id="43" dur="500"/>
+                                        <p:tgtEl>
+                                          <p:spTgt spid="109"/>
+                                        </p:tgtEl>
+                                      </p:cBhvr>
+                                    </p:animEffect>
+                                  </p:childTnLst>
+                                </p:cTn>
+                              </p:par>
+                              <p:par>
+                                <p:cTn id="44" presetID="10" presetClass="entr" presetSubtype="0" fill="hold" nodeType="withEffect">
+                                  <p:stCondLst>
+                                    <p:cond delay="0"/>
+                                  </p:stCondLst>
+                                  <p:childTnLst>
+                                    <p:set>
+                                      <p:cBhvr>
+                                        <p:cTn id="45" dur="1" fill="hold">
+                                          <p:stCondLst>
+                                            <p:cond delay="0"/>
+                                          </p:stCondLst>
+                                        </p:cTn>
+                                        <p:tgtEl>
+                                          <p:spTgt spid="110"/>
+                                        </p:tgtEl>
+                                        <p:attrNameLst>
+                                          <p:attrName>style.visibility</p:attrName>
+                                        </p:attrNameLst>
+                                      </p:cBhvr>
+                                      <p:to>
+                                        <p:strVal val="visible"/>
+                                      </p:to>
+                                    </p:set>
+                                    <p:animEffect transition="in" filter="fade">
+                                      <p:cBhvr>
+                                        <p:cTn id="46" dur="500"/>
+                                        <p:tgtEl>
+                                          <p:spTgt spid="110"/>
+                                        </p:tgtEl>
+                                      </p:cBhvr>
+                                    </p:animEffect>
+                                  </p:childTnLst>
+                                </p:cTn>
+                              </p:par>
+                            </p:childTnLst>
+                          </p:cTn>
+                        </p:par>
+                      </p:childTnLst>
+                    </p:cTn>
+                  </p:par>
+                </p:childTnLst>
+              </p:cTn>
+              <p:prevCondLst>
+                <p:cond evt="onPrev" delay="0">
+                  <p:tgtEl>
+                    <p:sldTgt/>
+                  </p:tgtEl>
+                </p:cond>
+              </p:prevCondLst>
+              <p:nextCondLst>
+                <p:cond evt="onNext" delay="0">
+                  <p:tgtEl>
+                    <p:sldTgt/>
+                  </p:tgtEl>
+                </p:cond>
+              </p:nextCondLst>
+            </p:seq>
+          </p:childTnLst>
+        </p:cTn>
+      </p:par>
+    </p:tnLst>
+    <p:bldLst>
+      <p:bldP spid="98" grpId="0"/>
+      <p:bldP spid="101" grpId="0" animBg="1"/>
+      <p:bldP spid="102" grpId="0"/>
+      <p:bldP spid="103" grpId="0"/>
+      <p:bldP spid="104" grpId="0"/>
+      <p:bldP spid="105" grpId="0"/>
+      <p:bldP spid="106" grpId="0"/>
+      <p:bldP spid="107" grpId="0"/>
+    </p:bldLst>
+  </p:timing>
 </p:sld>
 </file>
 
@@ -12666,56 +13453,6 @@
       </p:sp>
       <p:sp>
         <p:nvSpPr>
-          <p:cNvPr id="120" name="Google Shape;120;p15"/>
-          <p:cNvSpPr txBox="1"/>
-          <p:nvPr/>
-        </p:nvSpPr>
-        <p:spPr>
-          <a:xfrm>
-            <a:off x="571500" y="6553200"/>
-            <a:ext cx="1438275" cy="161925"/>
-          </a:xfrm>
-          <a:prstGeom prst="rect">
-            <a:avLst/>
-          </a:prstGeom>
-          <a:noFill/>
-          <a:ln>
-            <a:noFill/>
-          </a:ln>
-        </p:spPr>
-        <p:txBody>
-          <a:bodyPr spcFirstLastPara="1" wrap="square" lIns="0" tIns="0" rIns="0" bIns="0" anchor="t" anchorCtr="0">
-            <a:spAutoFit/>
-          </a:bodyPr>
-          <a:lstStyle/>
-          <a:p>
-            <a:pPr marL="0" marR="0" lvl="0" indent="0" algn="l" rtl="0">
-              <a:spcBef>
-                <a:spcPts val="0"/>
-              </a:spcBef>
-              <a:spcAft>
-                <a:spcPts val="0"/>
-              </a:spcAft>
-              <a:buNone/>
-            </a:pPr>
-            <a:r>
-              <a:rPr lang="en-US" sz="1050" b="0" i="0" u="none" strike="noStrike" cap="none">
-                <a:solidFill>
-                  <a:srgbClr val="888888"/>
-                </a:solidFill>
-                <a:latin typeface="Lato"/>
-                <a:ea typeface="Lato"/>
-                <a:cs typeface="Lato"/>
-                <a:sym typeface="Lato"/>
-              </a:rPr>
-              <a:t>Constitution of Pakistan</a:t>
-            </a:r>
-            <a:endParaRPr/>
-          </a:p>
-        </p:txBody>
-      </p:sp>
-      <p:sp>
-        <p:nvSpPr>
           <p:cNvPr id="121" name="Google Shape;121;p15"/>
           <p:cNvSpPr txBox="1"/>
           <p:nvPr/>
@@ -13233,6 +13970,625 @@
   <p:clrMapOvr>
     <a:masterClrMapping/>
   </p:clrMapOvr>
+  <p:timing>
+    <p:tnLst>
+      <p:par>
+        <p:cTn id="1" dur="indefinite" restart="never" nodeType="tmRoot">
+          <p:childTnLst>
+            <p:seq concurrent="1" nextAc="seek">
+              <p:cTn id="2" dur="indefinite" nodeType="mainSeq">
+                <p:childTnLst>
+                  <p:par>
+                    <p:cTn id="3" fill="hold">
+                      <p:stCondLst>
+                        <p:cond delay="indefinite"/>
+                      </p:stCondLst>
+                      <p:childTnLst>
+                        <p:par>
+                          <p:cTn id="4" fill="hold">
+                            <p:stCondLst>
+                              <p:cond delay="0"/>
+                            </p:stCondLst>
+                            <p:childTnLst>
+                              <p:par>
+                                <p:cTn id="5" presetID="10" presetClass="entr" presetSubtype="0" fill="hold" nodeType="clickEffect">
+                                  <p:stCondLst>
+                                    <p:cond delay="0"/>
+                                  </p:stCondLst>
+                                  <p:childTnLst>
+                                    <p:set>
+                                      <p:cBhvr>
+                                        <p:cTn id="6" dur="1" fill="hold">
+                                          <p:stCondLst>
+                                            <p:cond delay="0"/>
+                                          </p:stCondLst>
+                                        </p:cTn>
+                                        <p:tgtEl>
+                                          <p:spTgt spid="115"/>
+                                        </p:tgtEl>
+                                        <p:attrNameLst>
+                                          <p:attrName>style.visibility</p:attrName>
+                                        </p:attrNameLst>
+                                      </p:cBhvr>
+                                      <p:to>
+                                        <p:strVal val="visible"/>
+                                      </p:to>
+                                    </p:set>
+                                    <p:animEffect transition="in" filter="fade">
+                                      <p:cBhvr>
+                                        <p:cTn id="7" dur="500"/>
+                                        <p:tgtEl>
+                                          <p:spTgt spid="115"/>
+                                        </p:tgtEl>
+                                      </p:cBhvr>
+                                    </p:animEffect>
+                                  </p:childTnLst>
+                                </p:cTn>
+                              </p:par>
+                              <p:par>
+                                <p:cTn id="8" presetID="10" presetClass="entr" presetSubtype="0" fill="hold" nodeType="withEffect">
+                                  <p:stCondLst>
+                                    <p:cond delay="0"/>
+                                  </p:stCondLst>
+                                  <p:childTnLst>
+                                    <p:set>
+                                      <p:cBhvr>
+                                        <p:cTn id="9" dur="1" fill="hold">
+                                          <p:stCondLst>
+                                            <p:cond delay="0"/>
+                                          </p:stCondLst>
+                                        </p:cTn>
+                                        <p:tgtEl>
+                                          <p:spTgt spid="116"/>
+                                        </p:tgtEl>
+                                        <p:attrNameLst>
+                                          <p:attrName>style.visibility</p:attrName>
+                                        </p:attrNameLst>
+                                      </p:cBhvr>
+                                      <p:to>
+                                        <p:strVal val="visible"/>
+                                      </p:to>
+                                    </p:set>
+                                    <p:animEffect transition="in" filter="fade">
+                                      <p:cBhvr>
+                                        <p:cTn id="10" dur="500"/>
+                                        <p:tgtEl>
+                                          <p:spTgt spid="116"/>
+                                        </p:tgtEl>
+                                      </p:cBhvr>
+                                    </p:animEffect>
+                                  </p:childTnLst>
+                                </p:cTn>
+                              </p:par>
+                              <p:par>
+                                <p:cTn id="11" presetID="10" presetClass="entr" presetSubtype="0" fill="hold" nodeType="withEffect">
+                                  <p:stCondLst>
+                                    <p:cond delay="0"/>
+                                  </p:stCondLst>
+                                  <p:childTnLst>
+                                    <p:set>
+                                      <p:cBhvr>
+                                        <p:cTn id="12" dur="1" fill="hold">
+                                          <p:stCondLst>
+                                            <p:cond delay="0"/>
+                                          </p:stCondLst>
+                                        </p:cTn>
+                                        <p:tgtEl>
+                                          <p:spTgt spid="117"/>
+                                        </p:tgtEl>
+                                        <p:attrNameLst>
+                                          <p:attrName>style.visibility</p:attrName>
+                                        </p:attrNameLst>
+                                      </p:cBhvr>
+                                      <p:to>
+                                        <p:strVal val="visible"/>
+                                      </p:to>
+                                    </p:set>
+                                    <p:animEffect transition="in" filter="fade">
+                                      <p:cBhvr>
+                                        <p:cTn id="13" dur="500"/>
+                                        <p:tgtEl>
+                                          <p:spTgt spid="117"/>
+                                        </p:tgtEl>
+                                      </p:cBhvr>
+                                    </p:animEffect>
+                                  </p:childTnLst>
+                                </p:cTn>
+                              </p:par>
+                              <p:par>
+                                <p:cTn id="14" presetID="10" presetClass="entr" presetSubtype="0" fill="hold" nodeType="withEffect">
+                                  <p:stCondLst>
+                                    <p:cond delay="0"/>
+                                  </p:stCondLst>
+                                  <p:childTnLst>
+                                    <p:set>
+                                      <p:cBhvr>
+                                        <p:cTn id="15" dur="1" fill="hold">
+                                          <p:stCondLst>
+                                            <p:cond delay="0"/>
+                                          </p:stCondLst>
+                                        </p:cTn>
+                                        <p:tgtEl>
+                                          <p:spTgt spid="118"/>
+                                        </p:tgtEl>
+                                        <p:attrNameLst>
+                                          <p:attrName>style.visibility</p:attrName>
+                                        </p:attrNameLst>
+                                      </p:cBhvr>
+                                      <p:to>
+                                        <p:strVal val="visible"/>
+                                      </p:to>
+                                    </p:set>
+                                    <p:animEffect transition="in" filter="fade">
+                                      <p:cBhvr>
+                                        <p:cTn id="16" dur="500"/>
+                                        <p:tgtEl>
+                                          <p:spTgt spid="118"/>
+                                        </p:tgtEl>
+                                      </p:cBhvr>
+                                    </p:animEffect>
+                                  </p:childTnLst>
+                                </p:cTn>
+                              </p:par>
+                              <p:par>
+                                <p:cTn id="17" presetID="10" presetClass="entr" presetSubtype="0" fill="hold" grpId="0" nodeType="withEffect">
+                                  <p:stCondLst>
+                                    <p:cond delay="0"/>
+                                  </p:stCondLst>
+                                  <p:childTnLst>
+                                    <p:set>
+                                      <p:cBhvr>
+                                        <p:cTn id="18" dur="1" fill="hold">
+                                          <p:stCondLst>
+                                            <p:cond delay="0"/>
+                                          </p:stCondLst>
+                                        </p:cTn>
+                                        <p:tgtEl>
+                                          <p:spTgt spid="119"/>
+                                        </p:tgtEl>
+                                        <p:attrNameLst>
+                                          <p:attrName>style.visibility</p:attrName>
+                                        </p:attrNameLst>
+                                      </p:cBhvr>
+                                      <p:to>
+                                        <p:strVal val="visible"/>
+                                      </p:to>
+                                    </p:set>
+                                    <p:animEffect transition="in" filter="fade">
+                                      <p:cBhvr>
+                                        <p:cTn id="19" dur="500"/>
+                                        <p:tgtEl>
+                                          <p:spTgt spid="119"/>
+                                        </p:tgtEl>
+                                      </p:cBhvr>
+                                    </p:animEffect>
+                                  </p:childTnLst>
+                                </p:cTn>
+                              </p:par>
+                              <p:par>
+                                <p:cTn id="20" presetID="10" presetClass="entr" presetSubtype="0" fill="hold" grpId="0" nodeType="withEffect">
+                                  <p:stCondLst>
+                                    <p:cond delay="0"/>
+                                  </p:stCondLst>
+                                  <p:childTnLst>
+                                    <p:set>
+                                      <p:cBhvr>
+                                        <p:cTn id="21" dur="1" fill="hold">
+                                          <p:stCondLst>
+                                            <p:cond delay="0"/>
+                                          </p:stCondLst>
+                                        </p:cTn>
+                                        <p:tgtEl>
+                                          <p:spTgt spid="121"/>
+                                        </p:tgtEl>
+                                        <p:attrNameLst>
+                                          <p:attrName>style.visibility</p:attrName>
+                                        </p:attrNameLst>
+                                      </p:cBhvr>
+                                      <p:to>
+                                        <p:strVal val="visible"/>
+                                      </p:to>
+                                    </p:set>
+                                    <p:animEffect transition="in" filter="fade">
+                                      <p:cBhvr>
+                                        <p:cTn id="22" dur="500"/>
+                                        <p:tgtEl>
+                                          <p:spTgt spid="121"/>
+                                        </p:tgtEl>
+                                      </p:cBhvr>
+                                    </p:animEffect>
+                                  </p:childTnLst>
+                                </p:cTn>
+                              </p:par>
+                              <p:par>
+                                <p:cTn id="23" presetID="10" presetClass="entr" presetSubtype="0" fill="hold" grpId="0" nodeType="withEffect">
+                                  <p:stCondLst>
+                                    <p:cond delay="0"/>
+                                  </p:stCondLst>
+                                  <p:childTnLst>
+                                    <p:set>
+                                      <p:cBhvr>
+                                        <p:cTn id="24" dur="1" fill="hold">
+                                          <p:stCondLst>
+                                            <p:cond delay="0"/>
+                                          </p:stCondLst>
+                                        </p:cTn>
+                                        <p:tgtEl>
+                                          <p:spTgt spid="122"/>
+                                        </p:tgtEl>
+                                        <p:attrNameLst>
+                                          <p:attrName>style.visibility</p:attrName>
+                                        </p:attrNameLst>
+                                      </p:cBhvr>
+                                      <p:to>
+                                        <p:strVal val="visible"/>
+                                      </p:to>
+                                    </p:set>
+                                    <p:animEffect transition="in" filter="fade">
+                                      <p:cBhvr>
+                                        <p:cTn id="25" dur="500"/>
+                                        <p:tgtEl>
+                                          <p:spTgt spid="122"/>
+                                        </p:tgtEl>
+                                      </p:cBhvr>
+                                    </p:animEffect>
+                                  </p:childTnLst>
+                                </p:cTn>
+                              </p:par>
+                              <p:par>
+                                <p:cTn id="26" presetID="10" presetClass="entr" presetSubtype="0" fill="hold" grpId="0" nodeType="withEffect">
+                                  <p:stCondLst>
+                                    <p:cond delay="0"/>
+                                  </p:stCondLst>
+                                  <p:childTnLst>
+                                    <p:set>
+                                      <p:cBhvr>
+                                        <p:cTn id="27" dur="1" fill="hold">
+                                          <p:stCondLst>
+                                            <p:cond delay="0"/>
+                                          </p:stCondLst>
+                                        </p:cTn>
+                                        <p:tgtEl>
+                                          <p:spTgt spid="123"/>
+                                        </p:tgtEl>
+                                        <p:attrNameLst>
+                                          <p:attrName>style.visibility</p:attrName>
+                                        </p:attrNameLst>
+                                      </p:cBhvr>
+                                      <p:to>
+                                        <p:strVal val="visible"/>
+                                      </p:to>
+                                    </p:set>
+                                    <p:animEffect transition="in" filter="fade">
+                                      <p:cBhvr>
+                                        <p:cTn id="28" dur="500"/>
+                                        <p:tgtEl>
+                                          <p:spTgt spid="123"/>
+                                        </p:tgtEl>
+                                      </p:cBhvr>
+                                    </p:animEffect>
+                                  </p:childTnLst>
+                                </p:cTn>
+                              </p:par>
+                              <p:par>
+                                <p:cTn id="29" presetID="10" presetClass="entr" presetSubtype="0" fill="hold" grpId="0" nodeType="withEffect">
+                                  <p:stCondLst>
+                                    <p:cond delay="0"/>
+                                  </p:stCondLst>
+                                  <p:childTnLst>
+                                    <p:set>
+                                      <p:cBhvr>
+                                        <p:cTn id="30" dur="1" fill="hold">
+                                          <p:stCondLst>
+                                            <p:cond delay="0"/>
+                                          </p:stCondLst>
+                                        </p:cTn>
+                                        <p:tgtEl>
+                                          <p:spTgt spid="124"/>
+                                        </p:tgtEl>
+                                        <p:attrNameLst>
+                                          <p:attrName>style.visibility</p:attrName>
+                                        </p:attrNameLst>
+                                      </p:cBhvr>
+                                      <p:to>
+                                        <p:strVal val="visible"/>
+                                      </p:to>
+                                    </p:set>
+                                    <p:animEffect transition="in" filter="fade">
+                                      <p:cBhvr>
+                                        <p:cTn id="31" dur="500"/>
+                                        <p:tgtEl>
+                                          <p:spTgt spid="124"/>
+                                        </p:tgtEl>
+                                      </p:cBhvr>
+                                    </p:animEffect>
+                                  </p:childTnLst>
+                                </p:cTn>
+                              </p:par>
+                              <p:par>
+                                <p:cTn id="32" presetID="10" presetClass="entr" presetSubtype="0" fill="hold" grpId="0" nodeType="withEffect">
+                                  <p:stCondLst>
+                                    <p:cond delay="0"/>
+                                  </p:stCondLst>
+                                  <p:childTnLst>
+                                    <p:set>
+                                      <p:cBhvr>
+                                        <p:cTn id="33" dur="1" fill="hold">
+                                          <p:stCondLst>
+                                            <p:cond delay="0"/>
+                                          </p:stCondLst>
+                                        </p:cTn>
+                                        <p:tgtEl>
+                                          <p:spTgt spid="125"/>
+                                        </p:tgtEl>
+                                        <p:attrNameLst>
+                                          <p:attrName>style.visibility</p:attrName>
+                                        </p:attrNameLst>
+                                      </p:cBhvr>
+                                      <p:to>
+                                        <p:strVal val="visible"/>
+                                      </p:to>
+                                    </p:set>
+                                    <p:animEffect transition="in" filter="fade">
+                                      <p:cBhvr>
+                                        <p:cTn id="34" dur="500"/>
+                                        <p:tgtEl>
+                                          <p:spTgt spid="125"/>
+                                        </p:tgtEl>
+                                      </p:cBhvr>
+                                    </p:animEffect>
+                                  </p:childTnLst>
+                                </p:cTn>
+                              </p:par>
+                              <p:par>
+                                <p:cTn id="35" presetID="10" presetClass="entr" presetSubtype="0" fill="hold" grpId="0" nodeType="withEffect">
+                                  <p:stCondLst>
+                                    <p:cond delay="0"/>
+                                  </p:stCondLst>
+                                  <p:childTnLst>
+                                    <p:set>
+                                      <p:cBhvr>
+                                        <p:cTn id="36" dur="1" fill="hold">
+                                          <p:stCondLst>
+                                            <p:cond delay="0"/>
+                                          </p:stCondLst>
+                                        </p:cTn>
+                                        <p:tgtEl>
+                                          <p:spTgt spid="126"/>
+                                        </p:tgtEl>
+                                        <p:attrNameLst>
+                                          <p:attrName>style.visibility</p:attrName>
+                                        </p:attrNameLst>
+                                      </p:cBhvr>
+                                      <p:to>
+                                        <p:strVal val="visible"/>
+                                      </p:to>
+                                    </p:set>
+                                    <p:animEffect transition="in" filter="fade">
+                                      <p:cBhvr>
+                                        <p:cTn id="37" dur="500"/>
+                                        <p:tgtEl>
+                                          <p:spTgt spid="126"/>
+                                        </p:tgtEl>
+                                      </p:cBhvr>
+                                    </p:animEffect>
+                                  </p:childTnLst>
+                                </p:cTn>
+                              </p:par>
+                              <p:par>
+                                <p:cTn id="38" presetID="10" presetClass="entr" presetSubtype="0" fill="hold" nodeType="withEffect">
+                                  <p:stCondLst>
+                                    <p:cond delay="0"/>
+                                  </p:stCondLst>
+                                  <p:childTnLst>
+                                    <p:set>
+                                      <p:cBhvr>
+                                        <p:cTn id="39" dur="1" fill="hold">
+                                          <p:stCondLst>
+                                            <p:cond delay="0"/>
+                                          </p:stCondLst>
+                                        </p:cTn>
+                                        <p:tgtEl>
+                                          <p:spTgt spid="127"/>
+                                        </p:tgtEl>
+                                        <p:attrNameLst>
+                                          <p:attrName>style.visibility</p:attrName>
+                                        </p:attrNameLst>
+                                      </p:cBhvr>
+                                      <p:to>
+                                        <p:strVal val="visible"/>
+                                      </p:to>
+                                    </p:set>
+                                    <p:animEffect transition="in" filter="fade">
+                                      <p:cBhvr>
+                                        <p:cTn id="40" dur="500"/>
+                                        <p:tgtEl>
+                                          <p:spTgt spid="127"/>
+                                        </p:tgtEl>
+                                      </p:cBhvr>
+                                    </p:animEffect>
+                                  </p:childTnLst>
+                                </p:cTn>
+                              </p:par>
+                              <p:par>
+                                <p:cTn id="41" presetID="10" presetClass="entr" presetSubtype="0" fill="hold" grpId="0" nodeType="withEffect">
+                                  <p:stCondLst>
+                                    <p:cond delay="0"/>
+                                  </p:stCondLst>
+                                  <p:childTnLst>
+                                    <p:set>
+                                      <p:cBhvr>
+                                        <p:cTn id="42" dur="1" fill="hold">
+                                          <p:stCondLst>
+                                            <p:cond delay="0"/>
+                                          </p:stCondLst>
+                                        </p:cTn>
+                                        <p:tgtEl>
+                                          <p:spTgt spid="128"/>
+                                        </p:tgtEl>
+                                        <p:attrNameLst>
+                                          <p:attrName>style.visibility</p:attrName>
+                                        </p:attrNameLst>
+                                      </p:cBhvr>
+                                      <p:to>
+                                        <p:strVal val="visible"/>
+                                      </p:to>
+                                    </p:set>
+                                    <p:animEffect transition="in" filter="fade">
+                                      <p:cBhvr>
+                                        <p:cTn id="43" dur="500"/>
+                                        <p:tgtEl>
+                                          <p:spTgt spid="128"/>
+                                        </p:tgtEl>
+                                      </p:cBhvr>
+                                    </p:animEffect>
+                                  </p:childTnLst>
+                                </p:cTn>
+                              </p:par>
+                              <p:par>
+                                <p:cTn id="44" presetID="10" presetClass="entr" presetSubtype="0" fill="hold" grpId="0" nodeType="withEffect">
+                                  <p:stCondLst>
+                                    <p:cond delay="0"/>
+                                  </p:stCondLst>
+                                  <p:childTnLst>
+                                    <p:set>
+                                      <p:cBhvr>
+                                        <p:cTn id="45" dur="1" fill="hold">
+                                          <p:stCondLst>
+                                            <p:cond delay="0"/>
+                                          </p:stCondLst>
+                                        </p:cTn>
+                                        <p:tgtEl>
+                                          <p:spTgt spid="129"/>
+                                        </p:tgtEl>
+                                        <p:attrNameLst>
+                                          <p:attrName>style.visibility</p:attrName>
+                                        </p:attrNameLst>
+                                      </p:cBhvr>
+                                      <p:to>
+                                        <p:strVal val="visible"/>
+                                      </p:to>
+                                    </p:set>
+                                    <p:animEffect transition="in" filter="fade">
+                                      <p:cBhvr>
+                                        <p:cTn id="46" dur="500"/>
+                                        <p:tgtEl>
+                                          <p:spTgt spid="129"/>
+                                        </p:tgtEl>
+                                      </p:cBhvr>
+                                    </p:animEffect>
+                                  </p:childTnLst>
+                                </p:cTn>
+                              </p:par>
+                              <p:par>
+                                <p:cTn id="47" presetID="10" presetClass="entr" presetSubtype="0" fill="hold" nodeType="withEffect">
+                                  <p:stCondLst>
+                                    <p:cond delay="0"/>
+                                  </p:stCondLst>
+                                  <p:childTnLst>
+                                    <p:set>
+                                      <p:cBhvr>
+                                        <p:cTn id="48" dur="1" fill="hold">
+                                          <p:stCondLst>
+                                            <p:cond delay="0"/>
+                                          </p:stCondLst>
+                                        </p:cTn>
+                                        <p:tgtEl>
+                                          <p:spTgt spid="130"/>
+                                        </p:tgtEl>
+                                        <p:attrNameLst>
+                                          <p:attrName>style.visibility</p:attrName>
+                                        </p:attrNameLst>
+                                      </p:cBhvr>
+                                      <p:to>
+                                        <p:strVal val="visible"/>
+                                      </p:to>
+                                    </p:set>
+                                    <p:animEffect transition="in" filter="fade">
+                                      <p:cBhvr>
+                                        <p:cTn id="49" dur="500"/>
+                                        <p:tgtEl>
+                                          <p:spTgt spid="130"/>
+                                        </p:tgtEl>
+                                      </p:cBhvr>
+                                    </p:animEffect>
+                                  </p:childTnLst>
+                                </p:cTn>
+                              </p:par>
+                              <p:par>
+                                <p:cTn id="50" presetID="10" presetClass="entr" presetSubtype="0" fill="hold" nodeType="withEffect">
+                                  <p:stCondLst>
+                                    <p:cond delay="0"/>
+                                  </p:stCondLst>
+                                  <p:childTnLst>
+                                    <p:set>
+                                      <p:cBhvr>
+                                        <p:cTn id="51" dur="1" fill="hold">
+                                          <p:stCondLst>
+                                            <p:cond delay="0"/>
+                                          </p:stCondLst>
+                                        </p:cTn>
+                                        <p:tgtEl>
+                                          <p:spTgt spid="131"/>
+                                        </p:tgtEl>
+                                        <p:attrNameLst>
+                                          <p:attrName>style.visibility</p:attrName>
+                                        </p:attrNameLst>
+                                      </p:cBhvr>
+                                      <p:to>
+                                        <p:strVal val="visible"/>
+                                      </p:to>
+                                    </p:set>
+                                    <p:animEffect transition="in" filter="fade">
+                                      <p:cBhvr>
+                                        <p:cTn id="52" dur="500"/>
+                                        <p:tgtEl>
+                                          <p:spTgt spid="131"/>
+                                        </p:tgtEl>
+                                      </p:cBhvr>
+                                    </p:animEffect>
+                                  </p:childTnLst>
+                                </p:cTn>
+                              </p:par>
+                            </p:childTnLst>
+                          </p:cTn>
+                        </p:par>
+                      </p:childTnLst>
+                    </p:cTn>
+                  </p:par>
+                </p:childTnLst>
+              </p:cTn>
+              <p:prevCondLst>
+                <p:cond evt="onPrev" delay="0">
+                  <p:tgtEl>
+                    <p:sldTgt/>
+                  </p:tgtEl>
+                </p:cond>
+              </p:prevCondLst>
+              <p:nextCondLst>
+                <p:cond evt="onNext" delay="0">
+                  <p:tgtEl>
+                    <p:sldTgt/>
+                  </p:tgtEl>
+                </p:cond>
+              </p:nextCondLst>
+            </p:seq>
+          </p:childTnLst>
+        </p:cTn>
+      </p:par>
+    </p:tnLst>
+    <p:bldLst>
+      <p:bldP spid="119" grpId="0"/>
+      <p:bldP spid="121" grpId="0"/>
+      <p:bldP spid="122" grpId="0" animBg="1"/>
+      <p:bldP spid="123" grpId="0"/>
+      <p:bldP spid="124" grpId="0"/>
+      <p:bldP spid="125" grpId="0"/>
+      <p:bldP spid="126" grpId="0"/>
+      <p:bldP spid="128" grpId="0"/>
+      <p:bldP spid="129" grpId="0"/>
+    </p:bldLst>
+  </p:timing>
 </p:sld>
 </file>
 
@@ -13968,7 +15324,7 @@
               <a:buNone/>
             </a:pPr>
             <a:r>
-              <a:rPr lang="en-US" sz="1350" b="0" i="0" u="none" strike="noStrike" cap="none">
+              <a:rPr lang="en-US" sz="1350" b="0" i="0" u="none" strike="noStrike" cap="none" dirty="0">
                 <a:solidFill>
                   <a:srgbClr val="4A5568"/>
                 </a:solidFill>
@@ -13979,7 +15335,7 @@
               </a:rPr>
               <a:t>The bill is sent to the President for final approval (Assent).</a:t>
             </a:r>
-            <a:endParaRPr/>
+            <a:endParaRPr dirty="0"/>
           </a:p>
         </p:txBody>
       </p:sp>
@@ -13988,6 +15344,661 @@
   <p:clrMapOvr>
     <a:masterClrMapping/>
   </p:clrMapOvr>
+  <p:timing>
+    <p:tnLst>
+      <p:par>
+        <p:cTn id="1" dur="indefinite" restart="never" nodeType="tmRoot">
+          <p:childTnLst>
+            <p:seq concurrent="1" nextAc="seek">
+              <p:cTn id="2" dur="indefinite" nodeType="mainSeq">
+                <p:childTnLst>
+                  <p:par>
+                    <p:cTn id="3" fill="hold">
+                      <p:stCondLst>
+                        <p:cond delay="indefinite"/>
+                      </p:stCondLst>
+                      <p:childTnLst>
+                        <p:par>
+                          <p:cTn id="4" fill="hold">
+                            <p:stCondLst>
+                              <p:cond delay="0"/>
+                            </p:stCondLst>
+                            <p:childTnLst>
+                              <p:par>
+                                <p:cTn id="5" presetID="10" presetClass="entr" presetSubtype="0" fill="hold" nodeType="clickEffect">
+                                  <p:stCondLst>
+                                    <p:cond delay="0"/>
+                                  </p:stCondLst>
+                                  <p:childTnLst>
+                                    <p:set>
+                                      <p:cBhvr>
+                                        <p:cTn id="6" dur="1" fill="hold">
+                                          <p:stCondLst>
+                                            <p:cond delay="0"/>
+                                          </p:stCondLst>
+                                        </p:cTn>
+                                        <p:tgtEl>
+                                          <p:spTgt spid="136"/>
+                                        </p:tgtEl>
+                                        <p:attrNameLst>
+                                          <p:attrName>style.visibility</p:attrName>
+                                        </p:attrNameLst>
+                                      </p:cBhvr>
+                                      <p:to>
+                                        <p:strVal val="visible"/>
+                                      </p:to>
+                                    </p:set>
+                                    <p:animEffect transition="in" filter="fade">
+                                      <p:cBhvr>
+                                        <p:cTn id="7" dur="500"/>
+                                        <p:tgtEl>
+                                          <p:spTgt spid="136"/>
+                                        </p:tgtEl>
+                                      </p:cBhvr>
+                                    </p:animEffect>
+                                  </p:childTnLst>
+                                </p:cTn>
+                              </p:par>
+                              <p:par>
+                                <p:cTn id="8" presetID="10" presetClass="entr" presetSubtype="0" fill="hold" nodeType="withEffect">
+                                  <p:stCondLst>
+                                    <p:cond delay="0"/>
+                                  </p:stCondLst>
+                                  <p:childTnLst>
+                                    <p:set>
+                                      <p:cBhvr>
+                                        <p:cTn id="9" dur="1" fill="hold">
+                                          <p:stCondLst>
+                                            <p:cond delay="0"/>
+                                          </p:stCondLst>
+                                        </p:cTn>
+                                        <p:tgtEl>
+                                          <p:spTgt spid="137"/>
+                                        </p:tgtEl>
+                                        <p:attrNameLst>
+                                          <p:attrName>style.visibility</p:attrName>
+                                        </p:attrNameLst>
+                                      </p:cBhvr>
+                                      <p:to>
+                                        <p:strVal val="visible"/>
+                                      </p:to>
+                                    </p:set>
+                                    <p:animEffect transition="in" filter="fade">
+                                      <p:cBhvr>
+                                        <p:cTn id="10" dur="500"/>
+                                        <p:tgtEl>
+                                          <p:spTgt spid="137"/>
+                                        </p:tgtEl>
+                                      </p:cBhvr>
+                                    </p:animEffect>
+                                  </p:childTnLst>
+                                </p:cTn>
+                              </p:par>
+                              <p:par>
+                                <p:cTn id="11" presetID="10" presetClass="entr" presetSubtype="0" fill="hold" nodeType="withEffect">
+                                  <p:stCondLst>
+                                    <p:cond delay="0"/>
+                                  </p:stCondLst>
+                                  <p:childTnLst>
+                                    <p:set>
+                                      <p:cBhvr>
+                                        <p:cTn id="12" dur="1" fill="hold">
+                                          <p:stCondLst>
+                                            <p:cond delay="0"/>
+                                          </p:stCondLst>
+                                        </p:cTn>
+                                        <p:tgtEl>
+                                          <p:spTgt spid="138"/>
+                                        </p:tgtEl>
+                                        <p:attrNameLst>
+                                          <p:attrName>style.visibility</p:attrName>
+                                        </p:attrNameLst>
+                                      </p:cBhvr>
+                                      <p:to>
+                                        <p:strVal val="visible"/>
+                                      </p:to>
+                                    </p:set>
+                                    <p:animEffect transition="in" filter="fade">
+                                      <p:cBhvr>
+                                        <p:cTn id="13" dur="500"/>
+                                        <p:tgtEl>
+                                          <p:spTgt spid="138"/>
+                                        </p:tgtEl>
+                                      </p:cBhvr>
+                                    </p:animEffect>
+                                  </p:childTnLst>
+                                </p:cTn>
+                              </p:par>
+                              <p:par>
+                                <p:cTn id="14" presetID="10" presetClass="entr" presetSubtype="0" fill="hold" nodeType="withEffect">
+                                  <p:stCondLst>
+                                    <p:cond delay="0"/>
+                                  </p:stCondLst>
+                                  <p:childTnLst>
+                                    <p:set>
+                                      <p:cBhvr>
+                                        <p:cTn id="15" dur="1" fill="hold">
+                                          <p:stCondLst>
+                                            <p:cond delay="0"/>
+                                          </p:stCondLst>
+                                        </p:cTn>
+                                        <p:tgtEl>
+                                          <p:spTgt spid="139"/>
+                                        </p:tgtEl>
+                                        <p:attrNameLst>
+                                          <p:attrName>style.visibility</p:attrName>
+                                        </p:attrNameLst>
+                                      </p:cBhvr>
+                                      <p:to>
+                                        <p:strVal val="visible"/>
+                                      </p:to>
+                                    </p:set>
+                                    <p:animEffect transition="in" filter="fade">
+                                      <p:cBhvr>
+                                        <p:cTn id="16" dur="500"/>
+                                        <p:tgtEl>
+                                          <p:spTgt spid="139"/>
+                                        </p:tgtEl>
+                                      </p:cBhvr>
+                                    </p:animEffect>
+                                  </p:childTnLst>
+                                </p:cTn>
+                              </p:par>
+                              <p:par>
+                                <p:cTn id="17" presetID="10" presetClass="entr" presetSubtype="0" fill="hold" nodeType="withEffect">
+                                  <p:stCondLst>
+                                    <p:cond delay="0"/>
+                                  </p:stCondLst>
+                                  <p:childTnLst>
+                                    <p:set>
+                                      <p:cBhvr>
+                                        <p:cTn id="18" dur="1" fill="hold">
+                                          <p:stCondLst>
+                                            <p:cond delay="0"/>
+                                          </p:stCondLst>
+                                        </p:cTn>
+                                        <p:tgtEl>
+                                          <p:spTgt spid="140"/>
+                                        </p:tgtEl>
+                                        <p:attrNameLst>
+                                          <p:attrName>style.visibility</p:attrName>
+                                        </p:attrNameLst>
+                                      </p:cBhvr>
+                                      <p:to>
+                                        <p:strVal val="visible"/>
+                                      </p:to>
+                                    </p:set>
+                                    <p:animEffect transition="in" filter="fade">
+                                      <p:cBhvr>
+                                        <p:cTn id="19" dur="500"/>
+                                        <p:tgtEl>
+                                          <p:spTgt spid="140"/>
+                                        </p:tgtEl>
+                                      </p:cBhvr>
+                                    </p:animEffect>
+                                  </p:childTnLst>
+                                </p:cTn>
+                              </p:par>
+                              <p:par>
+                                <p:cTn id="20" presetID="10" presetClass="entr" presetSubtype="0" fill="hold" nodeType="withEffect">
+                                  <p:stCondLst>
+                                    <p:cond delay="0"/>
+                                  </p:stCondLst>
+                                  <p:childTnLst>
+                                    <p:set>
+                                      <p:cBhvr>
+                                        <p:cTn id="21" dur="1" fill="hold">
+                                          <p:stCondLst>
+                                            <p:cond delay="0"/>
+                                          </p:stCondLst>
+                                        </p:cTn>
+                                        <p:tgtEl>
+                                          <p:spTgt spid="141"/>
+                                        </p:tgtEl>
+                                        <p:attrNameLst>
+                                          <p:attrName>style.visibility</p:attrName>
+                                        </p:attrNameLst>
+                                      </p:cBhvr>
+                                      <p:to>
+                                        <p:strVal val="visible"/>
+                                      </p:to>
+                                    </p:set>
+                                    <p:animEffect transition="in" filter="fade">
+                                      <p:cBhvr>
+                                        <p:cTn id="22" dur="500"/>
+                                        <p:tgtEl>
+                                          <p:spTgt spid="141"/>
+                                        </p:tgtEl>
+                                      </p:cBhvr>
+                                    </p:animEffect>
+                                  </p:childTnLst>
+                                </p:cTn>
+                              </p:par>
+                              <p:par>
+                                <p:cTn id="23" presetID="10" presetClass="entr" presetSubtype="0" fill="hold" nodeType="withEffect">
+                                  <p:stCondLst>
+                                    <p:cond delay="0"/>
+                                  </p:stCondLst>
+                                  <p:childTnLst>
+                                    <p:set>
+                                      <p:cBhvr>
+                                        <p:cTn id="24" dur="1" fill="hold">
+                                          <p:stCondLst>
+                                            <p:cond delay="0"/>
+                                          </p:stCondLst>
+                                        </p:cTn>
+                                        <p:tgtEl>
+                                          <p:spTgt spid="142"/>
+                                        </p:tgtEl>
+                                        <p:attrNameLst>
+                                          <p:attrName>style.visibility</p:attrName>
+                                        </p:attrNameLst>
+                                      </p:cBhvr>
+                                      <p:to>
+                                        <p:strVal val="visible"/>
+                                      </p:to>
+                                    </p:set>
+                                    <p:animEffect transition="in" filter="fade">
+                                      <p:cBhvr>
+                                        <p:cTn id="25" dur="500"/>
+                                        <p:tgtEl>
+                                          <p:spTgt spid="142"/>
+                                        </p:tgtEl>
+                                      </p:cBhvr>
+                                    </p:animEffect>
+                                  </p:childTnLst>
+                                </p:cTn>
+                              </p:par>
+                              <p:par>
+                                <p:cTn id="26" presetID="10" presetClass="entr" presetSubtype="0" fill="hold" grpId="0" nodeType="withEffect">
+                                  <p:stCondLst>
+                                    <p:cond delay="0"/>
+                                  </p:stCondLst>
+                                  <p:childTnLst>
+                                    <p:set>
+                                      <p:cBhvr>
+                                        <p:cTn id="27" dur="1" fill="hold">
+                                          <p:stCondLst>
+                                            <p:cond delay="0"/>
+                                          </p:stCondLst>
+                                        </p:cTn>
+                                        <p:tgtEl>
+                                          <p:spTgt spid="143"/>
+                                        </p:tgtEl>
+                                        <p:attrNameLst>
+                                          <p:attrName>style.visibility</p:attrName>
+                                        </p:attrNameLst>
+                                      </p:cBhvr>
+                                      <p:to>
+                                        <p:strVal val="visible"/>
+                                      </p:to>
+                                    </p:set>
+                                    <p:animEffect transition="in" filter="fade">
+                                      <p:cBhvr>
+                                        <p:cTn id="28" dur="500"/>
+                                        <p:tgtEl>
+                                          <p:spTgt spid="143"/>
+                                        </p:tgtEl>
+                                      </p:cBhvr>
+                                    </p:animEffect>
+                                  </p:childTnLst>
+                                </p:cTn>
+                              </p:par>
+                              <p:par>
+                                <p:cTn id="29" presetID="10" presetClass="entr" presetSubtype="0" fill="hold" grpId="0" nodeType="withEffect">
+                                  <p:stCondLst>
+                                    <p:cond delay="0"/>
+                                  </p:stCondLst>
+                                  <p:childTnLst>
+                                    <p:set>
+                                      <p:cBhvr>
+                                        <p:cTn id="30" dur="1" fill="hold">
+                                          <p:stCondLst>
+                                            <p:cond delay="0"/>
+                                          </p:stCondLst>
+                                        </p:cTn>
+                                        <p:tgtEl>
+                                          <p:spTgt spid="144"/>
+                                        </p:tgtEl>
+                                        <p:attrNameLst>
+                                          <p:attrName>style.visibility</p:attrName>
+                                        </p:attrNameLst>
+                                      </p:cBhvr>
+                                      <p:to>
+                                        <p:strVal val="visible"/>
+                                      </p:to>
+                                    </p:set>
+                                    <p:animEffect transition="in" filter="fade">
+                                      <p:cBhvr>
+                                        <p:cTn id="31" dur="500"/>
+                                        <p:tgtEl>
+                                          <p:spTgt spid="144"/>
+                                        </p:tgtEl>
+                                      </p:cBhvr>
+                                    </p:animEffect>
+                                  </p:childTnLst>
+                                </p:cTn>
+                              </p:par>
+                              <p:par>
+                                <p:cTn id="32" presetID="10" presetClass="entr" presetSubtype="0" fill="hold" grpId="0" nodeType="withEffect">
+                                  <p:stCondLst>
+                                    <p:cond delay="0"/>
+                                  </p:stCondLst>
+                                  <p:childTnLst>
+                                    <p:set>
+                                      <p:cBhvr>
+                                        <p:cTn id="33" dur="1" fill="hold">
+                                          <p:stCondLst>
+                                            <p:cond delay="0"/>
+                                          </p:stCondLst>
+                                        </p:cTn>
+                                        <p:tgtEl>
+                                          <p:spTgt spid="145"/>
+                                        </p:tgtEl>
+                                        <p:attrNameLst>
+                                          <p:attrName>style.visibility</p:attrName>
+                                        </p:attrNameLst>
+                                      </p:cBhvr>
+                                      <p:to>
+                                        <p:strVal val="visible"/>
+                                      </p:to>
+                                    </p:set>
+                                    <p:animEffect transition="in" filter="fade">
+                                      <p:cBhvr>
+                                        <p:cTn id="34" dur="500"/>
+                                        <p:tgtEl>
+                                          <p:spTgt spid="145"/>
+                                        </p:tgtEl>
+                                      </p:cBhvr>
+                                    </p:animEffect>
+                                  </p:childTnLst>
+                                </p:cTn>
+                              </p:par>
+                              <p:par>
+                                <p:cTn id="35" presetID="10" presetClass="entr" presetSubtype="0" fill="hold" grpId="0" nodeType="withEffect">
+                                  <p:stCondLst>
+                                    <p:cond delay="0"/>
+                                  </p:stCondLst>
+                                  <p:childTnLst>
+                                    <p:set>
+                                      <p:cBhvr>
+                                        <p:cTn id="36" dur="1" fill="hold">
+                                          <p:stCondLst>
+                                            <p:cond delay="0"/>
+                                          </p:stCondLst>
+                                        </p:cTn>
+                                        <p:tgtEl>
+                                          <p:spTgt spid="146"/>
+                                        </p:tgtEl>
+                                        <p:attrNameLst>
+                                          <p:attrName>style.visibility</p:attrName>
+                                        </p:attrNameLst>
+                                      </p:cBhvr>
+                                      <p:to>
+                                        <p:strVal val="visible"/>
+                                      </p:to>
+                                    </p:set>
+                                    <p:animEffect transition="in" filter="fade">
+                                      <p:cBhvr>
+                                        <p:cTn id="37" dur="500"/>
+                                        <p:tgtEl>
+                                          <p:spTgt spid="146"/>
+                                        </p:tgtEl>
+                                      </p:cBhvr>
+                                    </p:animEffect>
+                                  </p:childTnLst>
+                                </p:cTn>
+                              </p:par>
+                              <p:par>
+                                <p:cTn id="38" presetID="10" presetClass="entr" presetSubtype="0" fill="hold" grpId="0" nodeType="withEffect">
+                                  <p:stCondLst>
+                                    <p:cond delay="0"/>
+                                  </p:stCondLst>
+                                  <p:childTnLst>
+                                    <p:set>
+                                      <p:cBhvr>
+                                        <p:cTn id="39" dur="1" fill="hold">
+                                          <p:stCondLst>
+                                            <p:cond delay="0"/>
+                                          </p:stCondLst>
+                                        </p:cTn>
+                                        <p:tgtEl>
+                                          <p:spTgt spid="147"/>
+                                        </p:tgtEl>
+                                        <p:attrNameLst>
+                                          <p:attrName>style.visibility</p:attrName>
+                                        </p:attrNameLst>
+                                      </p:cBhvr>
+                                      <p:to>
+                                        <p:strVal val="visible"/>
+                                      </p:to>
+                                    </p:set>
+                                    <p:animEffect transition="in" filter="fade">
+                                      <p:cBhvr>
+                                        <p:cTn id="40" dur="500"/>
+                                        <p:tgtEl>
+                                          <p:spTgt spid="147"/>
+                                        </p:tgtEl>
+                                      </p:cBhvr>
+                                    </p:animEffect>
+                                  </p:childTnLst>
+                                </p:cTn>
+                              </p:par>
+                              <p:par>
+                                <p:cTn id="41" presetID="10" presetClass="entr" presetSubtype="0" fill="hold" grpId="0" nodeType="withEffect">
+                                  <p:stCondLst>
+                                    <p:cond delay="0"/>
+                                  </p:stCondLst>
+                                  <p:childTnLst>
+                                    <p:set>
+                                      <p:cBhvr>
+                                        <p:cTn id="42" dur="1" fill="hold">
+                                          <p:stCondLst>
+                                            <p:cond delay="0"/>
+                                          </p:stCondLst>
+                                        </p:cTn>
+                                        <p:tgtEl>
+                                          <p:spTgt spid="148"/>
+                                        </p:tgtEl>
+                                        <p:attrNameLst>
+                                          <p:attrName>style.visibility</p:attrName>
+                                        </p:attrNameLst>
+                                      </p:cBhvr>
+                                      <p:to>
+                                        <p:strVal val="visible"/>
+                                      </p:to>
+                                    </p:set>
+                                    <p:animEffect transition="in" filter="fade">
+                                      <p:cBhvr>
+                                        <p:cTn id="43" dur="500"/>
+                                        <p:tgtEl>
+                                          <p:spTgt spid="148"/>
+                                        </p:tgtEl>
+                                      </p:cBhvr>
+                                    </p:animEffect>
+                                  </p:childTnLst>
+                                </p:cTn>
+                              </p:par>
+                              <p:par>
+                                <p:cTn id="44" presetID="10" presetClass="entr" presetSubtype="0" fill="hold" grpId="0" nodeType="withEffect">
+                                  <p:stCondLst>
+                                    <p:cond delay="0"/>
+                                  </p:stCondLst>
+                                  <p:childTnLst>
+                                    <p:set>
+                                      <p:cBhvr>
+                                        <p:cTn id="45" dur="1" fill="hold">
+                                          <p:stCondLst>
+                                            <p:cond delay="0"/>
+                                          </p:stCondLst>
+                                        </p:cTn>
+                                        <p:tgtEl>
+                                          <p:spTgt spid="149"/>
+                                        </p:tgtEl>
+                                        <p:attrNameLst>
+                                          <p:attrName>style.visibility</p:attrName>
+                                        </p:attrNameLst>
+                                      </p:cBhvr>
+                                      <p:to>
+                                        <p:strVal val="visible"/>
+                                      </p:to>
+                                    </p:set>
+                                    <p:animEffect transition="in" filter="fade">
+                                      <p:cBhvr>
+                                        <p:cTn id="46" dur="500"/>
+                                        <p:tgtEl>
+                                          <p:spTgt spid="149"/>
+                                        </p:tgtEl>
+                                      </p:cBhvr>
+                                    </p:animEffect>
+                                  </p:childTnLst>
+                                </p:cTn>
+                              </p:par>
+                              <p:par>
+                                <p:cTn id="47" presetID="10" presetClass="entr" presetSubtype="0" fill="hold" grpId="0" nodeType="withEffect">
+                                  <p:stCondLst>
+                                    <p:cond delay="0"/>
+                                  </p:stCondLst>
+                                  <p:childTnLst>
+                                    <p:set>
+                                      <p:cBhvr>
+                                        <p:cTn id="48" dur="1" fill="hold">
+                                          <p:stCondLst>
+                                            <p:cond delay="0"/>
+                                          </p:stCondLst>
+                                        </p:cTn>
+                                        <p:tgtEl>
+                                          <p:spTgt spid="150"/>
+                                        </p:tgtEl>
+                                        <p:attrNameLst>
+                                          <p:attrName>style.visibility</p:attrName>
+                                        </p:attrNameLst>
+                                      </p:cBhvr>
+                                      <p:to>
+                                        <p:strVal val="visible"/>
+                                      </p:to>
+                                    </p:set>
+                                    <p:animEffect transition="in" filter="fade">
+                                      <p:cBhvr>
+                                        <p:cTn id="49" dur="500"/>
+                                        <p:tgtEl>
+                                          <p:spTgt spid="150"/>
+                                        </p:tgtEl>
+                                      </p:cBhvr>
+                                    </p:animEffect>
+                                  </p:childTnLst>
+                                </p:cTn>
+                              </p:par>
+                              <p:par>
+                                <p:cTn id="50" presetID="10" presetClass="entr" presetSubtype="0" fill="hold" grpId="0" nodeType="withEffect">
+                                  <p:stCondLst>
+                                    <p:cond delay="0"/>
+                                  </p:stCondLst>
+                                  <p:childTnLst>
+                                    <p:set>
+                                      <p:cBhvr>
+                                        <p:cTn id="51" dur="1" fill="hold">
+                                          <p:stCondLst>
+                                            <p:cond delay="0"/>
+                                          </p:stCondLst>
+                                        </p:cTn>
+                                        <p:tgtEl>
+                                          <p:spTgt spid="151"/>
+                                        </p:tgtEl>
+                                        <p:attrNameLst>
+                                          <p:attrName>style.visibility</p:attrName>
+                                        </p:attrNameLst>
+                                      </p:cBhvr>
+                                      <p:to>
+                                        <p:strVal val="visible"/>
+                                      </p:to>
+                                    </p:set>
+                                    <p:animEffect transition="in" filter="fade">
+                                      <p:cBhvr>
+                                        <p:cTn id="52" dur="500"/>
+                                        <p:tgtEl>
+                                          <p:spTgt spid="151"/>
+                                        </p:tgtEl>
+                                      </p:cBhvr>
+                                    </p:animEffect>
+                                  </p:childTnLst>
+                                </p:cTn>
+                              </p:par>
+                              <p:par>
+                                <p:cTn id="53" presetID="10" presetClass="entr" presetSubtype="0" fill="hold" grpId="0" nodeType="withEffect">
+                                  <p:stCondLst>
+                                    <p:cond delay="0"/>
+                                  </p:stCondLst>
+                                  <p:childTnLst>
+                                    <p:set>
+                                      <p:cBhvr>
+                                        <p:cTn id="54" dur="1" fill="hold">
+                                          <p:stCondLst>
+                                            <p:cond delay="0"/>
+                                          </p:stCondLst>
+                                        </p:cTn>
+                                        <p:tgtEl>
+                                          <p:spTgt spid="152"/>
+                                        </p:tgtEl>
+                                        <p:attrNameLst>
+                                          <p:attrName>style.visibility</p:attrName>
+                                        </p:attrNameLst>
+                                      </p:cBhvr>
+                                      <p:to>
+                                        <p:strVal val="visible"/>
+                                      </p:to>
+                                    </p:set>
+                                    <p:animEffect transition="in" filter="fade">
+                                      <p:cBhvr>
+                                        <p:cTn id="55" dur="500"/>
+                                        <p:tgtEl>
+                                          <p:spTgt spid="152"/>
+                                        </p:tgtEl>
+                                      </p:cBhvr>
+                                    </p:animEffect>
+                                  </p:childTnLst>
+                                </p:cTn>
+                              </p:par>
+                            </p:childTnLst>
+                          </p:cTn>
+                        </p:par>
+                      </p:childTnLst>
+                    </p:cTn>
+                  </p:par>
+                </p:childTnLst>
+              </p:cTn>
+              <p:prevCondLst>
+                <p:cond evt="onPrev" delay="0">
+                  <p:tgtEl>
+                    <p:sldTgt/>
+                  </p:tgtEl>
+                </p:cond>
+              </p:prevCondLst>
+              <p:nextCondLst>
+                <p:cond evt="onNext" delay="0">
+                  <p:tgtEl>
+                    <p:sldTgt/>
+                  </p:tgtEl>
+                </p:cond>
+              </p:nextCondLst>
+            </p:seq>
+          </p:childTnLst>
+        </p:cTn>
+      </p:par>
+    </p:tnLst>
+    <p:bldLst>
+      <p:bldP spid="143" grpId="0"/>
+      <p:bldP spid="144" grpId="0"/>
+      <p:bldP spid="145" grpId="0"/>
+      <p:bldP spid="146" grpId="0" animBg="1"/>
+      <p:bldP spid="147" grpId="0"/>
+      <p:bldP spid="148" grpId="0"/>
+      <p:bldP spid="149" grpId="0"/>
+      <p:bldP spid="150" grpId="0"/>
+      <p:bldP spid="151" grpId="0"/>
+      <p:bldP spid="152" grpId="0"/>
+    </p:bldLst>
+  </p:timing>
 </p:sld>
 </file>
 
@@ -14521,6 +16532,413 @@
   <p:clrMapOvr>
     <a:masterClrMapping/>
   </p:clrMapOvr>
+  <p:timing>
+    <p:tnLst>
+      <p:par>
+        <p:cTn id="1" dur="indefinite" restart="never" nodeType="tmRoot">
+          <p:childTnLst>
+            <p:seq concurrent="1" nextAc="seek">
+              <p:cTn id="2" dur="indefinite" nodeType="mainSeq">
+                <p:childTnLst>
+                  <p:par>
+                    <p:cTn id="3" fill="hold">
+                      <p:stCondLst>
+                        <p:cond delay="indefinite"/>
+                      </p:stCondLst>
+                      <p:childTnLst>
+                        <p:par>
+                          <p:cTn id="4" fill="hold">
+                            <p:stCondLst>
+                              <p:cond delay="0"/>
+                            </p:stCondLst>
+                            <p:childTnLst>
+                              <p:par>
+                                <p:cTn id="5" presetID="10" presetClass="entr" presetSubtype="0" fill="hold" nodeType="clickEffect">
+                                  <p:stCondLst>
+                                    <p:cond delay="0"/>
+                                  </p:stCondLst>
+                                  <p:childTnLst>
+                                    <p:set>
+                                      <p:cBhvr>
+                                        <p:cTn id="6" dur="1" fill="hold">
+                                          <p:stCondLst>
+                                            <p:cond delay="0"/>
+                                          </p:stCondLst>
+                                        </p:cTn>
+                                        <p:tgtEl>
+                                          <p:spTgt spid="157"/>
+                                        </p:tgtEl>
+                                        <p:attrNameLst>
+                                          <p:attrName>style.visibility</p:attrName>
+                                        </p:attrNameLst>
+                                      </p:cBhvr>
+                                      <p:to>
+                                        <p:strVal val="visible"/>
+                                      </p:to>
+                                    </p:set>
+                                    <p:animEffect transition="in" filter="fade">
+                                      <p:cBhvr>
+                                        <p:cTn id="7" dur="500"/>
+                                        <p:tgtEl>
+                                          <p:spTgt spid="157"/>
+                                        </p:tgtEl>
+                                      </p:cBhvr>
+                                    </p:animEffect>
+                                  </p:childTnLst>
+                                </p:cTn>
+                              </p:par>
+                              <p:par>
+                                <p:cTn id="8" presetID="10" presetClass="entr" presetSubtype="0" fill="hold" nodeType="withEffect">
+                                  <p:stCondLst>
+                                    <p:cond delay="0"/>
+                                  </p:stCondLst>
+                                  <p:childTnLst>
+                                    <p:set>
+                                      <p:cBhvr>
+                                        <p:cTn id="9" dur="1" fill="hold">
+                                          <p:stCondLst>
+                                            <p:cond delay="0"/>
+                                          </p:stCondLst>
+                                        </p:cTn>
+                                        <p:tgtEl>
+                                          <p:spTgt spid="158"/>
+                                        </p:tgtEl>
+                                        <p:attrNameLst>
+                                          <p:attrName>style.visibility</p:attrName>
+                                        </p:attrNameLst>
+                                      </p:cBhvr>
+                                      <p:to>
+                                        <p:strVal val="visible"/>
+                                      </p:to>
+                                    </p:set>
+                                    <p:animEffect transition="in" filter="fade">
+                                      <p:cBhvr>
+                                        <p:cTn id="10" dur="500"/>
+                                        <p:tgtEl>
+                                          <p:spTgt spid="158"/>
+                                        </p:tgtEl>
+                                      </p:cBhvr>
+                                    </p:animEffect>
+                                  </p:childTnLst>
+                                </p:cTn>
+                              </p:par>
+                              <p:par>
+                                <p:cTn id="11" presetID="10" presetClass="entr" presetSubtype="0" fill="hold" grpId="0" nodeType="withEffect">
+                                  <p:stCondLst>
+                                    <p:cond delay="0"/>
+                                  </p:stCondLst>
+                                  <p:childTnLst>
+                                    <p:set>
+                                      <p:cBhvr>
+                                        <p:cTn id="12" dur="1" fill="hold">
+                                          <p:stCondLst>
+                                            <p:cond delay="0"/>
+                                          </p:stCondLst>
+                                        </p:cTn>
+                                        <p:tgtEl>
+                                          <p:spTgt spid="159"/>
+                                        </p:tgtEl>
+                                        <p:attrNameLst>
+                                          <p:attrName>style.visibility</p:attrName>
+                                        </p:attrNameLst>
+                                      </p:cBhvr>
+                                      <p:to>
+                                        <p:strVal val="visible"/>
+                                      </p:to>
+                                    </p:set>
+                                    <p:animEffect transition="in" filter="fade">
+                                      <p:cBhvr>
+                                        <p:cTn id="13" dur="500"/>
+                                        <p:tgtEl>
+                                          <p:spTgt spid="159"/>
+                                        </p:tgtEl>
+                                      </p:cBhvr>
+                                    </p:animEffect>
+                                  </p:childTnLst>
+                                </p:cTn>
+                              </p:par>
+                              <p:par>
+                                <p:cTn id="14" presetID="10" presetClass="entr" presetSubtype="0" fill="hold" grpId="0" nodeType="withEffect">
+                                  <p:stCondLst>
+                                    <p:cond delay="0"/>
+                                  </p:stCondLst>
+                                  <p:childTnLst>
+                                    <p:set>
+                                      <p:cBhvr>
+                                        <p:cTn id="15" dur="1" fill="hold">
+                                          <p:stCondLst>
+                                            <p:cond delay="0"/>
+                                          </p:stCondLst>
+                                        </p:cTn>
+                                        <p:tgtEl>
+                                          <p:spTgt spid="160"/>
+                                        </p:tgtEl>
+                                        <p:attrNameLst>
+                                          <p:attrName>style.visibility</p:attrName>
+                                        </p:attrNameLst>
+                                      </p:cBhvr>
+                                      <p:to>
+                                        <p:strVal val="visible"/>
+                                      </p:to>
+                                    </p:set>
+                                    <p:animEffect transition="in" filter="fade">
+                                      <p:cBhvr>
+                                        <p:cTn id="16" dur="500"/>
+                                        <p:tgtEl>
+                                          <p:spTgt spid="160"/>
+                                        </p:tgtEl>
+                                      </p:cBhvr>
+                                    </p:animEffect>
+                                  </p:childTnLst>
+                                </p:cTn>
+                              </p:par>
+                              <p:par>
+                                <p:cTn id="17" presetID="10" presetClass="entr" presetSubtype="0" fill="hold" grpId="0" nodeType="withEffect">
+                                  <p:stCondLst>
+                                    <p:cond delay="0"/>
+                                  </p:stCondLst>
+                                  <p:childTnLst>
+                                    <p:set>
+                                      <p:cBhvr>
+                                        <p:cTn id="18" dur="1" fill="hold">
+                                          <p:stCondLst>
+                                            <p:cond delay="0"/>
+                                          </p:stCondLst>
+                                        </p:cTn>
+                                        <p:tgtEl>
+                                          <p:spTgt spid="161"/>
+                                        </p:tgtEl>
+                                        <p:attrNameLst>
+                                          <p:attrName>style.visibility</p:attrName>
+                                        </p:attrNameLst>
+                                      </p:cBhvr>
+                                      <p:to>
+                                        <p:strVal val="visible"/>
+                                      </p:to>
+                                    </p:set>
+                                    <p:animEffect transition="in" filter="fade">
+                                      <p:cBhvr>
+                                        <p:cTn id="19" dur="500"/>
+                                        <p:tgtEl>
+                                          <p:spTgt spid="161"/>
+                                        </p:tgtEl>
+                                      </p:cBhvr>
+                                    </p:animEffect>
+                                  </p:childTnLst>
+                                </p:cTn>
+                              </p:par>
+                              <p:par>
+                                <p:cTn id="20" presetID="10" presetClass="entr" presetSubtype="0" fill="hold" grpId="0" nodeType="withEffect">
+                                  <p:stCondLst>
+                                    <p:cond delay="0"/>
+                                  </p:stCondLst>
+                                  <p:childTnLst>
+                                    <p:set>
+                                      <p:cBhvr>
+                                        <p:cTn id="21" dur="1" fill="hold">
+                                          <p:stCondLst>
+                                            <p:cond delay="0"/>
+                                          </p:stCondLst>
+                                        </p:cTn>
+                                        <p:tgtEl>
+                                          <p:spTgt spid="162"/>
+                                        </p:tgtEl>
+                                        <p:attrNameLst>
+                                          <p:attrName>style.visibility</p:attrName>
+                                        </p:attrNameLst>
+                                      </p:cBhvr>
+                                      <p:to>
+                                        <p:strVal val="visible"/>
+                                      </p:to>
+                                    </p:set>
+                                    <p:animEffect transition="in" filter="fade">
+                                      <p:cBhvr>
+                                        <p:cTn id="22" dur="500"/>
+                                        <p:tgtEl>
+                                          <p:spTgt spid="162"/>
+                                        </p:tgtEl>
+                                      </p:cBhvr>
+                                    </p:animEffect>
+                                  </p:childTnLst>
+                                </p:cTn>
+                              </p:par>
+                              <p:par>
+                                <p:cTn id="23" presetID="10" presetClass="entr" presetSubtype="0" fill="hold" nodeType="withEffect">
+                                  <p:stCondLst>
+                                    <p:cond delay="0"/>
+                                  </p:stCondLst>
+                                  <p:childTnLst>
+                                    <p:set>
+                                      <p:cBhvr>
+                                        <p:cTn id="24" dur="1" fill="hold">
+                                          <p:stCondLst>
+                                            <p:cond delay="0"/>
+                                          </p:stCondLst>
+                                        </p:cTn>
+                                        <p:tgtEl>
+                                          <p:spTgt spid="163"/>
+                                        </p:tgtEl>
+                                        <p:attrNameLst>
+                                          <p:attrName>style.visibility</p:attrName>
+                                        </p:attrNameLst>
+                                      </p:cBhvr>
+                                      <p:to>
+                                        <p:strVal val="visible"/>
+                                      </p:to>
+                                    </p:set>
+                                    <p:animEffect transition="in" filter="fade">
+                                      <p:cBhvr>
+                                        <p:cTn id="25" dur="500"/>
+                                        <p:tgtEl>
+                                          <p:spTgt spid="163"/>
+                                        </p:tgtEl>
+                                      </p:cBhvr>
+                                    </p:animEffect>
+                                  </p:childTnLst>
+                                </p:cTn>
+                              </p:par>
+                              <p:par>
+                                <p:cTn id="26" presetID="10" presetClass="entr" presetSubtype="0" fill="hold" grpId="0" nodeType="withEffect">
+                                  <p:stCondLst>
+                                    <p:cond delay="0"/>
+                                  </p:stCondLst>
+                                  <p:childTnLst>
+                                    <p:set>
+                                      <p:cBhvr>
+                                        <p:cTn id="27" dur="1" fill="hold">
+                                          <p:stCondLst>
+                                            <p:cond delay="0"/>
+                                          </p:stCondLst>
+                                        </p:cTn>
+                                        <p:tgtEl>
+                                          <p:spTgt spid="164"/>
+                                        </p:tgtEl>
+                                        <p:attrNameLst>
+                                          <p:attrName>style.visibility</p:attrName>
+                                        </p:attrNameLst>
+                                      </p:cBhvr>
+                                      <p:to>
+                                        <p:strVal val="visible"/>
+                                      </p:to>
+                                    </p:set>
+                                    <p:animEffect transition="in" filter="fade">
+                                      <p:cBhvr>
+                                        <p:cTn id="28" dur="500"/>
+                                        <p:tgtEl>
+                                          <p:spTgt spid="164"/>
+                                        </p:tgtEl>
+                                      </p:cBhvr>
+                                    </p:animEffect>
+                                  </p:childTnLst>
+                                </p:cTn>
+                              </p:par>
+                              <p:par>
+                                <p:cTn id="29" presetID="10" presetClass="entr" presetSubtype="0" fill="hold" grpId="0" nodeType="withEffect">
+                                  <p:stCondLst>
+                                    <p:cond delay="0"/>
+                                  </p:stCondLst>
+                                  <p:childTnLst>
+                                    <p:set>
+                                      <p:cBhvr>
+                                        <p:cTn id="30" dur="1" fill="hold">
+                                          <p:stCondLst>
+                                            <p:cond delay="0"/>
+                                          </p:stCondLst>
+                                        </p:cTn>
+                                        <p:tgtEl>
+                                          <p:spTgt spid="165"/>
+                                        </p:tgtEl>
+                                        <p:attrNameLst>
+                                          <p:attrName>style.visibility</p:attrName>
+                                        </p:attrNameLst>
+                                      </p:cBhvr>
+                                      <p:to>
+                                        <p:strVal val="visible"/>
+                                      </p:to>
+                                    </p:set>
+                                    <p:animEffect transition="in" filter="fade">
+                                      <p:cBhvr>
+                                        <p:cTn id="31" dur="500"/>
+                                        <p:tgtEl>
+                                          <p:spTgt spid="165"/>
+                                        </p:tgtEl>
+                                      </p:cBhvr>
+                                    </p:animEffect>
+                                  </p:childTnLst>
+                                </p:cTn>
+                              </p:par>
+                              <p:par>
+                                <p:cTn id="32" presetID="10" presetClass="entr" presetSubtype="0" fill="hold" grpId="0" nodeType="withEffect">
+                                  <p:stCondLst>
+                                    <p:cond delay="0"/>
+                                  </p:stCondLst>
+                                  <p:childTnLst>
+                                    <p:set>
+                                      <p:cBhvr>
+                                        <p:cTn id="33" dur="1" fill="hold">
+                                          <p:stCondLst>
+                                            <p:cond delay="0"/>
+                                          </p:stCondLst>
+                                        </p:cTn>
+                                        <p:tgtEl>
+                                          <p:spTgt spid="166"/>
+                                        </p:tgtEl>
+                                        <p:attrNameLst>
+                                          <p:attrName>style.visibility</p:attrName>
+                                        </p:attrNameLst>
+                                      </p:cBhvr>
+                                      <p:to>
+                                        <p:strVal val="visible"/>
+                                      </p:to>
+                                    </p:set>
+                                    <p:animEffect transition="in" filter="fade">
+                                      <p:cBhvr>
+                                        <p:cTn id="34" dur="500"/>
+                                        <p:tgtEl>
+                                          <p:spTgt spid="166"/>
+                                        </p:tgtEl>
+                                      </p:cBhvr>
+                                    </p:animEffect>
+                                  </p:childTnLst>
+                                </p:cTn>
+                              </p:par>
+                            </p:childTnLst>
+                          </p:cTn>
+                        </p:par>
+                      </p:childTnLst>
+                    </p:cTn>
+                  </p:par>
+                </p:childTnLst>
+              </p:cTn>
+              <p:prevCondLst>
+                <p:cond evt="onPrev" delay="0">
+                  <p:tgtEl>
+                    <p:sldTgt/>
+                  </p:tgtEl>
+                </p:cond>
+              </p:prevCondLst>
+              <p:nextCondLst>
+                <p:cond evt="onNext" delay="0">
+                  <p:tgtEl>
+                    <p:sldTgt/>
+                  </p:tgtEl>
+                </p:cond>
+              </p:nextCondLst>
+            </p:seq>
+          </p:childTnLst>
+        </p:cTn>
+      </p:par>
+    </p:tnLst>
+    <p:bldLst>
+      <p:bldP spid="159" grpId="0"/>
+      <p:bldP spid="160" grpId="0"/>
+      <p:bldP spid="161" grpId="0"/>
+      <p:bldP spid="162" grpId="0" animBg="1"/>
+      <p:bldP spid="164" grpId="0"/>
+      <p:bldP spid="165" grpId="0"/>
+      <p:bldP spid="166" grpId="0"/>
+    </p:bldLst>
+  </p:timing>
 </p:sld>
 </file>
 
@@ -14665,7 +17083,7 @@
               <a:buNone/>
             </a:pPr>
             <a:r>
-              <a:rPr lang="en-US" sz="3600" b="1" i="0" u="none" strike="noStrike" cap="none">
+              <a:rPr lang="en-US" sz="3600" b="1" i="0" u="none" strike="noStrike" cap="none" dirty="0">
                 <a:solidFill>
                   <a:srgbClr val="004225"/>
                 </a:solidFill>
@@ -14676,7 +17094,7 @@
               </a:rPr>
               <a:t>Amendments Affecting Provinces</a:t>
             </a:r>
-            <a:endParaRPr/>
+            <a:endParaRPr dirty="0"/>
           </a:p>
         </p:txBody>
       </p:sp>
@@ -15131,6 +17549,484 @@
   <p:clrMapOvr>
     <a:masterClrMapping/>
   </p:clrMapOvr>
+  <p:timing>
+    <p:tnLst>
+      <p:par>
+        <p:cTn id="1" dur="indefinite" restart="never" nodeType="tmRoot">
+          <p:childTnLst>
+            <p:seq concurrent="1" nextAc="seek">
+              <p:cTn id="2" dur="indefinite" nodeType="mainSeq">
+                <p:childTnLst>
+                  <p:par>
+                    <p:cTn id="3" fill="hold">
+                      <p:stCondLst>
+                        <p:cond delay="indefinite"/>
+                      </p:stCondLst>
+                      <p:childTnLst>
+                        <p:par>
+                          <p:cTn id="4" fill="hold">
+                            <p:stCondLst>
+                              <p:cond delay="0"/>
+                            </p:stCondLst>
+                            <p:childTnLst>
+                              <p:par>
+                                <p:cTn id="5" presetID="10" presetClass="entr" presetSubtype="0" fill="hold" nodeType="clickEffect">
+                                  <p:stCondLst>
+                                    <p:cond delay="0"/>
+                                  </p:stCondLst>
+                                  <p:childTnLst>
+                                    <p:set>
+                                      <p:cBhvr>
+                                        <p:cTn id="6" dur="1" fill="hold">
+                                          <p:stCondLst>
+                                            <p:cond delay="0"/>
+                                          </p:stCondLst>
+                                        </p:cTn>
+                                        <p:tgtEl>
+                                          <p:spTgt spid="171"/>
+                                        </p:tgtEl>
+                                        <p:attrNameLst>
+                                          <p:attrName>style.visibility</p:attrName>
+                                        </p:attrNameLst>
+                                      </p:cBhvr>
+                                      <p:to>
+                                        <p:strVal val="visible"/>
+                                      </p:to>
+                                    </p:set>
+                                    <p:animEffect transition="in" filter="fade">
+                                      <p:cBhvr>
+                                        <p:cTn id="7" dur="500"/>
+                                        <p:tgtEl>
+                                          <p:spTgt spid="171"/>
+                                        </p:tgtEl>
+                                      </p:cBhvr>
+                                    </p:animEffect>
+                                  </p:childTnLst>
+                                </p:cTn>
+                              </p:par>
+                              <p:par>
+                                <p:cTn id="8" presetID="10" presetClass="entr" presetSubtype="0" fill="hold" nodeType="withEffect">
+                                  <p:stCondLst>
+                                    <p:cond delay="0"/>
+                                  </p:stCondLst>
+                                  <p:childTnLst>
+                                    <p:set>
+                                      <p:cBhvr>
+                                        <p:cTn id="9" dur="1" fill="hold">
+                                          <p:stCondLst>
+                                            <p:cond delay="0"/>
+                                          </p:stCondLst>
+                                        </p:cTn>
+                                        <p:tgtEl>
+                                          <p:spTgt spid="172"/>
+                                        </p:tgtEl>
+                                        <p:attrNameLst>
+                                          <p:attrName>style.visibility</p:attrName>
+                                        </p:attrNameLst>
+                                      </p:cBhvr>
+                                      <p:to>
+                                        <p:strVal val="visible"/>
+                                      </p:to>
+                                    </p:set>
+                                    <p:animEffect transition="in" filter="fade">
+                                      <p:cBhvr>
+                                        <p:cTn id="10" dur="500"/>
+                                        <p:tgtEl>
+                                          <p:spTgt spid="172"/>
+                                        </p:tgtEl>
+                                      </p:cBhvr>
+                                    </p:animEffect>
+                                  </p:childTnLst>
+                                </p:cTn>
+                              </p:par>
+                              <p:par>
+                                <p:cTn id="11" presetID="10" presetClass="entr" presetSubtype="0" fill="hold" nodeType="withEffect">
+                                  <p:stCondLst>
+                                    <p:cond delay="0"/>
+                                  </p:stCondLst>
+                                  <p:childTnLst>
+                                    <p:set>
+                                      <p:cBhvr>
+                                        <p:cTn id="12" dur="1" fill="hold">
+                                          <p:stCondLst>
+                                            <p:cond delay="0"/>
+                                          </p:stCondLst>
+                                        </p:cTn>
+                                        <p:tgtEl>
+                                          <p:spTgt spid="173"/>
+                                        </p:tgtEl>
+                                        <p:attrNameLst>
+                                          <p:attrName>style.visibility</p:attrName>
+                                        </p:attrNameLst>
+                                      </p:cBhvr>
+                                      <p:to>
+                                        <p:strVal val="visible"/>
+                                      </p:to>
+                                    </p:set>
+                                    <p:animEffect transition="in" filter="fade">
+                                      <p:cBhvr>
+                                        <p:cTn id="13" dur="500"/>
+                                        <p:tgtEl>
+                                          <p:spTgt spid="173"/>
+                                        </p:tgtEl>
+                                      </p:cBhvr>
+                                    </p:animEffect>
+                                  </p:childTnLst>
+                                </p:cTn>
+                              </p:par>
+                              <p:par>
+                                <p:cTn id="14" presetID="10" presetClass="entr" presetSubtype="0" fill="hold" grpId="0" nodeType="withEffect">
+                                  <p:stCondLst>
+                                    <p:cond delay="0"/>
+                                  </p:stCondLst>
+                                  <p:childTnLst>
+                                    <p:set>
+                                      <p:cBhvr>
+                                        <p:cTn id="15" dur="1" fill="hold">
+                                          <p:stCondLst>
+                                            <p:cond delay="0"/>
+                                          </p:stCondLst>
+                                        </p:cTn>
+                                        <p:tgtEl>
+                                          <p:spTgt spid="174"/>
+                                        </p:tgtEl>
+                                        <p:attrNameLst>
+                                          <p:attrName>style.visibility</p:attrName>
+                                        </p:attrNameLst>
+                                      </p:cBhvr>
+                                      <p:to>
+                                        <p:strVal val="visible"/>
+                                      </p:to>
+                                    </p:set>
+                                    <p:animEffect transition="in" filter="fade">
+                                      <p:cBhvr>
+                                        <p:cTn id="16" dur="500"/>
+                                        <p:tgtEl>
+                                          <p:spTgt spid="174"/>
+                                        </p:tgtEl>
+                                      </p:cBhvr>
+                                    </p:animEffect>
+                                  </p:childTnLst>
+                                </p:cTn>
+                              </p:par>
+                              <p:par>
+                                <p:cTn id="17" presetID="10" presetClass="entr" presetSubtype="0" fill="hold" grpId="0" nodeType="withEffect">
+                                  <p:stCondLst>
+                                    <p:cond delay="0"/>
+                                  </p:stCondLst>
+                                  <p:childTnLst>
+                                    <p:set>
+                                      <p:cBhvr>
+                                        <p:cTn id="18" dur="1" fill="hold">
+                                          <p:stCondLst>
+                                            <p:cond delay="0"/>
+                                          </p:stCondLst>
+                                        </p:cTn>
+                                        <p:tgtEl>
+                                          <p:spTgt spid="175"/>
+                                        </p:tgtEl>
+                                        <p:attrNameLst>
+                                          <p:attrName>style.visibility</p:attrName>
+                                        </p:attrNameLst>
+                                      </p:cBhvr>
+                                      <p:to>
+                                        <p:strVal val="visible"/>
+                                      </p:to>
+                                    </p:set>
+                                    <p:animEffect transition="in" filter="fade">
+                                      <p:cBhvr>
+                                        <p:cTn id="19" dur="500"/>
+                                        <p:tgtEl>
+                                          <p:spTgt spid="175"/>
+                                        </p:tgtEl>
+                                      </p:cBhvr>
+                                    </p:animEffect>
+                                  </p:childTnLst>
+                                </p:cTn>
+                              </p:par>
+                              <p:par>
+                                <p:cTn id="20" presetID="10" presetClass="entr" presetSubtype="0" fill="hold" grpId="0" nodeType="withEffect">
+                                  <p:stCondLst>
+                                    <p:cond delay="0"/>
+                                  </p:stCondLst>
+                                  <p:childTnLst>
+                                    <p:set>
+                                      <p:cBhvr>
+                                        <p:cTn id="21" dur="1" fill="hold">
+                                          <p:stCondLst>
+                                            <p:cond delay="0"/>
+                                          </p:stCondLst>
+                                        </p:cTn>
+                                        <p:tgtEl>
+                                          <p:spTgt spid="176"/>
+                                        </p:tgtEl>
+                                        <p:attrNameLst>
+                                          <p:attrName>style.visibility</p:attrName>
+                                        </p:attrNameLst>
+                                      </p:cBhvr>
+                                      <p:to>
+                                        <p:strVal val="visible"/>
+                                      </p:to>
+                                    </p:set>
+                                    <p:animEffect transition="in" filter="fade">
+                                      <p:cBhvr>
+                                        <p:cTn id="22" dur="500"/>
+                                        <p:tgtEl>
+                                          <p:spTgt spid="176"/>
+                                        </p:tgtEl>
+                                      </p:cBhvr>
+                                    </p:animEffect>
+                                  </p:childTnLst>
+                                </p:cTn>
+                              </p:par>
+                              <p:par>
+                                <p:cTn id="23" presetID="10" presetClass="entr" presetSubtype="0" fill="hold" grpId="0" nodeType="withEffect">
+                                  <p:stCondLst>
+                                    <p:cond delay="0"/>
+                                  </p:stCondLst>
+                                  <p:childTnLst>
+                                    <p:set>
+                                      <p:cBhvr>
+                                        <p:cTn id="24" dur="1" fill="hold">
+                                          <p:stCondLst>
+                                            <p:cond delay="0"/>
+                                          </p:stCondLst>
+                                        </p:cTn>
+                                        <p:tgtEl>
+                                          <p:spTgt spid="177"/>
+                                        </p:tgtEl>
+                                        <p:attrNameLst>
+                                          <p:attrName>style.visibility</p:attrName>
+                                        </p:attrNameLst>
+                                      </p:cBhvr>
+                                      <p:to>
+                                        <p:strVal val="visible"/>
+                                      </p:to>
+                                    </p:set>
+                                    <p:animEffect transition="in" filter="fade">
+                                      <p:cBhvr>
+                                        <p:cTn id="25" dur="500"/>
+                                        <p:tgtEl>
+                                          <p:spTgt spid="177"/>
+                                        </p:tgtEl>
+                                      </p:cBhvr>
+                                    </p:animEffect>
+                                  </p:childTnLst>
+                                </p:cTn>
+                              </p:par>
+                              <p:par>
+                                <p:cTn id="26" presetID="10" presetClass="entr" presetSubtype="0" fill="hold" nodeType="withEffect">
+                                  <p:stCondLst>
+                                    <p:cond delay="0"/>
+                                  </p:stCondLst>
+                                  <p:childTnLst>
+                                    <p:set>
+                                      <p:cBhvr>
+                                        <p:cTn id="27" dur="1" fill="hold">
+                                          <p:stCondLst>
+                                            <p:cond delay="0"/>
+                                          </p:stCondLst>
+                                        </p:cTn>
+                                        <p:tgtEl>
+                                          <p:spTgt spid="178"/>
+                                        </p:tgtEl>
+                                        <p:attrNameLst>
+                                          <p:attrName>style.visibility</p:attrName>
+                                        </p:attrNameLst>
+                                      </p:cBhvr>
+                                      <p:to>
+                                        <p:strVal val="visible"/>
+                                      </p:to>
+                                    </p:set>
+                                    <p:animEffect transition="in" filter="fade">
+                                      <p:cBhvr>
+                                        <p:cTn id="28" dur="500"/>
+                                        <p:tgtEl>
+                                          <p:spTgt spid="178"/>
+                                        </p:tgtEl>
+                                      </p:cBhvr>
+                                    </p:animEffect>
+                                  </p:childTnLst>
+                                </p:cTn>
+                              </p:par>
+                              <p:par>
+                                <p:cTn id="29" presetID="10" presetClass="entr" presetSubtype="0" fill="hold" grpId="0" nodeType="withEffect">
+                                  <p:stCondLst>
+                                    <p:cond delay="0"/>
+                                  </p:stCondLst>
+                                  <p:childTnLst>
+                                    <p:set>
+                                      <p:cBhvr>
+                                        <p:cTn id="30" dur="1" fill="hold">
+                                          <p:stCondLst>
+                                            <p:cond delay="0"/>
+                                          </p:stCondLst>
+                                        </p:cTn>
+                                        <p:tgtEl>
+                                          <p:spTgt spid="179"/>
+                                        </p:tgtEl>
+                                        <p:attrNameLst>
+                                          <p:attrName>style.visibility</p:attrName>
+                                        </p:attrNameLst>
+                                      </p:cBhvr>
+                                      <p:to>
+                                        <p:strVal val="visible"/>
+                                      </p:to>
+                                    </p:set>
+                                    <p:animEffect transition="in" filter="fade">
+                                      <p:cBhvr>
+                                        <p:cTn id="31" dur="500"/>
+                                        <p:tgtEl>
+                                          <p:spTgt spid="179"/>
+                                        </p:tgtEl>
+                                      </p:cBhvr>
+                                    </p:animEffect>
+                                  </p:childTnLst>
+                                </p:cTn>
+                              </p:par>
+                              <p:par>
+                                <p:cTn id="32" presetID="10" presetClass="entr" presetSubtype="0" fill="hold" grpId="0" nodeType="withEffect">
+                                  <p:stCondLst>
+                                    <p:cond delay="0"/>
+                                  </p:stCondLst>
+                                  <p:childTnLst>
+                                    <p:set>
+                                      <p:cBhvr>
+                                        <p:cTn id="33" dur="1" fill="hold">
+                                          <p:stCondLst>
+                                            <p:cond delay="0"/>
+                                          </p:stCondLst>
+                                        </p:cTn>
+                                        <p:tgtEl>
+                                          <p:spTgt spid="180"/>
+                                        </p:tgtEl>
+                                        <p:attrNameLst>
+                                          <p:attrName>style.visibility</p:attrName>
+                                        </p:attrNameLst>
+                                      </p:cBhvr>
+                                      <p:to>
+                                        <p:strVal val="visible"/>
+                                      </p:to>
+                                    </p:set>
+                                    <p:animEffect transition="in" filter="fade">
+                                      <p:cBhvr>
+                                        <p:cTn id="34" dur="500"/>
+                                        <p:tgtEl>
+                                          <p:spTgt spid="180"/>
+                                        </p:tgtEl>
+                                      </p:cBhvr>
+                                    </p:animEffect>
+                                  </p:childTnLst>
+                                </p:cTn>
+                              </p:par>
+                              <p:par>
+                                <p:cTn id="35" presetID="10" presetClass="entr" presetSubtype="0" fill="hold" grpId="0" nodeType="withEffect">
+                                  <p:stCondLst>
+                                    <p:cond delay="0"/>
+                                  </p:stCondLst>
+                                  <p:childTnLst>
+                                    <p:set>
+                                      <p:cBhvr>
+                                        <p:cTn id="36" dur="1" fill="hold">
+                                          <p:stCondLst>
+                                            <p:cond delay="0"/>
+                                          </p:stCondLst>
+                                        </p:cTn>
+                                        <p:tgtEl>
+                                          <p:spTgt spid="181"/>
+                                        </p:tgtEl>
+                                        <p:attrNameLst>
+                                          <p:attrName>style.visibility</p:attrName>
+                                        </p:attrNameLst>
+                                      </p:cBhvr>
+                                      <p:to>
+                                        <p:strVal val="visible"/>
+                                      </p:to>
+                                    </p:set>
+                                    <p:animEffect transition="in" filter="fade">
+                                      <p:cBhvr>
+                                        <p:cTn id="37" dur="500"/>
+                                        <p:tgtEl>
+                                          <p:spTgt spid="181"/>
+                                        </p:tgtEl>
+                                      </p:cBhvr>
+                                    </p:animEffect>
+                                  </p:childTnLst>
+                                </p:cTn>
+                              </p:par>
+                              <p:par>
+                                <p:cTn id="38" presetID="10" presetClass="entr" presetSubtype="0" fill="hold" grpId="0" nodeType="withEffect">
+                                  <p:stCondLst>
+                                    <p:cond delay="0"/>
+                                  </p:stCondLst>
+                                  <p:childTnLst>
+                                    <p:set>
+                                      <p:cBhvr>
+                                        <p:cTn id="39" dur="1" fill="hold">
+                                          <p:stCondLst>
+                                            <p:cond delay="0"/>
+                                          </p:stCondLst>
+                                        </p:cTn>
+                                        <p:tgtEl>
+                                          <p:spTgt spid="182"/>
+                                        </p:tgtEl>
+                                        <p:attrNameLst>
+                                          <p:attrName>style.visibility</p:attrName>
+                                        </p:attrNameLst>
+                                      </p:cBhvr>
+                                      <p:to>
+                                        <p:strVal val="visible"/>
+                                      </p:to>
+                                    </p:set>
+                                    <p:animEffect transition="in" filter="fade">
+                                      <p:cBhvr>
+                                        <p:cTn id="40" dur="500"/>
+                                        <p:tgtEl>
+                                          <p:spTgt spid="182"/>
+                                        </p:tgtEl>
+                                      </p:cBhvr>
+                                    </p:animEffect>
+                                  </p:childTnLst>
+                                </p:cTn>
+                              </p:par>
+                            </p:childTnLst>
+                          </p:cTn>
+                        </p:par>
+                      </p:childTnLst>
+                    </p:cTn>
+                  </p:par>
+                </p:childTnLst>
+              </p:cTn>
+              <p:prevCondLst>
+                <p:cond evt="onPrev" delay="0">
+                  <p:tgtEl>
+                    <p:sldTgt/>
+                  </p:tgtEl>
+                </p:cond>
+              </p:prevCondLst>
+              <p:nextCondLst>
+                <p:cond evt="onNext" delay="0">
+                  <p:tgtEl>
+                    <p:sldTgt/>
+                  </p:tgtEl>
+                </p:cond>
+              </p:nextCondLst>
+            </p:seq>
+          </p:childTnLst>
+        </p:cTn>
+      </p:par>
+    </p:tnLst>
+    <p:bldLst>
+      <p:bldP spid="174" grpId="0"/>
+      <p:bldP spid="175" grpId="0"/>
+      <p:bldP spid="176" grpId="0"/>
+      <p:bldP spid="177" grpId="0" animBg="1"/>
+      <p:bldP spid="179" grpId="0"/>
+      <p:bldP spid="180" grpId="0"/>
+      <p:bldP spid="181" grpId="0"/>
+      <p:bldP spid="182" grpId="0"/>
+    </p:bldLst>
+  </p:timing>
 </p:sld>
 </file>
 
@@ -15417,7 +18313,13 @@
         <p:nvGraphicFramePr>
           <p:cNvPr id="193" name="Google Shape;193;p19"/>
           <p:cNvGraphicFramePr/>
-          <p:nvPr/>
+          <p:nvPr>
+            <p:extLst>
+              <p:ext uri="{D42A27DB-BD31-4B8C-83A1-F6EECF244321}">
+                <p14:modId xmlns:p14="http://schemas.microsoft.com/office/powerpoint/2010/main" val="1984437154"/>
+              </p:ext>
+            </p:extLst>
+          </p:nvPr>
         </p:nvGraphicFramePr>
         <p:xfrm>
           <a:off x="581025" y="2205037"/>
@@ -15789,7 +18691,7 @@
                         <a:buNone/>
                       </a:pPr>
                       <a:r>
-                        <a:rPr lang="en-US" sz="1275" b="0" i="0" u="none" strike="noStrike" cap="none">
+                        <a:rPr lang="en-US" sz="1275" b="0" i="0" u="none" strike="noStrike" cap="none" dirty="0">
                           <a:solidFill>
                             <a:srgbClr val="2D3748"/>
                           </a:solidFill>
@@ -15798,9 +18700,9 @@
                           <a:cs typeface="Lato"/>
                           <a:sym typeface="Lato"/>
                         </a:rPr>
-                        <a:t>1985</a:t>
+                        <a:t>1985 (Zia-Ul-Haq)</a:t>
                       </a:r>
-                      <a:endParaRPr/>
+                      <a:endParaRPr dirty="0"/>
                     </a:p>
                   </a:txBody>
                   <a:tcPr marL="63500" marR="63500" marT="25400" marB="25400" anchor="ctr">
@@ -15865,7 +18767,7 @@
                         <a:buNone/>
                       </a:pPr>
                       <a:r>
-                        <a:rPr lang="en-US" sz="1275" b="0" i="0" u="none" strike="noStrike" cap="none">
+                        <a:rPr lang="en-US" sz="1275" b="0" i="0" u="none" strike="noStrike" cap="none" dirty="0">
                           <a:solidFill>
                             <a:srgbClr val="2D3748"/>
                           </a:solidFill>
@@ -15876,7 +18778,7 @@
                         </a:rPr>
                         <a:t>Legalized Martial Law acts; strengthened Presidential powers.</a:t>
                       </a:r>
-                      <a:endParaRPr/>
+                      <a:endParaRPr dirty="0"/>
                     </a:p>
                   </a:txBody>
                   <a:tcPr marL="63500" marR="63500" marT="25400" marB="25400" anchor="ctr">
@@ -16027,7 +18929,7 @@
                         <a:buNone/>
                       </a:pPr>
                       <a:r>
-                        <a:rPr lang="en-US" sz="1275" b="0" i="0" u="none" strike="noStrike" cap="none">
+                        <a:rPr lang="en-US" sz="1275" b="0" i="0" u="none" strike="noStrike" cap="none" dirty="0">
                           <a:solidFill>
                             <a:srgbClr val="2D3748"/>
                           </a:solidFill>
@@ -16036,9 +18938,33 @@
                           <a:cs typeface="Lato"/>
                           <a:sym typeface="Lato"/>
                         </a:rPr>
-                        <a:t>1997</a:t>
+                        <a:t>1997 (Nawaz </a:t>
                       </a:r>
-                      <a:endParaRPr/>
+                      <a:r>
+                        <a:rPr lang="en-US" sz="1275" b="0" i="0" u="none" strike="noStrike" cap="none" dirty="0" err="1">
+                          <a:solidFill>
+                            <a:srgbClr val="2D3748"/>
+                          </a:solidFill>
+                          <a:latin typeface="Lato"/>
+                          <a:ea typeface="Lato"/>
+                          <a:cs typeface="Lato"/>
+                          <a:sym typeface="Lato"/>
+                        </a:rPr>
+                        <a:t>Shahrif</a:t>
+                      </a:r>
+                      <a:r>
+                        <a:rPr lang="en-US" sz="1275" b="0" i="0" u="none" strike="noStrike" cap="none" dirty="0">
+                          <a:solidFill>
+                            <a:srgbClr val="2D3748"/>
+                          </a:solidFill>
+                          <a:latin typeface="Lato"/>
+                          <a:ea typeface="Lato"/>
+                          <a:cs typeface="Lato"/>
+                          <a:sym typeface="Lato"/>
+                        </a:rPr>
+                        <a:t>)</a:t>
+                      </a:r>
+                      <a:endParaRPr dirty="0"/>
                     </a:p>
                   </a:txBody>
                   <a:tcPr marL="63500" marR="63500" marT="25400" marB="25400" anchor="ctr">
@@ -16106,7 +19032,7 @@
                         <a:buNone/>
                       </a:pPr>
                       <a:r>
-                        <a:rPr lang="en-US" sz="1275" b="0" i="0" u="none" strike="noStrike" cap="none">
+                        <a:rPr lang="en-US" sz="1275" b="0" i="0" u="none" strike="noStrike" cap="none" dirty="0">
                           <a:solidFill>
                             <a:srgbClr val="2D3748"/>
                           </a:solidFill>
@@ -16117,7 +19043,7 @@
                         </a:rPr>
                         <a:t>Removed Article 58(2)(b) (President's power to dissolve Assembly).</a:t>
                       </a:r>
-                      <a:endParaRPr/>
+                      <a:endParaRPr dirty="0"/>
                     </a:p>
                   </a:txBody>
                   <a:tcPr marL="63500" marR="63500" marT="25400" marB="25400" anchor="ctr">
@@ -16268,7 +19194,7 @@
                         <a:buNone/>
                       </a:pPr>
                       <a:r>
-                        <a:rPr lang="en-US" sz="1275" b="0" i="0" u="none" strike="noStrike" cap="none">
+                        <a:rPr lang="en-US" sz="1275" b="0" i="0" u="none" strike="noStrike" cap="none" dirty="0">
                           <a:solidFill>
                             <a:srgbClr val="2D3748"/>
                           </a:solidFill>
@@ -16277,9 +19203,9 @@
                           <a:cs typeface="Lato"/>
                           <a:sym typeface="Lato"/>
                         </a:rPr>
-                        <a:t>2003</a:t>
+                        <a:t>2003 (Musharaff)</a:t>
                       </a:r>
-                      <a:endParaRPr/>
+                      <a:endParaRPr dirty="0"/>
                     </a:p>
                   </a:txBody>
                   <a:tcPr marL="63500" marR="63500" marT="25400" marB="25400" anchor="ctr">
@@ -16344,7 +19270,7 @@
                         <a:buNone/>
                       </a:pPr>
                       <a:r>
-                        <a:rPr lang="en-US" sz="1275" b="0" i="0" u="none" strike="noStrike" cap="none">
+                        <a:rPr lang="en-US" sz="1275" b="0" i="0" u="none" strike="noStrike" cap="none" dirty="0">
                           <a:solidFill>
                             <a:srgbClr val="2D3748"/>
                           </a:solidFill>
@@ -16353,9 +19279,9 @@
                           <a:cs typeface="Lato"/>
                           <a:sym typeface="Lato"/>
                         </a:rPr>
-                        <a:t>Legalized General Musharraf's rule.</a:t>
+                        <a:t>Presidential powers were strengthened again in General Musharraf's rule, But it now needs to be passed by Judiciary (Supreme Court).</a:t>
                       </a:r>
-                      <a:endParaRPr/>
+                      <a:endParaRPr dirty="0"/>
                     </a:p>
                   </a:txBody>
                   <a:tcPr marL="63500" marR="63500" marT="25400" marB="25400" anchor="ctr">
@@ -16506,7 +19432,7 @@
                         <a:buNone/>
                       </a:pPr>
                       <a:r>
-                        <a:rPr lang="en-US" sz="1275" b="0" i="0" u="none" strike="noStrike" cap="none">
+                        <a:rPr lang="en-US" sz="1275" b="0" i="0" u="none" strike="noStrike" cap="none" dirty="0">
                           <a:solidFill>
                             <a:srgbClr val="2D3748"/>
                           </a:solidFill>
@@ -16515,9 +19441,9 @@
                           <a:cs typeface="Lato"/>
                           <a:sym typeface="Lato"/>
                         </a:rPr>
-                        <a:t>2010</a:t>
+                        <a:t>2010 (PPP)</a:t>
                       </a:r>
-                      <a:endParaRPr/>
+                      <a:endParaRPr dirty="0"/>
                     </a:p>
                   </a:txBody>
                   <a:tcPr marL="63500" marR="63500" marT="25400" marB="25400" anchor="ctr">
@@ -16585,7 +19511,7 @@
                         <a:buNone/>
                       </a:pPr>
                       <a:r>
-                        <a:rPr lang="en-US" sz="1275" b="0" i="0" u="none" strike="noStrike" cap="none">
+                        <a:rPr lang="en-US" sz="1275" b="0" i="0" u="none" strike="noStrike" cap="none" dirty="0">
                           <a:solidFill>
                             <a:srgbClr val="2D3748"/>
                           </a:solidFill>
@@ -16594,9 +19520,9 @@
                           <a:cs typeface="Lato"/>
                           <a:sym typeface="Lato"/>
                         </a:rPr>
-                        <a:t>Restored parliamentary democracy; granted provincial autonomy.</a:t>
+                        <a:t>Substituted Article 58(2)(b), Restored parliamentary democracy; granted provincial autonomy (Concurrent Lists were removed).</a:t>
                       </a:r>
-                      <a:endParaRPr/>
+                      <a:endParaRPr dirty="0"/>
                     </a:p>
                   </a:txBody>
                   <a:tcPr marL="63500" marR="63500" marT="25400" marB="25400" anchor="ctr">
@@ -16747,7 +19673,7 @@
                         <a:buNone/>
                       </a:pPr>
                       <a:r>
-                        <a:rPr lang="en-US" sz="1275" b="0" i="0" u="none" strike="noStrike" cap="none">
+                        <a:rPr lang="en-US" sz="1275" b="0" i="0" u="none" strike="noStrike" cap="none" dirty="0">
                           <a:solidFill>
                             <a:srgbClr val="2D3748"/>
                           </a:solidFill>
@@ -16758,7 +19684,7 @@
                         </a:rPr>
                         <a:t>2015</a:t>
                       </a:r>
-                      <a:endParaRPr/>
+                      <a:endParaRPr dirty="0"/>
                     </a:p>
                   </a:txBody>
                   <a:tcPr marL="63500" marR="63500" marT="25400" marB="25400" anchor="ctr">
@@ -16823,7 +19749,7 @@
                         <a:buNone/>
                       </a:pPr>
                       <a:r>
-                        <a:rPr lang="en-US" sz="1275" b="0" i="0" u="none" strike="noStrike" cap="none">
+                        <a:rPr lang="en-US" sz="1275" b="0" i="0" u="none" strike="noStrike" cap="none" dirty="0">
                           <a:solidFill>
                             <a:srgbClr val="2D3748"/>
                           </a:solidFill>
@@ -16834,7 +19760,7 @@
                         </a:rPr>
                         <a:t>Established military courts for terrorism cases.</a:t>
                       </a:r>
-                      <a:endParaRPr/>
+                      <a:endParaRPr dirty="0"/>
                     </a:p>
                   </a:txBody>
                   <a:tcPr marL="63500" marR="63500" marT="25400" marB="25400" anchor="ctr">
@@ -16985,7 +19911,7 @@
                         <a:buNone/>
                       </a:pPr>
                       <a:r>
-                        <a:rPr lang="en-US" sz="1275" b="0" i="0" u="none" strike="noStrike" cap="none">
+                        <a:rPr lang="en-US" sz="1275" b="0" i="0" u="none" strike="noStrike" cap="none" dirty="0">
                           <a:solidFill>
                             <a:srgbClr val="2D3748"/>
                           </a:solidFill>
@@ -16996,7 +19922,7 @@
                         </a:rPr>
                         <a:t>2024</a:t>
                       </a:r>
-                      <a:endParaRPr/>
+                      <a:endParaRPr dirty="0"/>
                     </a:p>
                   </a:txBody>
                   <a:tcPr marL="63500" marR="63500" marT="25400" marB="25400" anchor="ctr">
@@ -17064,7 +19990,7 @@
                         <a:buNone/>
                       </a:pPr>
                       <a:r>
-                        <a:rPr lang="en-US" sz="1275" b="0" i="0" u="none" strike="noStrike" cap="none">
+                        <a:rPr lang="en-US" sz="1275" b="0" i="0" u="none" strike="noStrike" cap="none" dirty="0">
                           <a:solidFill>
                             <a:srgbClr val="2D3748"/>
                           </a:solidFill>
@@ -17073,9 +19999,9 @@
                           <a:cs typeface="Lato"/>
                           <a:sym typeface="Lato"/>
                         </a:rPr>
-                        <a:t>Judicial Reforms: Fixed Chief Justice tenure (3 yrs); Constitutional Benches.</a:t>
+                        <a:t>Judicial Reforms: Fixed Chief Justice tenure (3 yrs).</a:t>
                       </a:r>
-                      <a:endParaRPr/>
+                      <a:endParaRPr dirty="0"/>
                     </a:p>
                   </a:txBody>
                   <a:tcPr marL="63500" marR="63500" marT="25400" marB="25400" anchor="ctr">
@@ -17226,7 +20152,7 @@
                         <a:buNone/>
                       </a:pPr>
                       <a:r>
-                        <a:rPr lang="en-US" sz="1275" b="0" i="0" u="none" strike="noStrike" cap="none">
+                        <a:rPr lang="en-US" sz="1275" b="0" i="0" u="none" strike="noStrike" cap="none" dirty="0">
                           <a:solidFill>
                             <a:srgbClr val="2D3748"/>
                           </a:solidFill>
@@ -17235,9 +20161,9 @@
                           <a:cs typeface="Lato"/>
                           <a:sym typeface="Lato"/>
                         </a:rPr>
-                        <a:t>(Bill)</a:t>
+                        <a:t>2025</a:t>
                       </a:r>
-                      <a:endParaRPr/>
+                      <a:endParaRPr dirty="0"/>
                     </a:p>
                   </a:txBody>
                   <a:tcPr marL="63500" marR="63500" marT="25400" marB="25400" anchor="ctr">
@@ -17302,18 +20228,38 @@
                         <a:buNone/>
                       </a:pPr>
                       <a:r>
-                        <a:rPr lang="en-US" sz="1275" b="0" i="0" u="none" strike="noStrike" cap="none">
-                          <a:solidFill>
-                            <a:srgbClr val="2D3748"/>
-                          </a:solidFill>
-                          <a:latin typeface="Lato"/>
-                          <a:ea typeface="Lato"/>
-                          <a:cs typeface="Lato"/>
-                          <a:sym typeface="Lato"/>
-                        </a:rPr>
-                        <a:t>Proposed reforms for Local Governments and Military Courts.</a:t>
+                        <a:rPr lang="en-US" dirty="0"/>
+                        <a:t>Federal Constitutional Court was </a:t>
                       </a:r>
-                      <a:endParaRPr/>
+                      <a:r>
+                        <a:rPr lang="en-US" dirty="0" err="1"/>
+                        <a:t>establisted</a:t>
+                      </a:r>
+                      <a:r>
+                        <a:rPr lang="en-US" dirty="0"/>
+                        <a:t>, First Chief Justice of FCC appointed by President on advice of Prime </a:t>
+                      </a:r>
+                      <a:r>
+                        <a:rPr lang="en-US" dirty="0" err="1"/>
+                        <a:t>Minsiter,Redisgnating</a:t>
+                      </a:r>
+                      <a:r>
+                        <a:rPr lang="en-US" dirty="0"/>
+                        <a:t> the “Chief Of Army Staff” as “Chief Of </a:t>
+                      </a:r>
+                      <a:r>
+                        <a:rPr lang="en-US" dirty="0" err="1"/>
+                        <a:t>Defence</a:t>
+                      </a:r>
+                      <a:r>
+                        <a:rPr lang="en-US" dirty="0"/>
+                        <a:t> Forces</a:t>
+                      </a:r>
+                      <a:r>
+                        <a:rPr lang="en-US"/>
+                        <a:t>” well</a:t>
+                      </a:r>
+                      <a:endParaRPr dirty="0"/>
                     </a:p>
                   </a:txBody>
                   <a:tcPr marL="63500" marR="63500" marT="25400" marB="25400" anchor="ctr">
@@ -18530,6 +21476,1169 @@
   <p:clrMapOvr>
     <a:masterClrMapping/>
   </p:clrMapOvr>
+  <p:timing>
+    <p:tnLst>
+      <p:par>
+        <p:cTn id="1" dur="indefinite" restart="never" nodeType="tmRoot">
+          <p:childTnLst>
+            <p:seq concurrent="1" nextAc="seek">
+              <p:cTn id="2" dur="indefinite" nodeType="mainSeq">
+                <p:childTnLst>
+                  <p:par>
+                    <p:cTn id="3" fill="hold">
+                      <p:stCondLst>
+                        <p:cond delay="indefinite"/>
+                      </p:stCondLst>
+                      <p:childTnLst>
+                        <p:par>
+                          <p:cTn id="4" fill="hold">
+                            <p:stCondLst>
+                              <p:cond delay="0"/>
+                            </p:stCondLst>
+                            <p:childTnLst>
+                              <p:par>
+                                <p:cTn id="5" presetID="10" presetClass="entr" presetSubtype="0" fill="hold" nodeType="clickEffect">
+                                  <p:stCondLst>
+                                    <p:cond delay="0"/>
+                                  </p:stCondLst>
+                                  <p:childTnLst>
+                                    <p:set>
+                                      <p:cBhvr>
+                                        <p:cTn id="6" dur="1" fill="hold">
+                                          <p:stCondLst>
+                                            <p:cond delay="0"/>
+                                          </p:stCondLst>
+                                        </p:cTn>
+                                        <p:tgtEl>
+                                          <p:spTgt spid="187"/>
+                                        </p:tgtEl>
+                                        <p:attrNameLst>
+                                          <p:attrName>style.visibility</p:attrName>
+                                        </p:attrNameLst>
+                                      </p:cBhvr>
+                                      <p:to>
+                                        <p:strVal val="visible"/>
+                                      </p:to>
+                                    </p:set>
+                                    <p:animEffect transition="in" filter="fade">
+                                      <p:cBhvr>
+                                        <p:cTn id="7" dur="500"/>
+                                        <p:tgtEl>
+                                          <p:spTgt spid="187"/>
+                                        </p:tgtEl>
+                                      </p:cBhvr>
+                                    </p:animEffect>
+                                  </p:childTnLst>
+                                </p:cTn>
+                              </p:par>
+                              <p:par>
+                                <p:cTn id="8" presetID="10" presetClass="entr" presetSubtype="0" fill="hold" nodeType="withEffect">
+                                  <p:stCondLst>
+                                    <p:cond delay="0"/>
+                                  </p:stCondLst>
+                                  <p:childTnLst>
+                                    <p:set>
+                                      <p:cBhvr>
+                                        <p:cTn id="9" dur="1" fill="hold">
+                                          <p:stCondLst>
+                                            <p:cond delay="0"/>
+                                          </p:stCondLst>
+                                        </p:cTn>
+                                        <p:tgtEl>
+                                          <p:spTgt spid="188"/>
+                                        </p:tgtEl>
+                                        <p:attrNameLst>
+                                          <p:attrName>style.visibility</p:attrName>
+                                        </p:attrNameLst>
+                                      </p:cBhvr>
+                                      <p:to>
+                                        <p:strVal val="visible"/>
+                                      </p:to>
+                                    </p:set>
+                                    <p:animEffect transition="in" filter="fade">
+                                      <p:cBhvr>
+                                        <p:cTn id="10" dur="500"/>
+                                        <p:tgtEl>
+                                          <p:spTgt spid="188"/>
+                                        </p:tgtEl>
+                                      </p:cBhvr>
+                                    </p:animEffect>
+                                  </p:childTnLst>
+                                </p:cTn>
+                              </p:par>
+                              <p:par>
+                                <p:cTn id="11" presetID="10" presetClass="entr" presetSubtype="0" fill="hold" grpId="0" nodeType="withEffect">
+                                  <p:stCondLst>
+                                    <p:cond delay="0"/>
+                                  </p:stCondLst>
+                                  <p:childTnLst>
+                                    <p:set>
+                                      <p:cBhvr>
+                                        <p:cTn id="12" dur="1" fill="hold">
+                                          <p:stCondLst>
+                                            <p:cond delay="0"/>
+                                          </p:stCondLst>
+                                        </p:cTn>
+                                        <p:tgtEl>
+                                          <p:spTgt spid="189"/>
+                                        </p:tgtEl>
+                                        <p:attrNameLst>
+                                          <p:attrName>style.visibility</p:attrName>
+                                        </p:attrNameLst>
+                                      </p:cBhvr>
+                                      <p:to>
+                                        <p:strVal val="visible"/>
+                                      </p:to>
+                                    </p:set>
+                                    <p:animEffect transition="in" filter="fade">
+                                      <p:cBhvr>
+                                        <p:cTn id="13" dur="500"/>
+                                        <p:tgtEl>
+                                          <p:spTgt spid="189"/>
+                                        </p:tgtEl>
+                                      </p:cBhvr>
+                                    </p:animEffect>
+                                  </p:childTnLst>
+                                </p:cTn>
+                              </p:par>
+                              <p:par>
+                                <p:cTn id="14" presetID="10" presetClass="entr" presetSubtype="0" fill="hold" grpId="0" nodeType="withEffect">
+                                  <p:stCondLst>
+                                    <p:cond delay="0"/>
+                                  </p:stCondLst>
+                                  <p:childTnLst>
+                                    <p:set>
+                                      <p:cBhvr>
+                                        <p:cTn id="15" dur="1" fill="hold">
+                                          <p:stCondLst>
+                                            <p:cond delay="0"/>
+                                          </p:stCondLst>
+                                        </p:cTn>
+                                        <p:tgtEl>
+                                          <p:spTgt spid="190"/>
+                                        </p:tgtEl>
+                                        <p:attrNameLst>
+                                          <p:attrName>style.visibility</p:attrName>
+                                        </p:attrNameLst>
+                                      </p:cBhvr>
+                                      <p:to>
+                                        <p:strVal val="visible"/>
+                                      </p:to>
+                                    </p:set>
+                                    <p:animEffect transition="in" filter="fade">
+                                      <p:cBhvr>
+                                        <p:cTn id="16" dur="500"/>
+                                        <p:tgtEl>
+                                          <p:spTgt spid="190"/>
+                                        </p:tgtEl>
+                                      </p:cBhvr>
+                                    </p:animEffect>
+                                  </p:childTnLst>
+                                </p:cTn>
+                              </p:par>
+                              <p:par>
+                                <p:cTn id="17" presetID="10" presetClass="entr" presetSubtype="0" fill="hold" grpId="0" nodeType="withEffect">
+                                  <p:stCondLst>
+                                    <p:cond delay="0"/>
+                                  </p:stCondLst>
+                                  <p:childTnLst>
+                                    <p:set>
+                                      <p:cBhvr>
+                                        <p:cTn id="18" dur="1" fill="hold">
+                                          <p:stCondLst>
+                                            <p:cond delay="0"/>
+                                          </p:stCondLst>
+                                        </p:cTn>
+                                        <p:tgtEl>
+                                          <p:spTgt spid="191"/>
+                                        </p:tgtEl>
+                                        <p:attrNameLst>
+                                          <p:attrName>style.visibility</p:attrName>
+                                        </p:attrNameLst>
+                                      </p:cBhvr>
+                                      <p:to>
+                                        <p:strVal val="visible"/>
+                                      </p:to>
+                                    </p:set>
+                                    <p:animEffect transition="in" filter="fade">
+                                      <p:cBhvr>
+                                        <p:cTn id="19" dur="500"/>
+                                        <p:tgtEl>
+                                          <p:spTgt spid="191"/>
+                                        </p:tgtEl>
+                                      </p:cBhvr>
+                                    </p:animEffect>
+                                  </p:childTnLst>
+                                </p:cTn>
+                              </p:par>
+                              <p:par>
+                                <p:cTn id="20" presetID="10" presetClass="entr" presetSubtype="0" fill="hold" grpId="0" nodeType="withEffect">
+                                  <p:stCondLst>
+                                    <p:cond delay="0"/>
+                                  </p:stCondLst>
+                                  <p:childTnLst>
+                                    <p:set>
+                                      <p:cBhvr>
+                                        <p:cTn id="21" dur="1" fill="hold">
+                                          <p:stCondLst>
+                                            <p:cond delay="0"/>
+                                          </p:stCondLst>
+                                        </p:cTn>
+                                        <p:tgtEl>
+                                          <p:spTgt spid="192"/>
+                                        </p:tgtEl>
+                                        <p:attrNameLst>
+                                          <p:attrName>style.visibility</p:attrName>
+                                        </p:attrNameLst>
+                                      </p:cBhvr>
+                                      <p:to>
+                                        <p:strVal val="visible"/>
+                                      </p:to>
+                                    </p:set>
+                                    <p:animEffect transition="in" filter="fade">
+                                      <p:cBhvr>
+                                        <p:cTn id="22" dur="500"/>
+                                        <p:tgtEl>
+                                          <p:spTgt spid="192"/>
+                                        </p:tgtEl>
+                                      </p:cBhvr>
+                                    </p:animEffect>
+                                  </p:childTnLst>
+                                </p:cTn>
+                              </p:par>
+                              <p:par>
+                                <p:cTn id="23" presetID="10" presetClass="entr" presetSubtype="0" fill="hold" nodeType="withEffect">
+                                  <p:stCondLst>
+                                    <p:cond delay="0"/>
+                                  </p:stCondLst>
+                                  <p:childTnLst>
+                                    <p:set>
+                                      <p:cBhvr>
+                                        <p:cTn id="24" dur="1" fill="hold">
+                                          <p:stCondLst>
+                                            <p:cond delay="0"/>
+                                          </p:stCondLst>
+                                        </p:cTn>
+                                        <p:tgtEl>
+                                          <p:spTgt spid="193"/>
+                                        </p:tgtEl>
+                                        <p:attrNameLst>
+                                          <p:attrName>style.visibility</p:attrName>
+                                        </p:attrNameLst>
+                                      </p:cBhvr>
+                                      <p:to>
+                                        <p:strVal val="visible"/>
+                                      </p:to>
+                                    </p:set>
+                                    <p:animEffect transition="in" filter="fade">
+                                      <p:cBhvr>
+                                        <p:cTn id="25" dur="500"/>
+                                        <p:tgtEl>
+                                          <p:spTgt spid="193"/>
+                                        </p:tgtEl>
+                                      </p:cBhvr>
+                                    </p:animEffect>
+                                  </p:childTnLst>
+                                </p:cTn>
+                              </p:par>
+                              <p:par>
+                                <p:cTn id="26" presetID="10" presetClass="entr" presetSubtype="0" fill="hold" grpId="0" nodeType="withEffect">
+                                  <p:stCondLst>
+                                    <p:cond delay="0"/>
+                                  </p:stCondLst>
+                                  <p:childTnLst>
+                                    <p:set>
+                                      <p:cBhvr>
+                                        <p:cTn id="27" dur="1" fill="hold">
+                                          <p:stCondLst>
+                                            <p:cond delay="0"/>
+                                          </p:stCondLst>
+                                        </p:cTn>
+                                        <p:tgtEl>
+                                          <p:spTgt spid="194"/>
+                                        </p:tgtEl>
+                                        <p:attrNameLst>
+                                          <p:attrName>style.visibility</p:attrName>
+                                        </p:attrNameLst>
+                                      </p:cBhvr>
+                                      <p:to>
+                                        <p:strVal val="visible"/>
+                                      </p:to>
+                                    </p:set>
+                                    <p:animEffect transition="in" filter="fade">
+                                      <p:cBhvr>
+                                        <p:cTn id="28" dur="500"/>
+                                        <p:tgtEl>
+                                          <p:spTgt spid="194"/>
+                                        </p:tgtEl>
+                                      </p:cBhvr>
+                                    </p:animEffect>
+                                  </p:childTnLst>
+                                </p:cTn>
+                              </p:par>
+                              <p:par>
+                                <p:cTn id="29" presetID="10" presetClass="entr" presetSubtype="0" fill="hold" grpId="0" nodeType="withEffect">
+                                  <p:stCondLst>
+                                    <p:cond delay="0"/>
+                                  </p:stCondLst>
+                                  <p:childTnLst>
+                                    <p:set>
+                                      <p:cBhvr>
+                                        <p:cTn id="30" dur="1" fill="hold">
+                                          <p:stCondLst>
+                                            <p:cond delay="0"/>
+                                          </p:stCondLst>
+                                        </p:cTn>
+                                        <p:tgtEl>
+                                          <p:spTgt spid="195"/>
+                                        </p:tgtEl>
+                                        <p:attrNameLst>
+                                          <p:attrName>style.visibility</p:attrName>
+                                        </p:attrNameLst>
+                                      </p:cBhvr>
+                                      <p:to>
+                                        <p:strVal val="visible"/>
+                                      </p:to>
+                                    </p:set>
+                                    <p:animEffect transition="in" filter="fade">
+                                      <p:cBhvr>
+                                        <p:cTn id="31" dur="500"/>
+                                        <p:tgtEl>
+                                          <p:spTgt spid="195"/>
+                                        </p:tgtEl>
+                                      </p:cBhvr>
+                                    </p:animEffect>
+                                  </p:childTnLst>
+                                </p:cTn>
+                              </p:par>
+                              <p:par>
+                                <p:cTn id="32" presetID="10" presetClass="entr" presetSubtype="0" fill="hold" grpId="0" nodeType="withEffect">
+                                  <p:stCondLst>
+                                    <p:cond delay="0"/>
+                                  </p:stCondLst>
+                                  <p:childTnLst>
+                                    <p:set>
+                                      <p:cBhvr>
+                                        <p:cTn id="33" dur="1" fill="hold">
+                                          <p:stCondLst>
+                                            <p:cond delay="0"/>
+                                          </p:stCondLst>
+                                        </p:cTn>
+                                        <p:tgtEl>
+                                          <p:spTgt spid="196"/>
+                                        </p:tgtEl>
+                                        <p:attrNameLst>
+                                          <p:attrName>style.visibility</p:attrName>
+                                        </p:attrNameLst>
+                                      </p:cBhvr>
+                                      <p:to>
+                                        <p:strVal val="visible"/>
+                                      </p:to>
+                                    </p:set>
+                                    <p:animEffect transition="in" filter="fade">
+                                      <p:cBhvr>
+                                        <p:cTn id="34" dur="500"/>
+                                        <p:tgtEl>
+                                          <p:spTgt spid="196"/>
+                                        </p:tgtEl>
+                                      </p:cBhvr>
+                                    </p:animEffect>
+                                  </p:childTnLst>
+                                </p:cTn>
+                              </p:par>
+                              <p:par>
+                                <p:cTn id="35" presetID="10" presetClass="entr" presetSubtype="0" fill="hold" grpId="0" nodeType="withEffect">
+                                  <p:stCondLst>
+                                    <p:cond delay="0"/>
+                                  </p:stCondLst>
+                                  <p:childTnLst>
+                                    <p:set>
+                                      <p:cBhvr>
+                                        <p:cTn id="36" dur="1" fill="hold">
+                                          <p:stCondLst>
+                                            <p:cond delay="0"/>
+                                          </p:stCondLst>
+                                        </p:cTn>
+                                        <p:tgtEl>
+                                          <p:spTgt spid="197"/>
+                                        </p:tgtEl>
+                                        <p:attrNameLst>
+                                          <p:attrName>style.visibility</p:attrName>
+                                        </p:attrNameLst>
+                                      </p:cBhvr>
+                                      <p:to>
+                                        <p:strVal val="visible"/>
+                                      </p:to>
+                                    </p:set>
+                                    <p:animEffect transition="in" filter="fade">
+                                      <p:cBhvr>
+                                        <p:cTn id="37" dur="500"/>
+                                        <p:tgtEl>
+                                          <p:spTgt spid="197"/>
+                                        </p:tgtEl>
+                                      </p:cBhvr>
+                                    </p:animEffect>
+                                  </p:childTnLst>
+                                </p:cTn>
+                              </p:par>
+                              <p:par>
+                                <p:cTn id="38" presetID="10" presetClass="entr" presetSubtype="0" fill="hold" grpId="0" nodeType="withEffect">
+                                  <p:stCondLst>
+                                    <p:cond delay="0"/>
+                                  </p:stCondLst>
+                                  <p:childTnLst>
+                                    <p:set>
+                                      <p:cBhvr>
+                                        <p:cTn id="39" dur="1" fill="hold">
+                                          <p:stCondLst>
+                                            <p:cond delay="0"/>
+                                          </p:stCondLst>
+                                        </p:cTn>
+                                        <p:tgtEl>
+                                          <p:spTgt spid="198"/>
+                                        </p:tgtEl>
+                                        <p:attrNameLst>
+                                          <p:attrName>style.visibility</p:attrName>
+                                        </p:attrNameLst>
+                                      </p:cBhvr>
+                                      <p:to>
+                                        <p:strVal val="visible"/>
+                                      </p:to>
+                                    </p:set>
+                                    <p:animEffect transition="in" filter="fade">
+                                      <p:cBhvr>
+                                        <p:cTn id="40" dur="500"/>
+                                        <p:tgtEl>
+                                          <p:spTgt spid="198"/>
+                                        </p:tgtEl>
+                                      </p:cBhvr>
+                                    </p:animEffect>
+                                  </p:childTnLst>
+                                </p:cTn>
+                              </p:par>
+                              <p:par>
+                                <p:cTn id="41" presetID="10" presetClass="entr" presetSubtype="0" fill="hold" grpId="0" nodeType="withEffect">
+                                  <p:stCondLst>
+                                    <p:cond delay="0"/>
+                                  </p:stCondLst>
+                                  <p:childTnLst>
+                                    <p:set>
+                                      <p:cBhvr>
+                                        <p:cTn id="42" dur="1" fill="hold">
+                                          <p:stCondLst>
+                                            <p:cond delay="0"/>
+                                          </p:stCondLst>
+                                        </p:cTn>
+                                        <p:tgtEl>
+                                          <p:spTgt spid="199"/>
+                                        </p:tgtEl>
+                                        <p:attrNameLst>
+                                          <p:attrName>style.visibility</p:attrName>
+                                        </p:attrNameLst>
+                                      </p:cBhvr>
+                                      <p:to>
+                                        <p:strVal val="visible"/>
+                                      </p:to>
+                                    </p:set>
+                                    <p:animEffect transition="in" filter="fade">
+                                      <p:cBhvr>
+                                        <p:cTn id="43" dur="500"/>
+                                        <p:tgtEl>
+                                          <p:spTgt spid="199"/>
+                                        </p:tgtEl>
+                                      </p:cBhvr>
+                                    </p:animEffect>
+                                  </p:childTnLst>
+                                </p:cTn>
+                              </p:par>
+                              <p:par>
+                                <p:cTn id="44" presetID="10" presetClass="entr" presetSubtype="0" fill="hold" grpId="0" nodeType="withEffect">
+                                  <p:stCondLst>
+                                    <p:cond delay="0"/>
+                                  </p:stCondLst>
+                                  <p:childTnLst>
+                                    <p:set>
+                                      <p:cBhvr>
+                                        <p:cTn id="45" dur="1" fill="hold">
+                                          <p:stCondLst>
+                                            <p:cond delay="0"/>
+                                          </p:stCondLst>
+                                        </p:cTn>
+                                        <p:tgtEl>
+                                          <p:spTgt spid="200"/>
+                                        </p:tgtEl>
+                                        <p:attrNameLst>
+                                          <p:attrName>style.visibility</p:attrName>
+                                        </p:attrNameLst>
+                                      </p:cBhvr>
+                                      <p:to>
+                                        <p:strVal val="visible"/>
+                                      </p:to>
+                                    </p:set>
+                                    <p:animEffect transition="in" filter="fade">
+                                      <p:cBhvr>
+                                        <p:cTn id="46" dur="500"/>
+                                        <p:tgtEl>
+                                          <p:spTgt spid="200"/>
+                                        </p:tgtEl>
+                                      </p:cBhvr>
+                                    </p:animEffect>
+                                  </p:childTnLst>
+                                </p:cTn>
+                              </p:par>
+                              <p:par>
+                                <p:cTn id="47" presetID="10" presetClass="entr" presetSubtype="0" fill="hold" grpId="0" nodeType="withEffect">
+                                  <p:stCondLst>
+                                    <p:cond delay="0"/>
+                                  </p:stCondLst>
+                                  <p:childTnLst>
+                                    <p:set>
+                                      <p:cBhvr>
+                                        <p:cTn id="48" dur="1" fill="hold">
+                                          <p:stCondLst>
+                                            <p:cond delay="0"/>
+                                          </p:stCondLst>
+                                        </p:cTn>
+                                        <p:tgtEl>
+                                          <p:spTgt spid="201"/>
+                                        </p:tgtEl>
+                                        <p:attrNameLst>
+                                          <p:attrName>style.visibility</p:attrName>
+                                        </p:attrNameLst>
+                                      </p:cBhvr>
+                                      <p:to>
+                                        <p:strVal val="visible"/>
+                                      </p:to>
+                                    </p:set>
+                                    <p:animEffect transition="in" filter="fade">
+                                      <p:cBhvr>
+                                        <p:cTn id="49" dur="500"/>
+                                        <p:tgtEl>
+                                          <p:spTgt spid="201"/>
+                                        </p:tgtEl>
+                                      </p:cBhvr>
+                                    </p:animEffect>
+                                  </p:childTnLst>
+                                </p:cTn>
+                              </p:par>
+                              <p:par>
+                                <p:cTn id="50" presetID="10" presetClass="entr" presetSubtype="0" fill="hold" grpId="0" nodeType="withEffect">
+                                  <p:stCondLst>
+                                    <p:cond delay="0"/>
+                                  </p:stCondLst>
+                                  <p:childTnLst>
+                                    <p:set>
+                                      <p:cBhvr>
+                                        <p:cTn id="51" dur="1" fill="hold">
+                                          <p:stCondLst>
+                                            <p:cond delay="0"/>
+                                          </p:stCondLst>
+                                        </p:cTn>
+                                        <p:tgtEl>
+                                          <p:spTgt spid="202"/>
+                                        </p:tgtEl>
+                                        <p:attrNameLst>
+                                          <p:attrName>style.visibility</p:attrName>
+                                        </p:attrNameLst>
+                                      </p:cBhvr>
+                                      <p:to>
+                                        <p:strVal val="visible"/>
+                                      </p:to>
+                                    </p:set>
+                                    <p:animEffect transition="in" filter="fade">
+                                      <p:cBhvr>
+                                        <p:cTn id="52" dur="500"/>
+                                        <p:tgtEl>
+                                          <p:spTgt spid="202"/>
+                                        </p:tgtEl>
+                                      </p:cBhvr>
+                                    </p:animEffect>
+                                  </p:childTnLst>
+                                </p:cTn>
+                              </p:par>
+                              <p:par>
+                                <p:cTn id="53" presetID="10" presetClass="entr" presetSubtype="0" fill="hold" grpId="0" nodeType="withEffect">
+                                  <p:stCondLst>
+                                    <p:cond delay="0"/>
+                                  </p:stCondLst>
+                                  <p:childTnLst>
+                                    <p:set>
+                                      <p:cBhvr>
+                                        <p:cTn id="54" dur="1" fill="hold">
+                                          <p:stCondLst>
+                                            <p:cond delay="0"/>
+                                          </p:stCondLst>
+                                        </p:cTn>
+                                        <p:tgtEl>
+                                          <p:spTgt spid="203"/>
+                                        </p:tgtEl>
+                                        <p:attrNameLst>
+                                          <p:attrName>style.visibility</p:attrName>
+                                        </p:attrNameLst>
+                                      </p:cBhvr>
+                                      <p:to>
+                                        <p:strVal val="visible"/>
+                                      </p:to>
+                                    </p:set>
+                                    <p:animEffect transition="in" filter="fade">
+                                      <p:cBhvr>
+                                        <p:cTn id="55" dur="500"/>
+                                        <p:tgtEl>
+                                          <p:spTgt spid="203"/>
+                                        </p:tgtEl>
+                                      </p:cBhvr>
+                                    </p:animEffect>
+                                  </p:childTnLst>
+                                </p:cTn>
+                              </p:par>
+                              <p:par>
+                                <p:cTn id="56" presetID="10" presetClass="entr" presetSubtype="0" fill="hold" grpId="0" nodeType="withEffect">
+                                  <p:stCondLst>
+                                    <p:cond delay="0"/>
+                                  </p:stCondLst>
+                                  <p:childTnLst>
+                                    <p:set>
+                                      <p:cBhvr>
+                                        <p:cTn id="57" dur="1" fill="hold">
+                                          <p:stCondLst>
+                                            <p:cond delay="0"/>
+                                          </p:stCondLst>
+                                        </p:cTn>
+                                        <p:tgtEl>
+                                          <p:spTgt spid="204"/>
+                                        </p:tgtEl>
+                                        <p:attrNameLst>
+                                          <p:attrName>style.visibility</p:attrName>
+                                        </p:attrNameLst>
+                                      </p:cBhvr>
+                                      <p:to>
+                                        <p:strVal val="visible"/>
+                                      </p:to>
+                                    </p:set>
+                                    <p:animEffect transition="in" filter="fade">
+                                      <p:cBhvr>
+                                        <p:cTn id="58" dur="500"/>
+                                        <p:tgtEl>
+                                          <p:spTgt spid="204"/>
+                                        </p:tgtEl>
+                                      </p:cBhvr>
+                                    </p:animEffect>
+                                  </p:childTnLst>
+                                </p:cTn>
+                              </p:par>
+                              <p:par>
+                                <p:cTn id="59" presetID="10" presetClass="entr" presetSubtype="0" fill="hold" grpId="0" nodeType="withEffect">
+                                  <p:stCondLst>
+                                    <p:cond delay="0"/>
+                                  </p:stCondLst>
+                                  <p:childTnLst>
+                                    <p:set>
+                                      <p:cBhvr>
+                                        <p:cTn id="60" dur="1" fill="hold">
+                                          <p:stCondLst>
+                                            <p:cond delay="0"/>
+                                          </p:stCondLst>
+                                        </p:cTn>
+                                        <p:tgtEl>
+                                          <p:spTgt spid="205"/>
+                                        </p:tgtEl>
+                                        <p:attrNameLst>
+                                          <p:attrName>style.visibility</p:attrName>
+                                        </p:attrNameLst>
+                                      </p:cBhvr>
+                                      <p:to>
+                                        <p:strVal val="visible"/>
+                                      </p:to>
+                                    </p:set>
+                                    <p:animEffect transition="in" filter="fade">
+                                      <p:cBhvr>
+                                        <p:cTn id="61" dur="500"/>
+                                        <p:tgtEl>
+                                          <p:spTgt spid="205"/>
+                                        </p:tgtEl>
+                                      </p:cBhvr>
+                                    </p:animEffect>
+                                  </p:childTnLst>
+                                </p:cTn>
+                              </p:par>
+                              <p:par>
+                                <p:cTn id="62" presetID="10" presetClass="entr" presetSubtype="0" fill="hold" grpId="0" nodeType="withEffect">
+                                  <p:stCondLst>
+                                    <p:cond delay="0"/>
+                                  </p:stCondLst>
+                                  <p:childTnLst>
+                                    <p:set>
+                                      <p:cBhvr>
+                                        <p:cTn id="63" dur="1" fill="hold">
+                                          <p:stCondLst>
+                                            <p:cond delay="0"/>
+                                          </p:stCondLst>
+                                        </p:cTn>
+                                        <p:tgtEl>
+                                          <p:spTgt spid="206"/>
+                                        </p:tgtEl>
+                                        <p:attrNameLst>
+                                          <p:attrName>style.visibility</p:attrName>
+                                        </p:attrNameLst>
+                                      </p:cBhvr>
+                                      <p:to>
+                                        <p:strVal val="visible"/>
+                                      </p:to>
+                                    </p:set>
+                                    <p:animEffect transition="in" filter="fade">
+                                      <p:cBhvr>
+                                        <p:cTn id="64" dur="500"/>
+                                        <p:tgtEl>
+                                          <p:spTgt spid="206"/>
+                                        </p:tgtEl>
+                                      </p:cBhvr>
+                                    </p:animEffect>
+                                  </p:childTnLst>
+                                </p:cTn>
+                              </p:par>
+                              <p:par>
+                                <p:cTn id="65" presetID="10" presetClass="entr" presetSubtype="0" fill="hold" grpId="0" nodeType="withEffect">
+                                  <p:stCondLst>
+                                    <p:cond delay="0"/>
+                                  </p:stCondLst>
+                                  <p:childTnLst>
+                                    <p:set>
+                                      <p:cBhvr>
+                                        <p:cTn id="66" dur="1" fill="hold">
+                                          <p:stCondLst>
+                                            <p:cond delay="0"/>
+                                          </p:stCondLst>
+                                        </p:cTn>
+                                        <p:tgtEl>
+                                          <p:spTgt spid="207"/>
+                                        </p:tgtEl>
+                                        <p:attrNameLst>
+                                          <p:attrName>style.visibility</p:attrName>
+                                        </p:attrNameLst>
+                                      </p:cBhvr>
+                                      <p:to>
+                                        <p:strVal val="visible"/>
+                                      </p:to>
+                                    </p:set>
+                                    <p:animEffect transition="in" filter="fade">
+                                      <p:cBhvr>
+                                        <p:cTn id="67" dur="500"/>
+                                        <p:tgtEl>
+                                          <p:spTgt spid="207"/>
+                                        </p:tgtEl>
+                                      </p:cBhvr>
+                                    </p:animEffect>
+                                  </p:childTnLst>
+                                </p:cTn>
+                              </p:par>
+                              <p:par>
+                                <p:cTn id="68" presetID="10" presetClass="entr" presetSubtype="0" fill="hold" grpId="0" nodeType="withEffect">
+                                  <p:stCondLst>
+                                    <p:cond delay="0"/>
+                                  </p:stCondLst>
+                                  <p:childTnLst>
+                                    <p:set>
+                                      <p:cBhvr>
+                                        <p:cTn id="69" dur="1" fill="hold">
+                                          <p:stCondLst>
+                                            <p:cond delay="0"/>
+                                          </p:stCondLst>
+                                        </p:cTn>
+                                        <p:tgtEl>
+                                          <p:spTgt spid="208"/>
+                                        </p:tgtEl>
+                                        <p:attrNameLst>
+                                          <p:attrName>style.visibility</p:attrName>
+                                        </p:attrNameLst>
+                                      </p:cBhvr>
+                                      <p:to>
+                                        <p:strVal val="visible"/>
+                                      </p:to>
+                                    </p:set>
+                                    <p:animEffect transition="in" filter="fade">
+                                      <p:cBhvr>
+                                        <p:cTn id="70" dur="500"/>
+                                        <p:tgtEl>
+                                          <p:spTgt spid="208"/>
+                                        </p:tgtEl>
+                                      </p:cBhvr>
+                                    </p:animEffect>
+                                  </p:childTnLst>
+                                </p:cTn>
+                              </p:par>
+                              <p:par>
+                                <p:cTn id="71" presetID="10" presetClass="entr" presetSubtype="0" fill="hold" grpId="0" nodeType="withEffect">
+                                  <p:stCondLst>
+                                    <p:cond delay="0"/>
+                                  </p:stCondLst>
+                                  <p:childTnLst>
+                                    <p:set>
+                                      <p:cBhvr>
+                                        <p:cTn id="72" dur="1" fill="hold">
+                                          <p:stCondLst>
+                                            <p:cond delay="0"/>
+                                          </p:stCondLst>
+                                        </p:cTn>
+                                        <p:tgtEl>
+                                          <p:spTgt spid="209"/>
+                                        </p:tgtEl>
+                                        <p:attrNameLst>
+                                          <p:attrName>style.visibility</p:attrName>
+                                        </p:attrNameLst>
+                                      </p:cBhvr>
+                                      <p:to>
+                                        <p:strVal val="visible"/>
+                                      </p:to>
+                                    </p:set>
+                                    <p:animEffect transition="in" filter="fade">
+                                      <p:cBhvr>
+                                        <p:cTn id="73" dur="500"/>
+                                        <p:tgtEl>
+                                          <p:spTgt spid="209"/>
+                                        </p:tgtEl>
+                                      </p:cBhvr>
+                                    </p:animEffect>
+                                  </p:childTnLst>
+                                </p:cTn>
+                              </p:par>
+                              <p:par>
+                                <p:cTn id="74" presetID="10" presetClass="entr" presetSubtype="0" fill="hold" grpId="0" nodeType="withEffect">
+                                  <p:stCondLst>
+                                    <p:cond delay="0"/>
+                                  </p:stCondLst>
+                                  <p:childTnLst>
+                                    <p:set>
+                                      <p:cBhvr>
+                                        <p:cTn id="75" dur="1" fill="hold">
+                                          <p:stCondLst>
+                                            <p:cond delay="0"/>
+                                          </p:stCondLst>
+                                        </p:cTn>
+                                        <p:tgtEl>
+                                          <p:spTgt spid="210"/>
+                                        </p:tgtEl>
+                                        <p:attrNameLst>
+                                          <p:attrName>style.visibility</p:attrName>
+                                        </p:attrNameLst>
+                                      </p:cBhvr>
+                                      <p:to>
+                                        <p:strVal val="visible"/>
+                                      </p:to>
+                                    </p:set>
+                                    <p:animEffect transition="in" filter="fade">
+                                      <p:cBhvr>
+                                        <p:cTn id="76" dur="500"/>
+                                        <p:tgtEl>
+                                          <p:spTgt spid="210"/>
+                                        </p:tgtEl>
+                                      </p:cBhvr>
+                                    </p:animEffect>
+                                  </p:childTnLst>
+                                </p:cTn>
+                              </p:par>
+                              <p:par>
+                                <p:cTn id="77" presetID="10" presetClass="entr" presetSubtype="0" fill="hold" grpId="0" nodeType="withEffect">
+                                  <p:stCondLst>
+                                    <p:cond delay="0"/>
+                                  </p:stCondLst>
+                                  <p:childTnLst>
+                                    <p:set>
+                                      <p:cBhvr>
+                                        <p:cTn id="78" dur="1" fill="hold">
+                                          <p:stCondLst>
+                                            <p:cond delay="0"/>
+                                          </p:stCondLst>
+                                        </p:cTn>
+                                        <p:tgtEl>
+                                          <p:spTgt spid="211"/>
+                                        </p:tgtEl>
+                                        <p:attrNameLst>
+                                          <p:attrName>style.visibility</p:attrName>
+                                        </p:attrNameLst>
+                                      </p:cBhvr>
+                                      <p:to>
+                                        <p:strVal val="visible"/>
+                                      </p:to>
+                                    </p:set>
+                                    <p:animEffect transition="in" filter="fade">
+                                      <p:cBhvr>
+                                        <p:cTn id="79" dur="500"/>
+                                        <p:tgtEl>
+                                          <p:spTgt spid="211"/>
+                                        </p:tgtEl>
+                                      </p:cBhvr>
+                                    </p:animEffect>
+                                  </p:childTnLst>
+                                </p:cTn>
+                              </p:par>
+                              <p:par>
+                                <p:cTn id="80" presetID="10" presetClass="entr" presetSubtype="0" fill="hold" grpId="0" nodeType="withEffect">
+                                  <p:stCondLst>
+                                    <p:cond delay="0"/>
+                                  </p:stCondLst>
+                                  <p:childTnLst>
+                                    <p:set>
+                                      <p:cBhvr>
+                                        <p:cTn id="81" dur="1" fill="hold">
+                                          <p:stCondLst>
+                                            <p:cond delay="0"/>
+                                          </p:stCondLst>
+                                        </p:cTn>
+                                        <p:tgtEl>
+                                          <p:spTgt spid="212"/>
+                                        </p:tgtEl>
+                                        <p:attrNameLst>
+                                          <p:attrName>style.visibility</p:attrName>
+                                        </p:attrNameLst>
+                                      </p:cBhvr>
+                                      <p:to>
+                                        <p:strVal val="visible"/>
+                                      </p:to>
+                                    </p:set>
+                                    <p:animEffect transition="in" filter="fade">
+                                      <p:cBhvr>
+                                        <p:cTn id="82" dur="500"/>
+                                        <p:tgtEl>
+                                          <p:spTgt spid="212"/>
+                                        </p:tgtEl>
+                                      </p:cBhvr>
+                                    </p:animEffect>
+                                  </p:childTnLst>
+                                </p:cTn>
+                              </p:par>
+                              <p:par>
+                                <p:cTn id="83" presetID="10" presetClass="entr" presetSubtype="0" fill="hold" grpId="0" nodeType="withEffect">
+                                  <p:stCondLst>
+                                    <p:cond delay="0"/>
+                                  </p:stCondLst>
+                                  <p:childTnLst>
+                                    <p:set>
+                                      <p:cBhvr>
+                                        <p:cTn id="84" dur="1" fill="hold">
+                                          <p:stCondLst>
+                                            <p:cond delay="0"/>
+                                          </p:stCondLst>
+                                        </p:cTn>
+                                        <p:tgtEl>
+                                          <p:spTgt spid="213"/>
+                                        </p:tgtEl>
+                                        <p:attrNameLst>
+                                          <p:attrName>style.visibility</p:attrName>
+                                        </p:attrNameLst>
+                                      </p:cBhvr>
+                                      <p:to>
+                                        <p:strVal val="visible"/>
+                                      </p:to>
+                                    </p:set>
+                                    <p:animEffect transition="in" filter="fade">
+                                      <p:cBhvr>
+                                        <p:cTn id="85" dur="500"/>
+                                        <p:tgtEl>
+                                          <p:spTgt spid="213"/>
+                                        </p:tgtEl>
+                                      </p:cBhvr>
+                                    </p:animEffect>
+                                  </p:childTnLst>
+                                </p:cTn>
+                              </p:par>
+                              <p:par>
+                                <p:cTn id="86" presetID="10" presetClass="entr" presetSubtype="0" fill="hold" grpId="0" nodeType="withEffect">
+                                  <p:stCondLst>
+                                    <p:cond delay="0"/>
+                                  </p:stCondLst>
+                                  <p:childTnLst>
+                                    <p:set>
+                                      <p:cBhvr>
+                                        <p:cTn id="87" dur="1" fill="hold">
+                                          <p:stCondLst>
+                                            <p:cond delay="0"/>
+                                          </p:stCondLst>
+                                        </p:cTn>
+                                        <p:tgtEl>
+                                          <p:spTgt spid="214"/>
+                                        </p:tgtEl>
+                                        <p:attrNameLst>
+                                          <p:attrName>style.visibility</p:attrName>
+                                        </p:attrNameLst>
+                                      </p:cBhvr>
+                                      <p:to>
+                                        <p:strVal val="visible"/>
+                                      </p:to>
+                                    </p:set>
+                                    <p:animEffect transition="in" filter="fade">
+                                      <p:cBhvr>
+                                        <p:cTn id="88" dur="500"/>
+                                        <p:tgtEl>
+                                          <p:spTgt spid="214"/>
+                                        </p:tgtEl>
+                                      </p:cBhvr>
+                                    </p:animEffect>
+                                  </p:childTnLst>
+                                </p:cTn>
+                              </p:par>
+                              <p:par>
+                                <p:cTn id="89" presetID="10" presetClass="entr" presetSubtype="0" fill="hold" grpId="0" nodeType="withEffect">
+                                  <p:stCondLst>
+                                    <p:cond delay="0"/>
+                                  </p:stCondLst>
+                                  <p:childTnLst>
+                                    <p:set>
+                                      <p:cBhvr>
+                                        <p:cTn id="90" dur="1" fill="hold">
+                                          <p:stCondLst>
+                                            <p:cond delay="0"/>
+                                          </p:stCondLst>
+                                        </p:cTn>
+                                        <p:tgtEl>
+                                          <p:spTgt spid="215"/>
+                                        </p:tgtEl>
+                                        <p:attrNameLst>
+                                          <p:attrName>style.visibility</p:attrName>
+                                        </p:attrNameLst>
+                                      </p:cBhvr>
+                                      <p:to>
+                                        <p:strVal val="visible"/>
+                                      </p:to>
+                                    </p:set>
+                                    <p:animEffect transition="in" filter="fade">
+                                      <p:cBhvr>
+                                        <p:cTn id="91" dur="500"/>
+                                        <p:tgtEl>
+                                          <p:spTgt spid="215"/>
+                                        </p:tgtEl>
+                                      </p:cBhvr>
+                                    </p:animEffect>
+                                  </p:childTnLst>
+                                </p:cTn>
+                              </p:par>
+                              <p:par>
+                                <p:cTn id="92" presetID="10" presetClass="entr" presetSubtype="0" fill="hold" grpId="0" nodeType="withEffect">
+                                  <p:stCondLst>
+                                    <p:cond delay="0"/>
+                                  </p:stCondLst>
+                                  <p:childTnLst>
+                                    <p:set>
+                                      <p:cBhvr>
+                                        <p:cTn id="93" dur="1" fill="hold">
+                                          <p:stCondLst>
+                                            <p:cond delay="0"/>
+                                          </p:stCondLst>
+                                        </p:cTn>
+                                        <p:tgtEl>
+                                          <p:spTgt spid="216"/>
+                                        </p:tgtEl>
+                                        <p:attrNameLst>
+                                          <p:attrName>style.visibility</p:attrName>
+                                        </p:attrNameLst>
+                                      </p:cBhvr>
+                                      <p:to>
+                                        <p:strVal val="visible"/>
+                                      </p:to>
+                                    </p:set>
+                                    <p:animEffect transition="in" filter="fade">
+                                      <p:cBhvr>
+                                        <p:cTn id="94" dur="500"/>
+                                        <p:tgtEl>
+                                          <p:spTgt spid="216"/>
+                                        </p:tgtEl>
+                                      </p:cBhvr>
+                                    </p:animEffect>
+                                  </p:childTnLst>
+                                </p:cTn>
+                              </p:par>
+                              <p:par>
+                                <p:cTn id="95" presetID="10" presetClass="entr" presetSubtype="0" fill="hold" grpId="0" nodeType="withEffect">
+                                  <p:stCondLst>
+                                    <p:cond delay="0"/>
+                                  </p:stCondLst>
+                                  <p:childTnLst>
+                                    <p:set>
+                                      <p:cBhvr>
+                                        <p:cTn id="96" dur="1" fill="hold">
+                                          <p:stCondLst>
+                                            <p:cond delay="0"/>
+                                          </p:stCondLst>
+                                        </p:cTn>
+                                        <p:tgtEl>
+                                          <p:spTgt spid="217"/>
+                                        </p:tgtEl>
+                                        <p:attrNameLst>
+                                          <p:attrName>style.visibility</p:attrName>
+                                        </p:attrNameLst>
+                                      </p:cBhvr>
+                                      <p:to>
+                                        <p:strVal val="visible"/>
+                                      </p:to>
+                                    </p:set>
+                                    <p:animEffect transition="in" filter="fade">
+                                      <p:cBhvr>
+                                        <p:cTn id="97" dur="500"/>
+                                        <p:tgtEl>
+                                          <p:spTgt spid="217"/>
+                                        </p:tgtEl>
+                                      </p:cBhvr>
+                                    </p:animEffect>
+                                  </p:childTnLst>
+                                </p:cTn>
+                              </p:par>
+                            </p:childTnLst>
+                          </p:cTn>
+                        </p:par>
+                      </p:childTnLst>
+                    </p:cTn>
+                  </p:par>
+                </p:childTnLst>
+              </p:cTn>
+              <p:prevCondLst>
+                <p:cond evt="onPrev" delay="0">
+                  <p:tgtEl>
+                    <p:sldTgt/>
+                  </p:tgtEl>
+                </p:cond>
+              </p:prevCondLst>
+              <p:nextCondLst>
+                <p:cond evt="onNext" delay="0">
+                  <p:tgtEl>
+                    <p:sldTgt/>
+                  </p:tgtEl>
+                </p:cond>
+              </p:nextCondLst>
+            </p:seq>
+          </p:childTnLst>
+        </p:cTn>
+      </p:par>
+    </p:tnLst>
+    <p:bldLst>
+      <p:bldP spid="189" grpId="0"/>
+      <p:bldP spid="190" grpId="0"/>
+      <p:bldP spid="191" grpId="0"/>
+      <p:bldP spid="192" grpId="0" animBg="1"/>
+      <p:bldP spid="194" grpId="0" animBg="1"/>
+      <p:bldP spid="195" grpId="0" animBg="1"/>
+      <p:bldP spid="196" grpId="0" animBg="1"/>
+      <p:bldP spid="197" grpId="0" animBg="1"/>
+      <p:bldP spid="198" grpId="0" animBg="1"/>
+      <p:bldP spid="199" grpId="0" animBg="1"/>
+      <p:bldP spid="200" grpId="0" animBg="1"/>
+      <p:bldP spid="201" grpId="0" animBg="1"/>
+      <p:bldP spid="202" grpId="0" animBg="1"/>
+      <p:bldP spid="203" grpId="0" animBg="1"/>
+      <p:bldP spid="204" grpId="0" animBg="1"/>
+      <p:bldP spid="205" grpId="0" animBg="1"/>
+      <p:bldP spid="206" grpId="0" animBg="1"/>
+      <p:bldP spid="207" grpId="0" animBg="1"/>
+      <p:bldP spid="208" grpId="0" animBg="1"/>
+      <p:bldP spid="209" grpId="0" animBg="1"/>
+      <p:bldP spid="210" grpId="0" animBg="1"/>
+      <p:bldP spid="211" grpId="0" animBg="1"/>
+      <p:bldP spid="212" grpId="0" animBg="1"/>
+      <p:bldP spid="213" grpId="0" animBg="1"/>
+      <p:bldP spid="214" grpId="0" animBg="1"/>
+      <p:bldP spid="215" grpId="0" animBg="1"/>
+      <p:bldP spid="216" grpId="0" animBg="1"/>
+      <p:bldP spid="217" grpId="0" animBg="1"/>
+    </p:bldLst>
+  </p:timing>
 </p:sld>
 </file>
 
@@ -19004,7 +23113,7 @@
               <a:buNone/>
             </a:pPr>
             <a:r>
-              <a:rPr lang="en-US" sz="2100" b="1" i="0" u="none" strike="noStrike" cap="none">
+              <a:rPr lang="en-US" sz="2100" b="1" i="0" u="none" strike="noStrike" cap="none" dirty="0">
                 <a:solidFill>
                   <a:srgbClr val="004225"/>
                 </a:solidFill>
@@ -19015,7 +23124,7 @@
               </a:rPr>
               <a:t>Broad Consensus</a:t>
             </a:r>
-            <a:endParaRPr/>
+            <a:endParaRPr dirty="0"/>
           </a:p>
         </p:txBody>
       </p:sp>
@@ -19261,6 +23370,661 @@
   <p:clrMapOvr>
     <a:masterClrMapping/>
   </p:clrMapOvr>
+  <p:timing>
+    <p:tnLst>
+      <p:par>
+        <p:cTn id="1" dur="indefinite" restart="never" nodeType="tmRoot">
+          <p:childTnLst>
+            <p:seq concurrent="1" nextAc="seek">
+              <p:cTn id="2" dur="indefinite" nodeType="mainSeq">
+                <p:childTnLst>
+                  <p:par>
+                    <p:cTn id="3" fill="hold">
+                      <p:stCondLst>
+                        <p:cond delay="indefinite"/>
+                      </p:stCondLst>
+                      <p:childTnLst>
+                        <p:par>
+                          <p:cTn id="4" fill="hold">
+                            <p:stCondLst>
+                              <p:cond delay="0"/>
+                            </p:stCondLst>
+                            <p:childTnLst>
+                              <p:par>
+                                <p:cTn id="5" presetID="10" presetClass="entr" presetSubtype="0" fill="hold" nodeType="clickEffect">
+                                  <p:stCondLst>
+                                    <p:cond delay="0"/>
+                                  </p:stCondLst>
+                                  <p:childTnLst>
+                                    <p:set>
+                                      <p:cBhvr>
+                                        <p:cTn id="6" dur="1" fill="hold">
+                                          <p:stCondLst>
+                                            <p:cond delay="0"/>
+                                          </p:stCondLst>
+                                        </p:cTn>
+                                        <p:tgtEl>
+                                          <p:spTgt spid="222"/>
+                                        </p:tgtEl>
+                                        <p:attrNameLst>
+                                          <p:attrName>style.visibility</p:attrName>
+                                        </p:attrNameLst>
+                                      </p:cBhvr>
+                                      <p:to>
+                                        <p:strVal val="visible"/>
+                                      </p:to>
+                                    </p:set>
+                                    <p:animEffect transition="in" filter="fade">
+                                      <p:cBhvr>
+                                        <p:cTn id="7" dur="500"/>
+                                        <p:tgtEl>
+                                          <p:spTgt spid="222"/>
+                                        </p:tgtEl>
+                                      </p:cBhvr>
+                                    </p:animEffect>
+                                  </p:childTnLst>
+                                </p:cTn>
+                              </p:par>
+                              <p:par>
+                                <p:cTn id="8" presetID="10" presetClass="entr" presetSubtype="0" fill="hold" nodeType="withEffect">
+                                  <p:stCondLst>
+                                    <p:cond delay="0"/>
+                                  </p:stCondLst>
+                                  <p:childTnLst>
+                                    <p:set>
+                                      <p:cBhvr>
+                                        <p:cTn id="9" dur="1" fill="hold">
+                                          <p:stCondLst>
+                                            <p:cond delay="0"/>
+                                          </p:stCondLst>
+                                        </p:cTn>
+                                        <p:tgtEl>
+                                          <p:spTgt spid="223"/>
+                                        </p:tgtEl>
+                                        <p:attrNameLst>
+                                          <p:attrName>style.visibility</p:attrName>
+                                        </p:attrNameLst>
+                                      </p:cBhvr>
+                                      <p:to>
+                                        <p:strVal val="visible"/>
+                                      </p:to>
+                                    </p:set>
+                                    <p:animEffect transition="in" filter="fade">
+                                      <p:cBhvr>
+                                        <p:cTn id="10" dur="500"/>
+                                        <p:tgtEl>
+                                          <p:spTgt spid="223"/>
+                                        </p:tgtEl>
+                                      </p:cBhvr>
+                                    </p:animEffect>
+                                  </p:childTnLst>
+                                </p:cTn>
+                              </p:par>
+                              <p:par>
+                                <p:cTn id="11" presetID="10" presetClass="entr" presetSubtype="0" fill="hold" nodeType="withEffect">
+                                  <p:stCondLst>
+                                    <p:cond delay="0"/>
+                                  </p:stCondLst>
+                                  <p:childTnLst>
+                                    <p:set>
+                                      <p:cBhvr>
+                                        <p:cTn id="12" dur="1" fill="hold">
+                                          <p:stCondLst>
+                                            <p:cond delay="0"/>
+                                          </p:stCondLst>
+                                        </p:cTn>
+                                        <p:tgtEl>
+                                          <p:spTgt spid="224"/>
+                                        </p:tgtEl>
+                                        <p:attrNameLst>
+                                          <p:attrName>style.visibility</p:attrName>
+                                        </p:attrNameLst>
+                                      </p:cBhvr>
+                                      <p:to>
+                                        <p:strVal val="visible"/>
+                                      </p:to>
+                                    </p:set>
+                                    <p:animEffect transition="in" filter="fade">
+                                      <p:cBhvr>
+                                        <p:cTn id="13" dur="500"/>
+                                        <p:tgtEl>
+                                          <p:spTgt spid="224"/>
+                                        </p:tgtEl>
+                                      </p:cBhvr>
+                                    </p:animEffect>
+                                  </p:childTnLst>
+                                </p:cTn>
+                              </p:par>
+                              <p:par>
+                                <p:cTn id="14" presetID="10" presetClass="entr" presetSubtype="0" fill="hold" nodeType="withEffect">
+                                  <p:stCondLst>
+                                    <p:cond delay="0"/>
+                                  </p:stCondLst>
+                                  <p:childTnLst>
+                                    <p:set>
+                                      <p:cBhvr>
+                                        <p:cTn id="15" dur="1" fill="hold">
+                                          <p:stCondLst>
+                                            <p:cond delay="0"/>
+                                          </p:stCondLst>
+                                        </p:cTn>
+                                        <p:tgtEl>
+                                          <p:spTgt spid="225"/>
+                                        </p:tgtEl>
+                                        <p:attrNameLst>
+                                          <p:attrName>style.visibility</p:attrName>
+                                        </p:attrNameLst>
+                                      </p:cBhvr>
+                                      <p:to>
+                                        <p:strVal val="visible"/>
+                                      </p:to>
+                                    </p:set>
+                                    <p:animEffect transition="in" filter="fade">
+                                      <p:cBhvr>
+                                        <p:cTn id="16" dur="500"/>
+                                        <p:tgtEl>
+                                          <p:spTgt spid="225"/>
+                                        </p:tgtEl>
+                                      </p:cBhvr>
+                                    </p:animEffect>
+                                  </p:childTnLst>
+                                </p:cTn>
+                              </p:par>
+                              <p:par>
+                                <p:cTn id="17" presetID="10" presetClass="entr" presetSubtype="0" fill="hold" grpId="0" nodeType="withEffect">
+                                  <p:stCondLst>
+                                    <p:cond delay="0"/>
+                                  </p:stCondLst>
+                                  <p:childTnLst>
+                                    <p:set>
+                                      <p:cBhvr>
+                                        <p:cTn id="18" dur="1" fill="hold">
+                                          <p:stCondLst>
+                                            <p:cond delay="0"/>
+                                          </p:stCondLst>
+                                        </p:cTn>
+                                        <p:tgtEl>
+                                          <p:spTgt spid="226"/>
+                                        </p:tgtEl>
+                                        <p:attrNameLst>
+                                          <p:attrName>style.visibility</p:attrName>
+                                        </p:attrNameLst>
+                                      </p:cBhvr>
+                                      <p:to>
+                                        <p:strVal val="visible"/>
+                                      </p:to>
+                                    </p:set>
+                                    <p:animEffect transition="in" filter="fade">
+                                      <p:cBhvr>
+                                        <p:cTn id="19" dur="500"/>
+                                        <p:tgtEl>
+                                          <p:spTgt spid="226"/>
+                                        </p:tgtEl>
+                                      </p:cBhvr>
+                                    </p:animEffect>
+                                  </p:childTnLst>
+                                </p:cTn>
+                              </p:par>
+                              <p:par>
+                                <p:cTn id="20" presetID="10" presetClass="entr" presetSubtype="0" fill="hold" grpId="0" nodeType="withEffect">
+                                  <p:stCondLst>
+                                    <p:cond delay="0"/>
+                                  </p:stCondLst>
+                                  <p:childTnLst>
+                                    <p:set>
+                                      <p:cBhvr>
+                                        <p:cTn id="21" dur="1" fill="hold">
+                                          <p:stCondLst>
+                                            <p:cond delay="0"/>
+                                          </p:stCondLst>
+                                        </p:cTn>
+                                        <p:tgtEl>
+                                          <p:spTgt spid="227"/>
+                                        </p:tgtEl>
+                                        <p:attrNameLst>
+                                          <p:attrName>style.visibility</p:attrName>
+                                        </p:attrNameLst>
+                                      </p:cBhvr>
+                                      <p:to>
+                                        <p:strVal val="visible"/>
+                                      </p:to>
+                                    </p:set>
+                                    <p:animEffect transition="in" filter="fade">
+                                      <p:cBhvr>
+                                        <p:cTn id="22" dur="500"/>
+                                        <p:tgtEl>
+                                          <p:spTgt spid="227"/>
+                                        </p:tgtEl>
+                                      </p:cBhvr>
+                                    </p:animEffect>
+                                  </p:childTnLst>
+                                </p:cTn>
+                              </p:par>
+                              <p:par>
+                                <p:cTn id="23" presetID="10" presetClass="entr" presetSubtype="0" fill="hold" grpId="0" nodeType="withEffect">
+                                  <p:stCondLst>
+                                    <p:cond delay="0"/>
+                                  </p:stCondLst>
+                                  <p:childTnLst>
+                                    <p:set>
+                                      <p:cBhvr>
+                                        <p:cTn id="24" dur="1" fill="hold">
+                                          <p:stCondLst>
+                                            <p:cond delay="0"/>
+                                          </p:stCondLst>
+                                        </p:cTn>
+                                        <p:tgtEl>
+                                          <p:spTgt spid="228"/>
+                                        </p:tgtEl>
+                                        <p:attrNameLst>
+                                          <p:attrName>style.visibility</p:attrName>
+                                        </p:attrNameLst>
+                                      </p:cBhvr>
+                                      <p:to>
+                                        <p:strVal val="visible"/>
+                                      </p:to>
+                                    </p:set>
+                                    <p:animEffect transition="in" filter="fade">
+                                      <p:cBhvr>
+                                        <p:cTn id="25" dur="500"/>
+                                        <p:tgtEl>
+                                          <p:spTgt spid="228"/>
+                                        </p:tgtEl>
+                                      </p:cBhvr>
+                                    </p:animEffect>
+                                  </p:childTnLst>
+                                </p:cTn>
+                              </p:par>
+                              <p:par>
+                                <p:cTn id="26" presetID="10" presetClass="entr" presetSubtype="0" fill="hold" grpId="0" nodeType="withEffect">
+                                  <p:stCondLst>
+                                    <p:cond delay="0"/>
+                                  </p:stCondLst>
+                                  <p:childTnLst>
+                                    <p:set>
+                                      <p:cBhvr>
+                                        <p:cTn id="27" dur="1" fill="hold">
+                                          <p:stCondLst>
+                                            <p:cond delay="0"/>
+                                          </p:stCondLst>
+                                        </p:cTn>
+                                        <p:tgtEl>
+                                          <p:spTgt spid="229"/>
+                                        </p:tgtEl>
+                                        <p:attrNameLst>
+                                          <p:attrName>style.visibility</p:attrName>
+                                        </p:attrNameLst>
+                                      </p:cBhvr>
+                                      <p:to>
+                                        <p:strVal val="visible"/>
+                                      </p:to>
+                                    </p:set>
+                                    <p:animEffect transition="in" filter="fade">
+                                      <p:cBhvr>
+                                        <p:cTn id="28" dur="500"/>
+                                        <p:tgtEl>
+                                          <p:spTgt spid="229"/>
+                                        </p:tgtEl>
+                                      </p:cBhvr>
+                                    </p:animEffect>
+                                  </p:childTnLst>
+                                </p:cTn>
+                              </p:par>
+                              <p:par>
+                                <p:cTn id="29" presetID="10" presetClass="entr" presetSubtype="0" fill="hold" grpId="0" nodeType="withEffect">
+                                  <p:stCondLst>
+                                    <p:cond delay="0"/>
+                                  </p:stCondLst>
+                                  <p:childTnLst>
+                                    <p:set>
+                                      <p:cBhvr>
+                                        <p:cTn id="30" dur="1" fill="hold">
+                                          <p:stCondLst>
+                                            <p:cond delay="0"/>
+                                          </p:stCondLst>
+                                        </p:cTn>
+                                        <p:tgtEl>
+                                          <p:spTgt spid="230"/>
+                                        </p:tgtEl>
+                                        <p:attrNameLst>
+                                          <p:attrName>style.visibility</p:attrName>
+                                        </p:attrNameLst>
+                                      </p:cBhvr>
+                                      <p:to>
+                                        <p:strVal val="visible"/>
+                                      </p:to>
+                                    </p:set>
+                                    <p:animEffect transition="in" filter="fade">
+                                      <p:cBhvr>
+                                        <p:cTn id="31" dur="500"/>
+                                        <p:tgtEl>
+                                          <p:spTgt spid="230"/>
+                                        </p:tgtEl>
+                                      </p:cBhvr>
+                                    </p:animEffect>
+                                  </p:childTnLst>
+                                </p:cTn>
+                              </p:par>
+                              <p:par>
+                                <p:cTn id="32" presetID="10" presetClass="entr" presetSubtype="0" fill="hold" grpId="0" nodeType="withEffect">
+                                  <p:stCondLst>
+                                    <p:cond delay="0"/>
+                                  </p:stCondLst>
+                                  <p:childTnLst>
+                                    <p:set>
+                                      <p:cBhvr>
+                                        <p:cTn id="33" dur="1" fill="hold">
+                                          <p:stCondLst>
+                                            <p:cond delay="0"/>
+                                          </p:stCondLst>
+                                        </p:cTn>
+                                        <p:tgtEl>
+                                          <p:spTgt spid="231"/>
+                                        </p:tgtEl>
+                                        <p:attrNameLst>
+                                          <p:attrName>style.visibility</p:attrName>
+                                        </p:attrNameLst>
+                                      </p:cBhvr>
+                                      <p:to>
+                                        <p:strVal val="visible"/>
+                                      </p:to>
+                                    </p:set>
+                                    <p:animEffect transition="in" filter="fade">
+                                      <p:cBhvr>
+                                        <p:cTn id="34" dur="500"/>
+                                        <p:tgtEl>
+                                          <p:spTgt spid="231"/>
+                                        </p:tgtEl>
+                                      </p:cBhvr>
+                                    </p:animEffect>
+                                  </p:childTnLst>
+                                </p:cTn>
+                              </p:par>
+                              <p:par>
+                                <p:cTn id="35" presetID="10" presetClass="entr" presetSubtype="0" fill="hold" grpId="0" nodeType="withEffect">
+                                  <p:stCondLst>
+                                    <p:cond delay="0"/>
+                                  </p:stCondLst>
+                                  <p:childTnLst>
+                                    <p:set>
+                                      <p:cBhvr>
+                                        <p:cTn id="36" dur="1" fill="hold">
+                                          <p:stCondLst>
+                                            <p:cond delay="0"/>
+                                          </p:stCondLst>
+                                        </p:cTn>
+                                        <p:tgtEl>
+                                          <p:spTgt spid="232"/>
+                                        </p:tgtEl>
+                                        <p:attrNameLst>
+                                          <p:attrName>style.visibility</p:attrName>
+                                        </p:attrNameLst>
+                                      </p:cBhvr>
+                                      <p:to>
+                                        <p:strVal val="visible"/>
+                                      </p:to>
+                                    </p:set>
+                                    <p:animEffect transition="in" filter="fade">
+                                      <p:cBhvr>
+                                        <p:cTn id="37" dur="500"/>
+                                        <p:tgtEl>
+                                          <p:spTgt spid="232"/>
+                                        </p:tgtEl>
+                                      </p:cBhvr>
+                                    </p:animEffect>
+                                  </p:childTnLst>
+                                </p:cTn>
+                              </p:par>
+                              <p:par>
+                                <p:cTn id="38" presetID="10" presetClass="entr" presetSubtype="0" fill="hold" grpId="0" nodeType="withEffect">
+                                  <p:stCondLst>
+                                    <p:cond delay="0"/>
+                                  </p:stCondLst>
+                                  <p:childTnLst>
+                                    <p:set>
+                                      <p:cBhvr>
+                                        <p:cTn id="39" dur="1" fill="hold">
+                                          <p:stCondLst>
+                                            <p:cond delay="0"/>
+                                          </p:stCondLst>
+                                        </p:cTn>
+                                        <p:tgtEl>
+                                          <p:spTgt spid="233"/>
+                                        </p:tgtEl>
+                                        <p:attrNameLst>
+                                          <p:attrName>style.visibility</p:attrName>
+                                        </p:attrNameLst>
+                                      </p:cBhvr>
+                                      <p:to>
+                                        <p:strVal val="visible"/>
+                                      </p:to>
+                                    </p:set>
+                                    <p:animEffect transition="in" filter="fade">
+                                      <p:cBhvr>
+                                        <p:cTn id="40" dur="500"/>
+                                        <p:tgtEl>
+                                          <p:spTgt spid="233"/>
+                                        </p:tgtEl>
+                                      </p:cBhvr>
+                                    </p:animEffect>
+                                  </p:childTnLst>
+                                </p:cTn>
+                              </p:par>
+                              <p:par>
+                                <p:cTn id="41" presetID="10" presetClass="entr" presetSubtype="0" fill="hold" grpId="0" nodeType="withEffect">
+                                  <p:stCondLst>
+                                    <p:cond delay="0"/>
+                                  </p:stCondLst>
+                                  <p:childTnLst>
+                                    <p:set>
+                                      <p:cBhvr>
+                                        <p:cTn id="42" dur="1" fill="hold">
+                                          <p:stCondLst>
+                                            <p:cond delay="0"/>
+                                          </p:stCondLst>
+                                        </p:cTn>
+                                        <p:tgtEl>
+                                          <p:spTgt spid="234"/>
+                                        </p:tgtEl>
+                                        <p:attrNameLst>
+                                          <p:attrName>style.visibility</p:attrName>
+                                        </p:attrNameLst>
+                                      </p:cBhvr>
+                                      <p:to>
+                                        <p:strVal val="visible"/>
+                                      </p:to>
+                                    </p:set>
+                                    <p:animEffect transition="in" filter="fade">
+                                      <p:cBhvr>
+                                        <p:cTn id="43" dur="500"/>
+                                        <p:tgtEl>
+                                          <p:spTgt spid="234"/>
+                                        </p:tgtEl>
+                                      </p:cBhvr>
+                                    </p:animEffect>
+                                  </p:childTnLst>
+                                </p:cTn>
+                              </p:par>
+                              <p:par>
+                                <p:cTn id="44" presetID="10" presetClass="entr" presetSubtype="0" fill="hold" grpId="0" nodeType="withEffect">
+                                  <p:stCondLst>
+                                    <p:cond delay="0"/>
+                                  </p:stCondLst>
+                                  <p:childTnLst>
+                                    <p:set>
+                                      <p:cBhvr>
+                                        <p:cTn id="45" dur="1" fill="hold">
+                                          <p:stCondLst>
+                                            <p:cond delay="0"/>
+                                          </p:stCondLst>
+                                        </p:cTn>
+                                        <p:tgtEl>
+                                          <p:spTgt spid="235"/>
+                                        </p:tgtEl>
+                                        <p:attrNameLst>
+                                          <p:attrName>style.visibility</p:attrName>
+                                        </p:attrNameLst>
+                                      </p:cBhvr>
+                                      <p:to>
+                                        <p:strVal val="visible"/>
+                                      </p:to>
+                                    </p:set>
+                                    <p:animEffect transition="in" filter="fade">
+                                      <p:cBhvr>
+                                        <p:cTn id="46" dur="500"/>
+                                        <p:tgtEl>
+                                          <p:spTgt spid="235"/>
+                                        </p:tgtEl>
+                                      </p:cBhvr>
+                                    </p:animEffect>
+                                  </p:childTnLst>
+                                </p:cTn>
+                              </p:par>
+                              <p:par>
+                                <p:cTn id="47" presetID="10" presetClass="entr" presetSubtype="0" fill="hold" nodeType="withEffect">
+                                  <p:stCondLst>
+                                    <p:cond delay="0"/>
+                                  </p:stCondLst>
+                                  <p:childTnLst>
+                                    <p:set>
+                                      <p:cBhvr>
+                                        <p:cTn id="48" dur="1" fill="hold">
+                                          <p:stCondLst>
+                                            <p:cond delay="0"/>
+                                          </p:stCondLst>
+                                        </p:cTn>
+                                        <p:tgtEl>
+                                          <p:spTgt spid="236"/>
+                                        </p:tgtEl>
+                                        <p:attrNameLst>
+                                          <p:attrName>style.visibility</p:attrName>
+                                        </p:attrNameLst>
+                                      </p:cBhvr>
+                                      <p:to>
+                                        <p:strVal val="visible"/>
+                                      </p:to>
+                                    </p:set>
+                                    <p:animEffect transition="in" filter="fade">
+                                      <p:cBhvr>
+                                        <p:cTn id="49" dur="500"/>
+                                        <p:tgtEl>
+                                          <p:spTgt spid="236"/>
+                                        </p:tgtEl>
+                                      </p:cBhvr>
+                                    </p:animEffect>
+                                  </p:childTnLst>
+                                </p:cTn>
+                              </p:par>
+                              <p:par>
+                                <p:cTn id="50" presetID="10" presetClass="entr" presetSubtype="0" fill="hold" nodeType="withEffect">
+                                  <p:stCondLst>
+                                    <p:cond delay="0"/>
+                                  </p:stCondLst>
+                                  <p:childTnLst>
+                                    <p:set>
+                                      <p:cBhvr>
+                                        <p:cTn id="51" dur="1" fill="hold">
+                                          <p:stCondLst>
+                                            <p:cond delay="0"/>
+                                          </p:stCondLst>
+                                        </p:cTn>
+                                        <p:tgtEl>
+                                          <p:spTgt spid="237"/>
+                                        </p:tgtEl>
+                                        <p:attrNameLst>
+                                          <p:attrName>style.visibility</p:attrName>
+                                        </p:attrNameLst>
+                                      </p:cBhvr>
+                                      <p:to>
+                                        <p:strVal val="visible"/>
+                                      </p:to>
+                                    </p:set>
+                                    <p:animEffect transition="in" filter="fade">
+                                      <p:cBhvr>
+                                        <p:cTn id="52" dur="500"/>
+                                        <p:tgtEl>
+                                          <p:spTgt spid="237"/>
+                                        </p:tgtEl>
+                                      </p:cBhvr>
+                                    </p:animEffect>
+                                  </p:childTnLst>
+                                </p:cTn>
+                              </p:par>
+                              <p:par>
+                                <p:cTn id="53" presetID="10" presetClass="entr" presetSubtype="0" fill="hold" nodeType="withEffect">
+                                  <p:stCondLst>
+                                    <p:cond delay="0"/>
+                                  </p:stCondLst>
+                                  <p:childTnLst>
+                                    <p:set>
+                                      <p:cBhvr>
+                                        <p:cTn id="54" dur="1" fill="hold">
+                                          <p:stCondLst>
+                                            <p:cond delay="0"/>
+                                          </p:stCondLst>
+                                        </p:cTn>
+                                        <p:tgtEl>
+                                          <p:spTgt spid="238"/>
+                                        </p:tgtEl>
+                                        <p:attrNameLst>
+                                          <p:attrName>style.visibility</p:attrName>
+                                        </p:attrNameLst>
+                                      </p:cBhvr>
+                                      <p:to>
+                                        <p:strVal val="visible"/>
+                                      </p:to>
+                                    </p:set>
+                                    <p:animEffect transition="in" filter="fade">
+                                      <p:cBhvr>
+                                        <p:cTn id="55" dur="500"/>
+                                        <p:tgtEl>
+                                          <p:spTgt spid="238"/>
+                                        </p:tgtEl>
+                                      </p:cBhvr>
+                                    </p:animEffect>
+                                  </p:childTnLst>
+                                </p:cTn>
+                              </p:par>
+                            </p:childTnLst>
+                          </p:cTn>
+                        </p:par>
+                      </p:childTnLst>
+                    </p:cTn>
+                  </p:par>
+                </p:childTnLst>
+              </p:cTn>
+              <p:prevCondLst>
+                <p:cond evt="onPrev" delay="0">
+                  <p:tgtEl>
+                    <p:sldTgt/>
+                  </p:tgtEl>
+                </p:cond>
+              </p:prevCondLst>
+              <p:nextCondLst>
+                <p:cond evt="onNext" delay="0">
+                  <p:tgtEl>
+                    <p:sldTgt/>
+                  </p:tgtEl>
+                </p:cond>
+              </p:nextCondLst>
+            </p:seq>
+          </p:childTnLst>
+        </p:cTn>
+      </p:par>
+    </p:tnLst>
+    <p:bldLst>
+      <p:bldP spid="226" grpId="0"/>
+      <p:bldP spid="227" grpId="0"/>
+      <p:bldP spid="228" grpId="0"/>
+      <p:bldP spid="229" grpId="0" animBg="1"/>
+      <p:bldP spid="230" grpId="0"/>
+      <p:bldP spid="231" grpId="0"/>
+      <p:bldP spid="232" grpId="0"/>
+      <p:bldP spid="233" grpId="0"/>
+      <p:bldP spid="234" grpId="0"/>
+      <p:bldP spid="235" grpId="0"/>
+    </p:bldLst>
+  </p:timing>
 </p:sld>
 </file>
 
@@ -19378,7 +24142,7 @@
               <a:buNone/>
             </a:pPr>
             <a:r>
-              <a:rPr lang="en-US" sz="6000" b="1" i="0" u="none" strike="noStrike" cap="none">
+              <a:rPr lang="en-US" sz="6000" b="1" i="0" u="none" strike="noStrike" cap="none" dirty="0">
                 <a:solidFill>
                   <a:srgbClr val="FFFFFF"/>
                 </a:solidFill>
@@ -19389,7 +24153,7 @@
               </a:rPr>
               <a:t>Thank You For Your Time</a:t>
             </a:r>
-            <a:endParaRPr/>
+            <a:endParaRPr dirty="0"/>
           </a:p>
         </p:txBody>
       </p:sp>
@@ -19501,6 +24265,164 @@
   <p:clrMapOvr>
     <a:masterClrMapping/>
   </p:clrMapOvr>
+  <p:timing>
+    <p:tnLst>
+      <p:par>
+        <p:cTn id="1" dur="indefinite" restart="never" nodeType="tmRoot">
+          <p:childTnLst>
+            <p:seq concurrent="1" nextAc="seek">
+              <p:cTn id="2" dur="indefinite" nodeType="mainSeq">
+                <p:childTnLst>
+                  <p:par>
+                    <p:cTn id="3" fill="hold">
+                      <p:stCondLst>
+                        <p:cond delay="indefinite"/>
+                      </p:stCondLst>
+                      <p:childTnLst>
+                        <p:par>
+                          <p:cTn id="4" fill="hold">
+                            <p:stCondLst>
+                              <p:cond delay="0"/>
+                            </p:stCondLst>
+                            <p:childTnLst>
+                              <p:par>
+                                <p:cTn id="5" presetID="10" presetClass="entr" presetSubtype="0" fill="hold" grpId="0" nodeType="clickEffect">
+                                  <p:stCondLst>
+                                    <p:cond delay="0"/>
+                                  </p:stCondLst>
+                                  <p:childTnLst>
+                                    <p:set>
+                                      <p:cBhvr>
+                                        <p:cTn id="6" dur="1" fill="hold">
+                                          <p:stCondLst>
+                                            <p:cond delay="0"/>
+                                          </p:stCondLst>
+                                        </p:cTn>
+                                        <p:tgtEl>
+                                          <p:spTgt spid="245"/>
+                                        </p:tgtEl>
+                                        <p:attrNameLst>
+                                          <p:attrName>style.visibility</p:attrName>
+                                        </p:attrNameLst>
+                                      </p:cBhvr>
+                                      <p:to>
+                                        <p:strVal val="visible"/>
+                                      </p:to>
+                                    </p:set>
+                                    <p:animEffect transition="in" filter="fade">
+                                      <p:cBhvr>
+                                        <p:cTn id="7" dur="500"/>
+                                        <p:tgtEl>
+                                          <p:spTgt spid="245"/>
+                                        </p:tgtEl>
+                                      </p:cBhvr>
+                                    </p:animEffect>
+                                  </p:childTnLst>
+                                </p:cTn>
+                              </p:par>
+                              <p:par>
+                                <p:cTn id="8" presetID="10" presetClass="entr" presetSubtype="0" fill="hold" grpId="0" nodeType="withEffect">
+                                  <p:stCondLst>
+                                    <p:cond delay="0"/>
+                                  </p:stCondLst>
+                                  <p:childTnLst>
+                                    <p:set>
+                                      <p:cBhvr>
+                                        <p:cTn id="9" dur="1" fill="hold">
+                                          <p:stCondLst>
+                                            <p:cond delay="0"/>
+                                          </p:stCondLst>
+                                        </p:cTn>
+                                        <p:tgtEl>
+                                          <p:spTgt spid="246"/>
+                                        </p:tgtEl>
+                                        <p:attrNameLst>
+                                          <p:attrName>style.visibility</p:attrName>
+                                        </p:attrNameLst>
+                                      </p:cBhvr>
+                                      <p:to>
+                                        <p:strVal val="visible"/>
+                                      </p:to>
+                                    </p:set>
+                                    <p:animEffect transition="in" filter="fade">
+                                      <p:cBhvr>
+                                        <p:cTn id="10" dur="500"/>
+                                        <p:tgtEl>
+                                          <p:spTgt spid="246"/>
+                                        </p:tgtEl>
+                                      </p:cBhvr>
+                                    </p:animEffect>
+                                  </p:childTnLst>
+                                </p:cTn>
+                              </p:par>
+                              <p:par>
+                                <p:cTn id="11" presetID="10" presetClass="entr" presetSubtype="0" fill="hold" grpId="0" nodeType="withEffect">
+                                  <p:stCondLst>
+                                    <p:cond delay="0"/>
+                                  </p:stCondLst>
+                                  <p:childTnLst>
+                                    <p:set>
+                                      <p:cBhvr>
+                                        <p:cTn id="12" dur="1" fill="hold">
+                                          <p:stCondLst>
+                                            <p:cond delay="0"/>
+                                          </p:stCondLst>
+                                        </p:cTn>
+                                        <p:tgtEl>
+                                          <p:spTgt spid="247"/>
+                                        </p:tgtEl>
+                                        <p:attrNameLst>
+                                          <p:attrName>style.visibility</p:attrName>
+                                        </p:attrNameLst>
+                                      </p:cBhvr>
+                                      <p:to>
+                                        <p:strVal val="visible"/>
+                                      </p:to>
+                                    </p:set>
+                                    <p:animEffect transition="in" filter="fade">
+                                      <p:cBhvr>
+                                        <p:cTn id="13" dur="500"/>
+                                        <p:tgtEl>
+                                          <p:spTgt spid="247"/>
+                                        </p:tgtEl>
+                                      </p:cBhvr>
+                                    </p:animEffect>
+                                  </p:childTnLst>
+                                </p:cTn>
+                              </p:par>
+                            </p:childTnLst>
+                          </p:cTn>
+                        </p:par>
+                      </p:childTnLst>
+                    </p:cTn>
+                  </p:par>
+                </p:childTnLst>
+              </p:cTn>
+              <p:prevCondLst>
+                <p:cond evt="onPrev" delay="0">
+                  <p:tgtEl>
+                    <p:sldTgt/>
+                  </p:tgtEl>
+                </p:cond>
+              </p:prevCondLst>
+              <p:nextCondLst>
+                <p:cond evt="onNext" delay="0">
+                  <p:tgtEl>
+                    <p:sldTgt/>
+                  </p:tgtEl>
+                </p:cond>
+              </p:nextCondLst>
+            </p:seq>
+          </p:childTnLst>
+        </p:cTn>
+      </p:par>
+    </p:tnLst>
+    <p:bldLst>
+      <p:bldP spid="245" grpId="0"/>
+      <p:bldP spid="246" grpId="0"/>
+      <p:bldP spid="247" grpId="0" animBg="1"/>
+    </p:bldLst>
+  </p:timing>
 </p:sld>
 </file>
 
